--- a/projectP/Presentation.pptx
+++ b/projectP/Presentation.pptx
@@ -496,7 +496,7 @@
           </a:lstStyle>
           <a:p>
             <a:r>
-              <a:rPr lang="it-IT" smtClean="0"/>
+              <a:rPr lang="it-IT"/>
               <a:t>Fare clic per modificare lo stile del titolo</a:t>
             </a:r>
             <a:endParaRPr lang="en-US" dirty="0"/>
@@ -615,7 +615,7 @@
           </a:lstStyle>
           <a:p>
             <a:r>
-              <a:rPr lang="it-IT" smtClean="0"/>
+              <a:rPr lang="it-IT"/>
               <a:t>Fare clic per modificare lo stile del sottotitolo dello schema</a:t>
             </a:r>
             <a:endParaRPr lang="en-US" dirty="0"/>
@@ -749,7 +749,7 @@
           </a:lstStyle>
           <a:p>
             <a:r>
-              <a:rPr lang="it-IT" smtClean="0"/>
+              <a:rPr lang="it-IT"/>
               <a:t>Fare clic per modificare lo stile del titolo</a:t>
             </a:r>
             <a:endParaRPr lang="en-US" dirty="0"/>
@@ -844,7 +844,7 @@
           </a:lstStyle>
           <a:p>
             <a:r>
-              <a:rPr lang="it-IT" smtClean="0"/>
+              <a:rPr lang="it-IT"/>
               <a:t>Fare clic sull'icona per inserire un'immagine</a:t>
             </a:r>
             <a:endParaRPr lang="en-US" dirty="0"/>
@@ -912,7 +912,7 @@
           <a:p>
             <a:pPr lvl="0"/>
             <a:r>
-              <a:rPr lang="it-IT" smtClean="0"/>
+              <a:rPr lang="it-IT"/>
               <a:t>Modifica gli stili del testo dello schema</a:t>
             </a:r>
           </a:p>
@@ -1040,7 +1040,7 @@
           </a:lstStyle>
           <a:p>
             <a:r>
-              <a:rPr lang="it-IT" smtClean="0"/>
+              <a:rPr lang="it-IT"/>
               <a:t>Fare clic per modificare lo stile del titolo</a:t>
             </a:r>
             <a:endParaRPr lang="en-US" dirty="0"/>
@@ -1160,7 +1160,7 @@
           <a:p>
             <a:pPr lvl="0"/>
             <a:r>
-              <a:rPr lang="it-IT" smtClean="0"/>
+              <a:rPr lang="it-IT"/>
               <a:t>Modifica gli stili del testo dello schema</a:t>
             </a:r>
           </a:p>
@@ -1524,7 +1524,7 @@
           </a:lstStyle>
           <a:p>
             <a:r>
-              <a:rPr lang="it-IT" smtClean="0"/>
+              <a:rPr lang="it-IT"/>
               <a:t>Fare clic per modificare lo stile del titolo</a:t>
             </a:r>
             <a:endParaRPr lang="en-US" dirty="0"/>
@@ -1581,7 +1581,7 @@
           <a:p>
             <a:pPr lvl="0"/>
             <a:r>
-              <a:rPr lang="it-IT" smtClean="0"/>
+              <a:rPr lang="it-IT"/>
               <a:t>Modifica gli stili del testo dello schema</a:t>
             </a:r>
           </a:p>
@@ -1700,7 +1700,7 @@
           <a:p>
             <a:pPr lvl="0"/>
             <a:r>
-              <a:rPr lang="it-IT" smtClean="0"/>
+              <a:rPr lang="it-IT"/>
               <a:t>Modifica gli stili del testo dello schema</a:t>
             </a:r>
           </a:p>
@@ -1828,7 +1828,7 @@
           </a:lstStyle>
           <a:p>
             <a:r>
-              <a:rPr lang="it-IT" smtClean="0"/>
+              <a:rPr lang="it-IT"/>
               <a:t>Fare clic per modificare lo stile del titolo</a:t>
             </a:r>
             <a:endParaRPr lang="en-US" dirty="0"/>
@@ -1948,7 +1948,7 @@
           <a:p>
             <a:pPr lvl="0"/>
             <a:r>
-              <a:rPr lang="it-IT" smtClean="0"/>
+              <a:rPr lang="it-IT"/>
               <a:t>Modifica gli stili del testo dello schema</a:t>
             </a:r>
           </a:p>
@@ -2312,7 +2312,7 @@
           </a:lstStyle>
           <a:p>
             <a:r>
-              <a:rPr lang="it-IT" smtClean="0"/>
+              <a:rPr lang="it-IT"/>
               <a:t>Fare clic per modificare lo stile del titolo</a:t>
             </a:r>
             <a:endParaRPr lang="en-US" dirty="0"/>
@@ -2361,7 +2361,7 @@
               <a:buNone/>
             </a:pPr>
             <a:r>
-              <a:rPr lang="it-IT" smtClean="0"/>
+              <a:rPr lang="it-IT"/>
               <a:t>Modifica gli stili del testo dello schema</a:t>
             </a:r>
           </a:p>
@@ -2480,7 +2480,7 @@
           <a:p>
             <a:pPr lvl="0"/>
             <a:r>
-              <a:rPr lang="it-IT" smtClean="0"/>
+              <a:rPr lang="it-IT"/>
               <a:t>Modifica gli stili del testo dello schema</a:t>
             </a:r>
           </a:p>
@@ -2609,7 +2609,7 @@
           <a:p>
             <a:pPr marL="0" lvl="0"/>
             <a:r>
-              <a:rPr lang="it-IT" smtClean="0"/>
+              <a:rPr lang="it-IT"/>
               <a:t>Fare clic per modificare lo stile del titolo</a:t>
             </a:r>
             <a:endParaRPr lang="en-US" dirty="0"/>
@@ -2658,7 +2658,7 @@
               <a:buNone/>
             </a:pPr>
             <a:r>
-              <a:rPr lang="it-IT" smtClean="0"/>
+              <a:rPr lang="it-IT"/>
               <a:t>Modifica gli stili del testo dello schema</a:t>
             </a:r>
           </a:p>
@@ -2777,7 +2777,7 @@
           <a:p>
             <a:pPr lvl="0"/>
             <a:r>
-              <a:rPr lang="it-IT" smtClean="0"/>
+              <a:rPr lang="it-IT"/>
               <a:t>Modifica gli stili del testo dello schema</a:t>
             </a:r>
           </a:p>
@@ -2898,7 +2898,7 @@
           </a:lstStyle>
           <a:p>
             <a:r>
-              <a:rPr lang="it-IT" smtClean="0"/>
+              <a:rPr lang="it-IT"/>
               <a:t>Fare clic per modificare lo stile del titolo</a:t>
             </a:r>
             <a:endParaRPr lang="en-US" dirty="0"/>
@@ -2922,35 +2922,35 @@
           <a:p>
             <a:pPr lvl="0"/>
             <a:r>
-              <a:rPr lang="it-IT" smtClean="0"/>
+              <a:rPr lang="it-IT"/>
               <a:t>Modifica gli stili del testo dello schema</a:t>
             </a:r>
           </a:p>
           <a:p>
             <a:pPr lvl="1"/>
             <a:r>
-              <a:rPr lang="it-IT" smtClean="0"/>
+              <a:rPr lang="it-IT"/>
               <a:t>Secondo livello</a:t>
             </a:r>
           </a:p>
           <a:p>
             <a:pPr lvl="2"/>
             <a:r>
-              <a:rPr lang="it-IT" smtClean="0"/>
+              <a:rPr lang="it-IT"/>
               <a:t>Terzo livello</a:t>
             </a:r>
           </a:p>
           <a:p>
             <a:pPr lvl="3"/>
             <a:r>
-              <a:rPr lang="it-IT" smtClean="0"/>
+              <a:rPr lang="it-IT"/>
               <a:t>Quarto livello</a:t>
             </a:r>
           </a:p>
           <a:p>
             <a:pPr lvl="4"/>
             <a:r>
-              <a:rPr lang="it-IT" smtClean="0"/>
+              <a:rPr lang="it-IT"/>
               <a:t>Quinto livello</a:t>
             </a:r>
             <a:endParaRPr lang="en-US" dirty="0"/>
@@ -3073,7 +3073,7 @@
           <a:lstStyle/>
           <a:p>
             <a:r>
-              <a:rPr lang="it-IT" smtClean="0"/>
+              <a:rPr lang="it-IT"/>
               <a:t>Fare clic per modificare lo stile del titolo</a:t>
             </a:r>
             <a:endParaRPr lang="en-US" dirty="0"/>
@@ -3102,35 +3102,35 @@
           <a:p>
             <a:pPr lvl="0"/>
             <a:r>
-              <a:rPr lang="it-IT" smtClean="0"/>
+              <a:rPr lang="it-IT"/>
               <a:t>Modifica gli stili del testo dello schema</a:t>
             </a:r>
           </a:p>
           <a:p>
             <a:pPr lvl="1"/>
             <a:r>
-              <a:rPr lang="it-IT" smtClean="0"/>
+              <a:rPr lang="it-IT"/>
               <a:t>Secondo livello</a:t>
             </a:r>
           </a:p>
           <a:p>
             <a:pPr lvl="2"/>
             <a:r>
-              <a:rPr lang="it-IT" smtClean="0"/>
+              <a:rPr lang="it-IT"/>
               <a:t>Terzo livello</a:t>
             </a:r>
           </a:p>
           <a:p>
             <a:pPr lvl="3"/>
             <a:r>
-              <a:rPr lang="it-IT" smtClean="0"/>
+              <a:rPr lang="it-IT"/>
               <a:t>Quarto livello</a:t>
             </a:r>
           </a:p>
           <a:p>
             <a:pPr lvl="4"/>
             <a:r>
-              <a:rPr lang="it-IT" smtClean="0"/>
+              <a:rPr lang="it-IT"/>
               <a:t>Quinto livello</a:t>
             </a:r>
             <a:endParaRPr lang="en-US" dirty="0"/>
@@ -3248,7 +3248,7 @@
           <a:lstStyle/>
           <a:p>
             <a:r>
-              <a:rPr lang="it-IT" smtClean="0"/>
+              <a:rPr lang="it-IT"/>
               <a:t>Fare clic per modificare lo stile del titolo</a:t>
             </a:r>
             <a:endParaRPr lang="en-US" dirty="0"/>
@@ -3272,35 +3272,35 @@
           <a:p>
             <a:pPr lvl="0"/>
             <a:r>
-              <a:rPr lang="it-IT" smtClean="0"/>
+              <a:rPr lang="it-IT"/>
               <a:t>Modifica gli stili del testo dello schema</a:t>
             </a:r>
           </a:p>
           <a:p>
             <a:pPr lvl="1"/>
             <a:r>
-              <a:rPr lang="it-IT" smtClean="0"/>
+              <a:rPr lang="it-IT"/>
               <a:t>Secondo livello</a:t>
             </a:r>
           </a:p>
           <a:p>
             <a:pPr lvl="2"/>
             <a:r>
-              <a:rPr lang="it-IT" smtClean="0"/>
+              <a:rPr lang="it-IT"/>
               <a:t>Terzo livello</a:t>
             </a:r>
           </a:p>
           <a:p>
             <a:pPr lvl="3"/>
             <a:r>
-              <a:rPr lang="it-IT" smtClean="0"/>
+              <a:rPr lang="it-IT"/>
               <a:t>Quarto livello</a:t>
             </a:r>
           </a:p>
           <a:p>
             <a:pPr lvl="4"/>
             <a:r>
-              <a:rPr lang="it-IT" smtClean="0"/>
+              <a:rPr lang="it-IT"/>
               <a:t>Quinto livello</a:t>
             </a:r>
             <a:endParaRPr lang="en-US" dirty="0"/>
@@ -3432,7 +3432,7 @@
           </a:lstStyle>
           <a:p>
             <a:r>
-              <a:rPr lang="it-IT" smtClean="0"/>
+              <a:rPr lang="it-IT"/>
               <a:t>Fare clic per modificare lo stile del titolo</a:t>
             </a:r>
             <a:endParaRPr lang="en-US" dirty="0"/>
@@ -3552,7 +3552,7 @@
           <a:p>
             <a:pPr lvl="0"/>
             <a:r>
-              <a:rPr lang="it-IT" smtClean="0"/>
+              <a:rPr lang="it-IT"/>
               <a:t>Modifica gli stili del testo dello schema</a:t>
             </a:r>
           </a:p>
@@ -3674,7 +3674,7 @@
           <a:lstStyle/>
           <a:p>
             <a:r>
-              <a:rPr lang="it-IT" smtClean="0"/>
+              <a:rPr lang="it-IT"/>
               <a:t>Fare clic per modificare lo stile del titolo</a:t>
             </a:r>
             <a:endParaRPr lang="en-US" dirty="0"/>
@@ -3733,35 +3733,35 @@
           <a:p>
             <a:pPr lvl="0"/>
             <a:r>
-              <a:rPr lang="it-IT" smtClean="0"/>
+              <a:rPr lang="it-IT"/>
               <a:t>Modifica gli stili del testo dello schema</a:t>
             </a:r>
           </a:p>
           <a:p>
             <a:pPr lvl="1"/>
             <a:r>
-              <a:rPr lang="it-IT" smtClean="0"/>
+              <a:rPr lang="it-IT"/>
               <a:t>Secondo livello</a:t>
             </a:r>
           </a:p>
           <a:p>
             <a:pPr lvl="2"/>
             <a:r>
-              <a:rPr lang="it-IT" smtClean="0"/>
+              <a:rPr lang="it-IT"/>
               <a:t>Terzo livello</a:t>
             </a:r>
           </a:p>
           <a:p>
             <a:pPr lvl="3"/>
             <a:r>
-              <a:rPr lang="it-IT" smtClean="0"/>
+              <a:rPr lang="it-IT"/>
               <a:t>Quarto livello</a:t>
             </a:r>
           </a:p>
           <a:p>
             <a:pPr lvl="4"/>
             <a:r>
-              <a:rPr lang="it-IT" smtClean="0"/>
+              <a:rPr lang="it-IT"/>
               <a:t>Quinto livello</a:t>
             </a:r>
             <a:endParaRPr lang="en-US" dirty="0"/>
@@ -3820,35 +3820,35 @@
           <a:p>
             <a:pPr lvl="0"/>
             <a:r>
-              <a:rPr lang="it-IT" smtClean="0"/>
+              <a:rPr lang="it-IT"/>
               <a:t>Modifica gli stili del testo dello schema</a:t>
             </a:r>
           </a:p>
           <a:p>
             <a:pPr lvl="1"/>
             <a:r>
-              <a:rPr lang="it-IT" smtClean="0"/>
+              <a:rPr lang="it-IT"/>
               <a:t>Secondo livello</a:t>
             </a:r>
           </a:p>
           <a:p>
             <a:pPr lvl="2"/>
             <a:r>
-              <a:rPr lang="it-IT" smtClean="0"/>
+              <a:rPr lang="it-IT"/>
               <a:t>Terzo livello</a:t>
             </a:r>
           </a:p>
           <a:p>
             <a:pPr lvl="3"/>
             <a:r>
-              <a:rPr lang="it-IT" smtClean="0"/>
+              <a:rPr lang="it-IT"/>
               <a:t>Quarto livello</a:t>
             </a:r>
           </a:p>
           <a:p>
             <a:pPr lvl="4"/>
             <a:r>
-              <a:rPr lang="it-IT" smtClean="0"/>
+              <a:rPr lang="it-IT"/>
               <a:t>Quinto livello</a:t>
             </a:r>
             <a:endParaRPr lang="en-US" dirty="0"/>
@@ -3970,7 +3970,7 @@
           </a:lstStyle>
           <a:p>
             <a:r>
-              <a:rPr lang="it-IT" smtClean="0"/>
+              <a:rPr lang="it-IT"/>
               <a:t>Fare clic per modificare lo stile del titolo</a:t>
             </a:r>
             <a:endParaRPr lang="en-US" dirty="0"/>
@@ -4044,7 +4044,7 @@
           <a:p>
             <a:pPr lvl="0"/>
             <a:r>
-              <a:rPr lang="it-IT" smtClean="0"/>
+              <a:rPr lang="it-IT"/>
               <a:t>Modifica gli stili del testo dello schema</a:t>
             </a:r>
           </a:p>
@@ -4102,35 +4102,35 @@
           <a:p>
             <a:pPr lvl="0"/>
             <a:r>
-              <a:rPr lang="it-IT" smtClean="0"/>
+              <a:rPr lang="it-IT"/>
               <a:t>Modifica gli stili del testo dello schema</a:t>
             </a:r>
           </a:p>
           <a:p>
             <a:pPr lvl="1"/>
             <a:r>
-              <a:rPr lang="it-IT" smtClean="0"/>
+              <a:rPr lang="it-IT"/>
               <a:t>Secondo livello</a:t>
             </a:r>
           </a:p>
           <a:p>
             <a:pPr lvl="2"/>
             <a:r>
-              <a:rPr lang="it-IT" smtClean="0"/>
+              <a:rPr lang="it-IT"/>
               <a:t>Terzo livello</a:t>
             </a:r>
           </a:p>
           <a:p>
             <a:pPr lvl="3"/>
             <a:r>
-              <a:rPr lang="it-IT" smtClean="0"/>
+              <a:rPr lang="it-IT"/>
               <a:t>Quarto livello</a:t>
             </a:r>
           </a:p>
           <a:p>
             <a:pPr lvl="4"/>
             <a:r>
-              <a:rPr lang="it-IT" smtClean="0"/>
+              <a:rPr lang="it-IT"/>
               <a:t>Quinto livello</a:t>
             </a:r>
             <a:endParaRPr lang="en-US" dirty="0"/>
@@ -4204,7 +4204,7 @@
           <a:p>
             <a:pPr lvl="0"/>
             <a:r>
-              <a:rPr lang="it-IT" smtClean="0"/>
+              <a:rPr lang="it-IT"/>
               <a:t>Modifica gli stili del testo dello schema</a:t>
             </a:r>
           </a:p>
@@ -4262,35 +4262,35 @@
           <a:p>
             <a:pPr lvl="0"/>
             <a:r>
-              <a:rPr lang="it-IT" smtClean="0"/>
+              <a:rPr lang="it-IT"/>
               <a:t>Modifica gli stili del testo dello schema</a:t>
             </a:r>
           </a:p>
           <a:p>
             <a:pPr lvl="1"/>
             <a:r>
-              <a:rPr lang="it-IT" smtClean="0"/>
+              <a:rPr lang="it-IT"/>
               <a:t>Secondo livello</a:t>
             </a:r>
           </a:p>
           <a:p>
             <a:pPr lvl="2"/>
             <a:r>
-              <a:rPr lang="it-IT" smtClean="0"/>
+              <a:rPr lang="it-IT"/>
               <a:t>Terzo livello</a:t>
             </a:r>
           </a:p>
           <a:p>
             <a:pPr lvl="3"/>
             <a:r>
-              <a:rPr lang="it-IT" smtClean="0"/>
+              <a:rPr lang="it-IT"/>
               <a:t>Quarto livello</a:t>
             </a:r>
           </a:p>
           <a:p>
             <a:pPr lvl="4"/>
             <a:r>
-              <a:rPr lang="it-IT" smtClean="0"/>
+              <a:rPr lang="it-IT"/>
               <a:t>Quinto livello</a:t>
             </a:r>
             <a:endParaRPr lang="en-US" dirty="0"/>
@@ -4408,7 +4408,7 @@
           <a:lstStyle/>
           <a:p>
             <a:r>
-              <a:rPr lang="it-IT" smtClean="0"/>
+              <a:rPr lang="it-IT"/>
               <a:t>Fare clic per modificare lo stile del titolo</a:t>
             </a:r>
             <a:endParaRPr lang="en-US" dirty="0"/>
@@ -4632,7 +4632,7 @@
           </a:lstStyle>
           <a:p>
             <a:r>
-              <a:rPr lang="it-IT" smtClean="0"/>
+              <a:rPr lang="it-IT"/>
               <a:t>Fare clic per modificare lo stile del titolo</a:t>
             </a:r>
             <a:endParaRPr lang="en-US" dirty="0"/>
@@ -4691,35 +4691,35 @@
           <a:p>
             <a:pPr lvl="0"/>
             <a:r>
-              <a:rPr lang="it-IT" smtClean="0"/>
+              <a:rPr lang="it-IT"/>
               <a:t>Modifica gli stili del testo dello schema</a:t>
             </a:r>
           </a:p>
           <a:p>
             <a:pPr lvl="1"/>
             <a:r>
-              <a:rPr lang="it-IT" smtClean="0"/>
+              <a:rPr lang="it-IT"/>
               <a:t>Secondo livello</a:t>
             </a:r>
           </a:p>
           <a:p>
             <a:pPr lvl="2"/>
             <a:r>
-              <a:rPr lang="it-IT" smtClean="0"/>
+              <a:rPr lang="it-IT"/>
               <a:t>Terzo livello</a:t>
             </a:r>
           </a:p>
           <a:p>
             <a:pPr lvl="3"/>
             <a:r>
-              <a:rPr lang="it-IT" smtClean="0"/>
+              <a:rPr lang="it-IT"/>
               <a:t>Quarto livello</a:t>
             </a:r>
           </a:p>
           <a:p>
             <a:pPr lvl="4"/>
             <a:r>
-              <a:rPr lang="it-IT" smtClean="0"/>
+              <a:rPr lang="it-IT"/>
               <a:t>Quinto livello</a:t>
             </a:r>
             <a:endParaRPr lang="en-US" dirty="0"/>
@@ -4787,7 +4787,7 @@
           <a:p>
             <a:pPr lvl="0"/>
             <a:r>
-              <a:rPr lang="it-IT" smtClean="0"/>
+              <a:rPr lang="it-IT"/>
               <a:t>Modifica gli stili del testo dello schema</a:t>
             </a:r>
           </a:p>
@@ -4915,7 +4915,7 @@
           </a:lstStyle>
           <a:p>
             <a:r>
-              <a:rPr lang="it-IT" smtClean="0"/>
+              <a:rPr lang="it-IT"/>
               <a:t>Fare clic per modificare lo stile del titolo</a:t>
             </a:r>
             <a:endParaRPr lang="en-US" dirty="0"/>
@@ -5010,7 +5010,7 @@
           </a:lstStyle>
           <a:p>
             <a:r>
-              <a:rPr lang="it-IT" smtClean="0"/>
+              <a:rPr lang="it-IT"/>
               <a:t>Fare clic sull'icona per inserire un'immagine</a:t>
             </a:r>
             <a:endParaRPr lang="en-US" dirty="0"/>
@@ -5078,7 +5078,7 @@
           <a:p>
             <a:pPr lvl="0"/>
             <a:r>
-              <a:rPr lang="it-IT" smtClean="0"/>
+              <a:rPr lang="it-IT"/>
               <a:t>Modifica gli stili del testo dello schema</a:t>
             </a:r>
           </a:p>
@@ -5527,7 +5527,7 @@
           <a:lstStyle/>
           <a:p>
             <a:r>
-              <a:rPr lang="it-IT" smtClean="0"/>
+              <a:rPr lang="it-IT"/>
               <a:t>Fare clic per modificare lo stile del titolo</a:t>
             </a:r>
             <a:endParaRPr lang="en-US" dirty="0"/>
@@ -5561,35 +5561,35 @@
           <a:p>
             <a:pPr lvl="0"/>
             <a:r>
-              <a:rPr lang="it-IT" smtClean="0"/>
+              <a:rPr lang="it-IT"/>
               <a:t>Modifica gli stili del testo dello schema</a:t>
             </a:r>
           </a:p>
           <a:p>
             <a:pPr lvl="1"/>
             <a:r>
-              <a:rPr lang="it-IT" smtClean="0"/>
+              <a:rPr lang="it-IT"/>
               <a:t>Secondo livello</a:t>
             </a:r>
           </a:p>
           <a:p>
             <a:pPr lvl="2"/>
             <a:r>
-              <a:rPr lang="it-IT" smtClean="0"/>
+              <a:rPr lang="it-IT"/>
               <a:t>Terzo livello</a:t>
             </a:r>
           </a:p>
           <a:p>
             <a:pPr lvl="3"/>
             <a:r>
-              <a:rPr lang="it-IT" smtClean="0"/>
+              <a:rPr lang="it-IT"/>
               <a:t>Quarto livello</a:t>
             </a:r>
           </a:p>
           <a:p>
             <a:pPr lvl="4"/>
             <a:r>
-              <a:rPr lang="it-IT" smtClean="0"/>
+              <a:rPr lang="it-IT"/>
               <a:t>Quinto livello</a:t>
             </a:r>
             <a:endParaRPr lang="en-US" dirty="0"/>
@@ -6178,35 +6178,35 @@
           <a:lstStyle/>
           <a:p>
             <a:r>
-              <a:rPr lang="it-IT" dirty="0" smtClean="0">
+              <a:rPr lang="it-IT" dirty="0">
                 <a:latin typeface="Calibri" panose="020F0502020204030204" pitchFamily="34" charset="0"/>
                 <a:cs typeface="Calibri" panose="020F0502020204030204" pitchFamily="34" charset="0"/>
               </a:rPr>
               <a:t>Advanced </a:t>
             </a:r>
             <a:r>
-              <a:rPr lang="it-IT" dirty="0" err="1" smtClean="0">
+              <a:rPr lang="it-IT" dirty="0" err="1">
                 <a:latin typeface="Calibri" panose="020F0502020204030204" pitchFamily="34" charset="0"/>
                 <a:cs typeface="Calibri" panose="020F0502020204030204" pitchFamily="34" charset="0"/>
               </a:rPr>
               <a:t>Algorithm</a:t>
             </a:r>
             <a:r>
-              <a:rPr lang="it-IT" dirty="0" smtClean="0">
+              <a:rPr lang="it-IT" dirty="0">
                 <a:latin typeface="Calibri" panose="020F0502020204030204" pitchFamily="34" charset="0"/>
                 <a:cs typeface="Calibri" panose="020F0502020204030204" pitchFamily="34" charset="0"/>
               </a:rPr>
               <a:t> and </a:t>
             </a:r>
             <a:r>
-              <a:rPr lang="it-IT" dirty="0" err="1" smtClean="0">
+              <a:rPr lang="it-IT" dirty="0" err="1">
                 <a:latin typeface="Calibri" panose="020F0502020204030204" pitchFamily="34" charset="0"/>
                 <a:cs typeface="Calibri" panose="020F0502020204030204" pitchFamily="34" charset="0"/>
               </a:rPr>
-              <a:t>APrallel</a:t>
-            </a:r>
-            <a:r>
-              <a:rPr lang="it-IT" dirty="0" smtClean="0">
+              <a:t>Parallel</a:t>
+            </a:r>
+            <a:r>
+              <a:rPr lang="it-IT" dirty="0">
                 <a:latin typeface="Calibri" panose="020F0502020204030204" pitchFamily="34" charset="0"/>
                 <a:cs typeface="Calibri" panose="020F0502020204030204" pitchFamily="34" charset="0"/>
               </a:rPr>
@@ -6237,23 +6237,23 @@
           <a:lstStyle/>
           <a:p>
             <a:r>
-              <a:rPr lang="it-IT" dirty="0" err="1" smtClean="0"/>
+              <a:rPr lang="it-IT" dirty="0" err="1"/>
               <a:t>Student</a:t>
             </a:r>
             <a:r>
-              <a:rPr lang="it-IT" dirty="0" smtClean="0"/>
+              <a:rPr lang="it-IT" dirty="0"/>
               <a:t> Michele </a:t>
             </a:r>
             <a:r>
-              <a:rPr lang="it-IT" dirty="0" err="1" smtClean="0"/>
+              <a:rPr lang="it-IT" dirty="0" err="1"/>
               <a:t>Gennaioli</a:t>
             </a:r>
             <a:r>
-              <a:rPr lang="it-IT" dirty="0" smtClean="0"/>
+              <a:rPr lang="it-IT" dirty="0"/>
               <a:t> </a:t>
             </a:r>
             <a:r>
-              <a:rPr lang="it-IT" dirty="0" smtClean="0">
+              <a:rPr lang="it-IT" dirty="0">
                 <a:latin typeface="Calibri" panose="020F0502020204030204" pitchFamily="34" charset="0"/>
                 <a:cs typeface="Calibri" panose="020F0502020204030204" pitchFamily="34" charset="0"/>
               </a:rPr>
@@ -6262,60 +6262,38 @@
           </a:p>
           <a:p>
             <a:r>
-              <a:rPr lang="it-IT" dirty="0" smtClean="0">
+              <a:rPr lang="it-IT" dirty="0">
                 <a:latin typeface="Calibri" panose="020F0502020204030204" pitchFamily="34" charset="0"/>
                 <a:cs typeface="Calibri" panose="020F0502020204030204" pitchFamily="34" charset="0"/>
               </a:rPr>
-              <a:t>Prof. </a:t>
-            </a:r>
-            <a:r>
-              <a:rPr lang="it-IT" dirty="0" smtClean="0">
+              <a:t>Prof. Fabrizio Ferrandi</a:t>
+            </a:r>
+          </a:p>
+          <a:p>
+            <a:r>
+              <a:rPr lang="it-IT" dirty="0">
                 <a:latin typeface="Calibri" panose="020F0502020204030204" pitchFamily="34" charset="0"/>
                 <a:cs typeface="Calibri" panose="020F0502020204030204" pitchFamily="34" charset="0"/>
               </a:rPr>
-              <a:t>Fabrizio Ferrandi</a:t>
-            </a:r>
-            <a:endParaRPr lang="it-IT" dirty="0" smtClean="0">
-              <a:latin typeface="Calibri" panose="020F0502020204030204" pitchFamily="34" charset="0"/>
-              <a:cs typeface="Calibri" panose="020F0502020204030204" pitchFamily="34" charset="0"/>
-            </a:endParaRPr>
-          </a:p>
-          <a:p>
-            <a:r>
-              <a:rPr lang="it-IT" dirty="0" smtClean="0">
-                <a:latin typeface="Calibri" panose="020F0502020204030204" pitchFamily="34" charset="0"/>
-                <a:cs typeface="Calibri" panose="020F0502020204030204" pitchFamily="34" charset="0"/>
-              </a:rPr>
-              <a:t>Prof. </a:t>
-            </a:r>
-            <a:r>
-              <a:rPr lang="it-IT" dirty="0" smtClean="0">
-                <a:latin typeface="Calibri" panose="020F0502020204030204" pitchFamily="34" charset="0"/>
-                <a:cs typeface="Calibri" panose="020F0502020204030204" pitchFamily="34" charset="0"/>
-              </a:rPr>
-              <a:t>Marco </a:t>
-            </a:r>
-            <a:r>
-              <a:rPr lang="it-IT" dirty="0" err="1" smtClean="0">
+              <a:t>Prof. Marco </a:t>
+            </a:r>
+            <a:r>
+              <a:rPr lang="it-IT" dirty="0" err="1">
                 <a:latin typeface="Calibri" panose="020F0502020204030204" pitchFamily="34" charset="0"/>
                 <a:cs typeface="Calibri" panose="020F0502020204030204" pitchFamily="34" charset="0"/>
               </a:rPr>
               <a:t>Lattuana</a:t>
             </a:r>
             <a:r>
-              <a:rPr lang="it-IT" dirty="0" smtClean="0">
+              <a:rPr lang="it-IT" dirty="0">
                 <a:latin typeface="Calibri" panose="020F0502020204030204" pitchFamily="34" charset="0"/>
                 <a:cs typeface="Calibri" panose="020F0502020204030204" pitchFamily="34" charset="0"/>
               </a:rPr>
               <a:t> </a:t>
             </a:r>
-            <a:endParaRPr lang="it-IT" dirty="0" smtClean="0">
-              <a:latin typeface="Calibri" panose="020F0502020204030204" pitchFamily="34" charset="0"/>
-              <a:cs typeface="Calibri" panose="020F0502020204030204" pitchFamily="34" charset="0"/>
-            </a:endParaRPr>
-          </a:p>
-          <a:p>
-            <a:endParaRPr lang="it-IT" dirty="0" smtClean="0">
+          </a:p>
+          <a:p>
+            <a:endParaRPr lang="it-IT" dirty="0">
               <a:latin typeface="Calibri" panose="020F0502020204030204" pitchFamily="34" charset="0"/>
               <a:cs typeface="Calibri" panose="020F0502020204030204" pitchFamily="34" charset="0"/>
             </a:endParaRPr>
@@ -6338,13 +6316,6 @@
   <p:clrMapOvr>
     <a:masterClrMapping/>
   </p:clrMapOvr>
-  <p:timing>
-    <p:tnLst>
-      <p:par>
-        <p:cTn id="1" dur="indefinite" restart="never" nodeType="tmRoot"/>
-      </p:par>
-    </p:tnLst>
-  </p:timing>
 </p:sld>
 </file>
 
@@ -6386,11 +6357,11 @@
           <a:lstStyle/>
           <a:p>
             <a:r>
-              <a:rPr lang="it-IT" dirty="0" err="1" smtClean="0"/>
+              <a:rPr lang="it-IT" dirty="0" err="1"/>
               <a:t>createFile</a:t>
             </a:r>
             <a:r>
-              <a:rPr lang="it-IT" dirty="0" smtClean="0"/>
+              <a:rPr lang="it-IT" dirty="0"/>
               <a:t>()</a:t>
             </a:r>
             <a:endParaRPr lang="en-GB" dirty="0"/>
@@ -6421,299 +6392,283 @@
               <a:buNone/>
             </a:pPr>
             <a:r>
-              <a:rPr lang="it-IT" dirty="0" err="1" smtClean="0"/>
+              <a:rPr lang="it-IT" dirty="0" err="1"/>
               <a:t>This</a:t>
             </a:r>
             <a:r>
-              <a:rPr lang="it-IT" dirty="0" smtClean="0"/>
+              <a:rPr lang="it-IT" dirty="0"/>
               <a:t> </a:t>
             </a:r>
             <a:r>
-              <a:rPr lang="it-IT" dirty="0" err="1" smtClean="0"/>
+              <a:rPr lang="it-IT" dirty="0" err="1"/>
               <a:t>function</a:t>
             </a:r>
             <a:r>
-              <a:rPr lang="it-IT" dirty="0" smtClean="0"/>
+              <a:rPr lang="it-IT" dirty="0"/>
               <a:t> </a:t>
             </a:r>
             <a:r>
-              <a:rPr lang="it-IT" dirty="0" err="1" smtClean="0"/>
+              <a:rPr lang="it-IT" dirty="0" err="1"/>
               <a:t>is</a:t>
             </a:r>
             <a:r>
-              <a:rPr lang="it-IT" dirty="0" smtClean="0"/>
+              <a:rPr lang="it-IT" dirty="0"/>
               <a:t> </a:t>
             </a:r>
             <a:r>
-              <a:rPr lang="it-IT" dirty="0" err="1" smtClean="0"/>
+              <a:rPr lang="it-IT" dirty="0" err="1"/>
               <a:t>used</a:t>
             </a:r>
             <a:r>
-              <a:rPr lang="it-IT" dirty="0" smtClean="0"/>
+              <a:rPr lang="it-IT" dirty="0"/>
               <a:t> to create the file </a:t>
             </a:r>
             <a:r>
-              <a:rPr lang="it-IT" dirty="0" err="1" smtClean="0"/>
+              <a:rPr lang="it-IT" dirty="0" err="1"/>
               <a:t>that</a:t>
             </a:r>
             <a:r>
-              <a:rPr lang="it-IT" dirty="0" smtClean="0"/>
+              <a:rPr lang="it-IT" dirty="0"/>
               <a:t> </a:t>
             </a:r>
             <a:r>
-              <a:rPr lang="it-IT" dirty="0" err="1" smtClean="0"/>
+              <a:rPr lang="it-IT" dirty="0" err="1"/>
               <a:t>has</a:t>
             </a:r>
             <a:r>
-              <a:rPr lang="it-IT" dirty="0" smtClean="0"/>
+              <a:rPr lang="it-IT" dirty="0"/>
               <a:t> to be </a:t>
             </a:r>
             <a:r>
-              <a:rPr lang="it-IT" dirty="0" err="1" smtClean="0"/>
+              <a:rPr lang="it-IT" dirty="0" err="1"/>
               <a:t>read</a:t>
             </a:r>
             <a:r>
-              <a:rPr lang="it-IT" dirty="0" smtClean="0"/>
-              <a:t> by the Simulator, </a:t>
-            </a:r>
-            <a:r>
-              <a:rPr lang="it-IT" dirty="0" err="1" smtClean="0"/>
+              <a:rPr lang="it-IT" dirty="0"/>
+              <a:t> by the Simulator. </a:t>
+            </a:r>
+            <a:r>
+              <a:rPr lang="it-IT" dirty="0" err="1"/>
+              <a:t>It</a:t>
+            </a:r>
+            <a:r>
+              <a:rPr lang="it-IT" dirty="0"/>
+              <a:t> </a:t>
+            </a:r>
+            <a:r>
+              <a:rPr lang="it-IT" dirty="0" err="1"/>
+              <a:t>is</a:t>
+            </a:r>
+            <a:r>
+              <a:rPr lang="it-IT" dirty="0"/>
+              <a:t> </a:t>
+            </a:r>
+            <a:r>
+              <a:rPr lang="it-IT" dirty="0" err="1"/>
+              <a:t>divided</a:t>
+            </a:r>
+            <a:r>
+              <a:rPr lang="it-IT" dirty="0"/>
+              <a:t> in 3 </a:t>
+            </a:r>
+            <a:r>
+              <a:rPr lang="it-IT" dirty="0" err="1"/>
+              <a:t>not</a:t>
+            </a:r>
+            <a:r>
+              <a:rPr lang="it-IT" dirty="0"/>
+              <a:t> </a:t>
+            </a:r>
+            <a:r>
+              <a:rPr lang="it-IT" dirty="0" err="1"/>
+              <a:t>nested</a:t>
+            </a:r>
+            <a:r>
+              <a:rPr lang="it-IT" dirty="0"/>
+              <a:t> loop, the first 2 </a:t>
+            </a:r>
+            <a:r>
+              <a:rPr lang="it-IT" dirty="0" err="1"/>
+              <a:t>loops</a:t>
+            </a:r>
+            <a:r>
+              <a:rPr lang="it-IT" dirty="0"/>
+              <a:t> are </a:t>
+            </a:r>
+            <a:r>
+              <a:rPr lang="it-IT" dirty="0" err="1"/>
+              <a:t>used</a:t>
+            </a:r>
+            <a:r>
+              <a:rPr lang="it-IT" dirty="0"/>
+              <a:t> to </a:t>
+            </a:r>
+            <a:r>
+              <a:rPr lang="it-IT" dirty="0" err="1"/>
+              <a:t>write</a:t>
+            </a:r>
+            <a:r>
+              <a:rPr lang="it-IT" dirty="0"/>
+              <a:t> </a:t>
+            </a:r>
+            <a:r>
+              <a:rPr lang="it-IT" dirty="0" err="1"/>
+              <a:t>each</a:t>
+            </a:r>
+            <a:r>
+              <a:rPr lang="it-IT" dirty="0"/>
+              <a:t> </a:t>
+            </a:r>
+            <a:r>
+              <a:rPr lang="it-IT" dirty="0" err="1"/>
+              <a:t>element</a:t>
+            </a:r>
+            <a:r>
+              <a:rPr lang="it-IT" dirty="0"/>
+              <a:t> </a:t>
+            </a:r>
+            <a:r>
+              <a:rPr lang="it-IT" dirty="0" err="1"/>
+              <a:t>into</a:t>
+            </a:r>
+            <a:r>
+              <a:rPr lang="it-IT" dirty="0"/>
+              <a:t> a file </a:t>
+            </a:r>
+            <a:r>
+              <a:rPr lang="it-IT" dirty="0" err="1"/>
+              <a:t>named</a:t>
+            </a:r>
+            <a:r>
+              <a:rPr lang="it-IT" dirty="0"/>
+              <a:t> «delta.csv» and for </a:t>
+            </a:r>
+            <a:r>
+              <a:rPr lang="it-IT" dirty="0" err="1"/>
+              <a:t>each</a:t>
+            </a:r>
+            <a:r>
+              <a:rPr lang="it-IT" dirty="0"/>
+              <a:t> </a:t>
+            </a:r>
+            <a:r>
+              <a:rPr lang="it-IT" dirty="0" err="1"/>
+              <a:t>iteration</a:t>
+            </a:r>
+            <a:r>
+              <a:rPr lang="it-IT" dirty="0"/>
+              <a:t> </a:t>
+            </a:r>
+            <a:r>
+              <a:rPr lang="it-IT" dirty="0" err="1"/>
+              <a:t>they</a:t>
+            </a:r>
+            <a:r>
+              <a:rPr lang="it-IT" dirty="0"/>
+              <a:t> create and </a:t>
+            </a:r>
+            <a:r>
+              <a:rPr lang="it-IT" dirty="0" err="1"/>
+              <a:t>destory</a:t>
+            </a:r>
+            <a:r>
+              <a:rPr lang="it-IT" dirty="0"/>
+              <a:t> the file, </a:t>
+            </a:r>
+            <a:r>
+              <a:rPr lang="it-IT" dirty="0" err="1"/>
+              <a:t>as</a:t>
+            </a:r>
+            <a:r>
+              <a:rPr lang="it-IT" dirty="0"/>
+              <a:t> the simulator </a:t>
+            </a:r>
+            <a:r>
+              <a:rPr lang="it-IT" dirty="0" err="1"/>
+              <a:t>accepts</a:t>
+            </a:r>
+            <a:r>
+              <a:rPr lang="it-IT" dirty="0"/>
+              <a:t> </a:t>
+            </a:r>
+            <a:r>
+              <a:rPr lang="it-IT" dirty="0" err="1"/>
+              <a:t>only</a:t>
+            </a:r>
+            <a:r>
+              <a:rPr lang="it-IT" dirty="0"/>
+              <a:t> one </a:t>
+            </a:r>
+            <a:r>
+              <a:rPr lang="it-IT" dirty="0" err="1"/>
+              <a:t>object</a:t>
+            </a:r>
+            <a:r>
+              <a:rPr lang="it-IT" dirty="0"/>
+              <a:t> </a:t>
+            </a:r>
+            <a:r>
+              <a:rPr lang="it-IT" dirty="0" err="1"/>
+              <a:t>at</a:t>
+            </a:r>
+            <a:r>
+              <a:rPr lang="it-IT" dirty="0"/>
+              <a:t> the time.              In </a:t>
+            </a:r>
+            <a:r>
+              <a:rPr lang="it-IT" dirty="0" err="1"/>
+              <a:t>each</a:t>
+            </a:r>
+            <a:r>
+              <a:rPr lang="it-IT" dirty="0"/>
+              <a:t> </a:t>
+            </a:r>
+            <a:r>
+              <a:rPr lang="it-IT" dirty="0" err="1"/>
+              <a:t>iteration</a:t>
+            </a:r>
+            <a:r>
+              <a:rPr lang="it-IT" dirty="0"/>
+              <a:t> </a:t>
+            </a:r>
+            <a:r>
+              <a:rPr lang="it-IT" dirty="0" err="1"/>
               <a:t>it</a:t>
             </a:r>
             <a:r>
-              <a:rPr lang="it-IT" dirty="0" smtClean="0"/>
+              <a:rPr lang="it-IT" dirty="0"/>
               <a:t> </a:t>
             </a:r>
             <a:r>
-              <a:rPr lang="it-IT" dirty="0" err="1" smtClean="0"/>
-              <a:t>is</a:t>
-            </a:r>
-            <a:r>
-              <a:rPr lang="it-IT" dirty="0" smtClean="0"/>
+              <a:rPr lang="it-IT" dirty="0" err="1"/>
+              <a:t>uses</a:t>
+            </a:r>
+            <a:r>
+              <a:rPr lang="it-IT" dirty="0"/>
               <a:t> </a:t>
             </a:r>
             <a:r>
-              <a:rPr lang="it-IT" dirty="0" err="1" smtClean="0"/>
-              <a:t>divided</a:t>
-            </a:r>
-            <a:r>
-              <a:rPr lang="it-IT" dirty="0" smtClean="0"/>
-              <a:t> in 3 </a:t>
-            </a:r>
-            <a:r>
-              <a:rPr lang="it-IT" dirty="0" err="1" smtClean="0"/>
-              <a:t>not</a:t>
-            </a:r>
-            <a:r>
-              <a:rPr lang="it-IT" dirty="0" smtClean="0"/>
-              <a:t> </a:t>
-            </a:r>
-            <a:r>
-              <a:rPr lang="it-IT" dirty="0" err="1" smtClean="0"/>
-              <a:t>nested</a:t>
-            </a:r>
-            <a:r>
-              <a:rPr lang="it-IT" dirty="0" smtClean="0"/>
-              <a:t> </a:t>
-            </a:r>
-            <a:r>
-              <a:rPr lang="it-IT" dirty="0" err="1" smtClean="0"/>
-              <a:t>loop</a:t>
-            </a:r>
-            <a:r>
-              <a:rPr lang="it-IT" dirty="0" smtClean="0"/>
-              <a:t>, the first 2 </a:t>
-            </a:r>
-            <a:r>
-              <a:rPr lang="it-IT" dirty="0" err="1" smtClean="0"/>
-              <a:t>loops</a:t>
-            </a:r>
-            <a:r>
-              <a:rPr lang="it-IT" dirty="0" smtClean="0"/>
-              <a:t> are </a:t>
-            </a:r>
-            <a:r>
-              <a:rPr lang="it-IT" dirty="0" err="1" smtClean="0"/>
-              <a:t>used</a:t>
-            </a:r>
-            <a:r>
-              <a:rPr lang="it-IT" dirty="0" smtClean="0"/>
-              <a:t> to </a:t>
-            </a:r>
-            <a:r>
-              <a:rPr lang="it-IT" dirty="0" err="1" smtClean="0"/>
-              <a:t>write</a:t>
-            </a:r>
-            <a:r>
-              <a:rPr lang="it-IT" dirty="0" smtClean="0"/>
-              <a:t> </a:t>
-            </a:r>
-            <a:r>
-              <a:rPr lang="it-IT" dirty="0" err="1" smtClean="0"/>
-              <a:t>each</a:t>
-            </a:r>
-            <a:r>
-              <a:rPr lang="it-IT" dirty="0" smtClean="0"/>
-              <a:t> </a:t>
-            </a:r>
-            <a:r>
-              <a:rPr lang="it-IT" dirty="0" err="1" smtClean="0"/>
-              <a:t>element</a:t>
-            </a:r>
-            <a:r>
-              <a:rPr lang="it-IT" dirty="0" smtClean="0"/>
-              <a:t> </a:t>
-            </a:r>
-            <a:r>
-              <a:rPr lang="it-IT" dirty="0" err="1" smtClean="0"/>
-              <a:t>into</a:t>
-            </a:r>
-            <a:r>
-              <a:rPr lang="it-IT" dirty="0" smtClean="0"/>
-              <a:t> a file </a:t>
-            </a:r>
-            <a:r>
-              <a:rPr lang="it-IT" dirty="0" err="1" smtClean="0"/>
-              <a:t>named</a:t>
-            </a:r>
-            <a:r>
-              <a:rPr lang="it-IT" dirty="0" smtClean="0"/>
-              <a:t> «delta.csv» and </a:t>
-            </a:r>
-            <a:r>
-              <a:rPr lang="it-IT" dirty="0" err="1" smtClean="0"/>
-              <a:t>at</a:t>
-            </a:r>
-            <a:r>
-              <a:rPr lang="it-IT" dirty="0" smtClean="0"/>
-              <a:t> </a:t>
-            </a:r>
-            <a:r>
-              <a:rPr lang="it-IT" dirty="0" err="1" smtClean="0"/>
-              <a:t>each</a:t>
-            </a:r>
-            <a:r>
-              <a:rPr lang="it-IT" dirty="0" smtClean="0"/>
-              <a:t> </a:t>
-            </a:r>
-            <a:r>
-              <a:rPr lang="it-IT" dirty="0" err="1" smtClean="0"/>
-              <a:t>iteration</a:t>
-            </a:r>
-            <a:r>
-              <a:rPr lang="it-IT" dirty="0" smtClean="0"/>
-              <a:t> </a:t>
-            </a:r>
-            <a:r>
-              <a:rPr lang="it-IT" dirty="0" err="1" smtClean="0"/>
-              <a:t>they</a:t>
-            </a:r>
-            <a:r>
-              <a:rPr lang="it-IT" dirty="0" smtClean="0"/>
-              <a:t> create and </a:t>
-            </a:r>
-            <a:r>
-              <a:rPr lang="it-IT" dirty="0" err="1" smtClean="0"/>
-              <a:t>destory</a:t>
-            </a:r>
-            <a:r>
-              <a:rPr lang="it-IT" dirty="0" smtClean="0"/>
-              <a:t> the file, </a:t>
-            </a:r>
-            <a:r>
-              <a:rPr lang="it-IT" dirty="0" err="1" smtClean="0"/>
-              <a:t>because</a:t>
-            </a:r>
-            <a:r>
-              <a:rPr lang="it-IT" dirty="0" smtClean="0"/>
-              <a:t> the simulator </a:t>
-            </a:r>
-            <a:r>
-              <a:rPr lang="it-IT" dirty="0" err="1" smtClean="0"/>
-              <a:t>accept</a:t>
-            </a:r>
-            <a:r>
-              <a:rPr lang="it-IT" dirty="0" smtClean="0"/>
-              <a:t> </a:t>
-            </a:r>
-            <a:r>
-              <a:rPr lang="it-IT" dirty="0" err="1" smtClean="0"/>
-              <a:t>only</a:t>
-            </a:r>
-            <a:r>
-              <a:rPr lang="it-IT" dirty="0" smtClean="0"/>
-              <a:t> </a:t>
-            </a:r>
-            <a:r>
-              <a:rPr lang="it-IT" dirty="0" err="1" smtClean="0"/>
-              <a:t>one</a:t>
-            </a:r>
-            <a:r>
-              <a:rPr lang="it-IT" dirty="0" smtClean="0"/>
-              <a:t> </a:t>
-            </a:r>
-            <a:r>
-              <a:rPr lang="it-IT" dirty="0" err="1" smtClean="0"/>
-              <a:t>object</a:t>
-            </a:r>
-            <a:r>
-              <a:rPr lang="it-IT" dirty="0" smtClean="0"/>
-              <a:t> </a:t>
-            </a:r>
-            <a:r>
-              <a:rPr lang="it-IT" dirty="0" err="1" smtClean="0"/>
-              <a:t>at</a:t>
-            </a:r>
-            <a:r>
-              <a:rPr lang="it-IT" dirty="0" smtClean="0"/>
-              <a:t> the time. At </a:t>
-            </a:r>
-            <a:r>
-              <a:rPr lang="it-IT" dirty="0" err="1" smtClean="0"/>
-              <a:t>each</a:t>
-            </a:r>
-            <a:r>
-              <a:rPr lang="it-IT" dirty="0" smtClean="0"/>
-              <a:t> </a:t>
-            </a:r>
-            <a:r>
-              <a:rPr lang="it-IT" dirty="0" err="1" smtClean="0"/>
-              <a:t>iteration</a:t>
-            </a:r>
-            <a:r>
-              <a:rPr lang="it-IT" dirty="0" smtClean="0"/>
-              <a:t> </a:t>
-            </a:r>
-            <a:r>
-              <a:rPr lang="it-IT" dirty="0" err="1" smtClean="0"/>
-              <a:t>it</a:t>
-            </a:r>
-            <a:r>
-              <a:rPr lang="it-IT" dirty="0" smtClean="0"/>
-              <a:t> use the </a:t>
-            </a:r>
-            <a:r>
-              <a:rPr lang="it-IT" dirty="0" err="1" smtClean="0"/>
+              <a:rPr lang="it-IT" dirty="0" err="1"/>
               <a:t>readFileFromSimulator</a:t>
             </a:r>
             <a:r>
-              <a:rPr lang="it-IT" dirty="0" smtClean="0"/>
+              <a:rPr lang="it-IT" dirty="0"/>
               <a:t>() to set the </a:t>
             </a:r>
             <a:r>
-              <a:rPr lang="it-IT" dirty="0" err="1" smtClean="0"/>
+              <a:rPr lang="it-IT" dirty="0" err="1"/>
               <a:t>result</a:t>
             </a:r>
             <a:r>
-              <a:rPr lang="it-IT" dirty="0" smtClean="0"/>
-              <a:t> of the simulator in the </a:t>
-            </a:r>
-            <a:r>
-              <a:rPr lang="it-IT" dirty="0" err="1" smtClean="0"/>
+              <a:rPr lang="it-IT" dirty="0"/>
+              <a:t> of the simulator in </a:t>
+            </a:r>
+            <a:r>
+              <a:rPr lang="it-IT" dirty="0" err="1"/>
               <a:t>vector</a:t>
             </a:r>
             <a:r>
-              <a:rPr lang="it-IT" dirty="0" smtClean="0"/>
+              <a:rPr lang="it-IT" dirty="0"/>
               <a:t> L.</a:t>
             </a:r>
             <a:endParaRPr lang="en-GB" dirty="0"/>
@@ -6845,11 +6800,11 @@
           <a:lstStyle/>
           <a:p>
             <a:r>
-              <a:rPr lang="it-IT" dirty="0" err="1" smtClean="0"/>
+              <a:rPr lang="it-IT" dirty="0" err="1"/>
               <a:t>createFile</a:t>
             </a:r>
             <a:r>
-              <a:rPr lang="it-IT" dirty="0" smtClean="0"/>
+              <a:rPr lang="it-IT" dirty="0"/>
               <a:t>()</a:t>
             </a:r>
             <a:endParaRPr lang="en-GB" dirty="0"/>
@@ -6880,196 +6835,192 @@
               <a:buNone/>
             </a:pPr>
             <a:r>
-              <a:rPr lang="it-IT" dirty="0" smtClean="0"/>
+              <a:rPr lang="it-IT" dirty="0"/>
               <a:t>The </a:t>
             </a:r>
             <a:r>
-              <a:rPr lang="it-IT" dirty="0" err="1" smtClean="0"/>
+              <a:rPr lang="it-IT" dirty="0" err="1"/>
               <a:t>third</a:t>
             </a:r>
             <a:r>
-              <a:rPr lang="it-IT" dirty="0" smtClean="0"/>
+              <a:rPr lang="it-IT" dirty="0"/>
+              <a:t> loop </a:t>
+            </a:r>
+            <a:r>
+              <a:rPr lang="it-IT" dirty="0" err="1"/>
+              <a:t>is</a:t>
+            </a:r>
+            <a:r>
+              <a:rPr lang="it-IT" dirty="0"/>
               <a:t> </a:t>
             </a:r>
             <a:r>
-              <a:rPr lang="it-IT" dirty="0" err="1" smtClean="0"/>
-              <a:t>loop</a:t>
-            </a:r>
-            <a:r>
-              <a:rPr lang="it-IT" dirty="0" smtClean="0"/>
+              <a:rPr lang="it-IT" dirty="0" err="1"/>
+              <a:t>used</a:t>
+            </a:r>
+            <a:r>
+              <a:rPr lang="it-IT" dirty="0"/>
+              <a:t> to </a:t>
+            </a:r>
+            <a:r>
+              <a:rPr lang="it-IT" dirty="0" err="1"/>
+              <a:t>find</a:t>
+            </a:r>
+            <a:r>
+              <a:rPr lang="it-IT" dirty="0"/>
+              <a:t> the best </a:t>
+            </a:r>
+            <a:r>
+              <a:rPr lang="it-IT" dirty="0" err="1"/>
+              <a:t>move</a:t>
+            </a:r>
+            <a:r>
+              <a:rPr lang="it-IT" dirty="0"/>
               <a:t> </a:t>
             </a:r>
             <a:r>
-              <a:rPr lang="it-IT" dirty="0" err="1" smtClean="0"/>
-              <a:t>is</a:t>
-            </a:r>
-            <a:r>
-              <a:rPr lang="it-IT" dirty="0" smtClean="0"/>
+              <a:rPr lang="it-IT" dirty="0" err="1"/>
+              <a:t>at</a:t>
+            </a:r>
+            <a:r>
+              <a:rPr lang="it-IT" dirty="0"/>
               <a:t> </a:t>
             </a:r>
             <a:r>
-              <a:rPr lang="it-IT" dirty="0" err="1" smtClean="0"/>
-              <a:t>used</a:t>
-            </a:r>
-            <a:r>
-              <a:rPr lang="it-IT" dirty="0" smtClean="0"/>
+              <a:rPr lang="it-IT" dirty="0" err="1"/>
+              <a:t>that</a:t>
+            </a:r>
+            <a:r>
+              <a:rPr lang="it-IT" dirty="0"/>
+              <a:t> moment and </a:t>
+            </a:r>
+            <a:r>
+              <a:rPr lang="it-IT" dirty="0" err="1"/>
+              <a:t>it</a:t>
+            </a:r>
+            <a:r>
+              <a:rPr lang="it-IT" dirty="0"/>
+              <a:t> </a:t>
+            </a:r>
+            <a:r>
+              <a:rPr lang="it-IT" dirty="0" err="1"/>
+              <a:t>saves</a:t>
+            </a:r>
+            <a:r>
+              <a:rPr lang="it-IT" dirty="0"/>
+              <a:t> </a:t>
+            </a:r>
+            <a:r>
+              <a:rPr lang="it-IT" dirty="0" err="1"/>
+              <a:t>it</a:t>
+            </a:r>
+            <a:r>
+              <a:rPr lang="it-IT" dirty="0"/>
+              <a:t> in </a:t>
+            </a:r>
+            <a:r>
+              <a:rPr lang="it-IT" dirty="0" err="1"/>
+              <a:t>vector</a:t>
+            </a:r>
+            <a:r>
+              <a:rPr lang="it-IT" dirty="0"/>
+              <a:t> </a:t>
+            </a:r>
+            <a:r>
+              <a:rPr lang="it-IT" i="1" dirty="0"/>
+              <a:t>m</a:t>
+            </a:r>
+            <a:r>
+              <a:rPr lang="it-IT" dirty="0"/>
+              <a:t> </a:t>
+            </a:r>
+            <a:r>
+              <a:rPr lang="it-IT" dirty="0" err="1"/>
+              <a:t>that</a:t>
+            </a:r>
+            <a:r>
+              <a:rPr lang="it-IT" dirty="0"/>
+              <a:t> </a:t>
+            </a:r>
+            <a:r>
+              <a:rPr lang="it-IT" dirty="0" err="1"/>
+              <a:t>will</a:t>
+            </a:r>
+            <a:r>
+              <a:rPr lang="it-IT" dirty="0"/>
+              <a:t> update line 25. In </a:t>
+            </a:r>
+            <a:r>
+              <a:rPr lang="it-IT" dirty="0" err="1"/>
+              <a:t>each</a:t>
+            </a:r>
+            <a:r>
+              <a:rPr lang="it-IT" dirty="0"/>
+              <a:t> </a:t>
+            </a:r>
+            <a:r>
+              <a:rPr lang="it-IT" dirty="0" err="1"/>
+              <a:t>iteration</a:t>
+            </a:r>
+            <a:r>
+              <a:rPr lang="it-IT" dirty="0"/>
+              <a:t> </a:t>
+            </a:r>
+            <a:r>
+              <a:rPr lang="it-IT" dirty="0" err="1"/>
+              <a:t>it</a:t>
+            </a:r>
+            <a:r>
+              <a:rPr lang="it-IT" dirty="0"/>
+              <a:t> </a:t>
+            </a:r>
+            <a:r>
+              <a:rPr lang="it-IT" dirty="0" err="1"/>
+              <a:t>uses</a:t>
+            </a:r>
+            <a:r>
+              <a:rPr lang="it-IT" dirty="0"/>
+              <a:t> </a:t>
+            </a:r>
+            <a:r>
+              <a:rPr lang="it-IT" dirty="0" err="1"/>
+              <a:t>checkBestSolution</a:t>
+            </a:r>
+            <a:r>
+              <a:rPr lang="it-IT" dirty="0"/>
+              <a:t>(</a:t>
+            </a:r>
+            <a:r>
+              <a:rPr lang="it-IT" dirty="0" err="1"/>
+              <a:t>DeltaVM</a:t>
+            </a:r>
+            <a:r>
+              <a:rPr lang="it-IT" dirty="0"/>
+              <a:t>) to </a:t>
+            </a:r>
+            <a:r>
+              <a:rPr lang="it-IT" dirty="0" err="1"/>
+              <a:t>obtain</a:t>
+            </a:r>
+            <a:r>
+              <a:rPr lang="it-IT" dirty="0"/>
+              <a:t> the best </a:t>
+            </a:r>
+            <a:r>
+              <a:rPr lang="it-IT" dirty="0" err="1"/>
+              <a:t>move</a:t>
+            </a:r>
+            <a:r>
+              <a:rPr lang="it-IT" dirty="0"/>
               <a:t> to </a:t>
             </a:r>
             <a:r>
-              <a:rPr lang="it-IT" dirty="0" err="1" smtClean="0"/>
-              <a:t>find</a:t>
-            </a:r>
-            <a:r>
-              <a:rPr lang="it-IT" dirty="0" smtClean="0"/>
-              <a:t> the best </a:t>
-            </a:r>
-            <a:r>
-              <a:rPr lang="it-IT" dirty="0" err="1" smtClean="0"/>
-              <a:t>move</a:t>
-            </a:r>
-            <a:r>
-              <a:rPr lang="it-IT" dirty="0" smtClean="0"/>
-              <a:t> </a:t>
-            </a:r>
-            <a:r>
-              <a:rPr lang="it-IT" dirty="0" err="1" smtClean="0"/>
-              <a:t>at</a:t>
-            </a:r>
-            <a:r>
-              <a:rPr lang="it-IT" dirty="0" smtClean="0"/>
-              <a:t> </a:t>
-            </a:r>
-            <a:r>
-              <a:rPr lang="it-IT" dirty="0" err="1" smtClean="0"/>
-              <a:t>that</a:t>
-            </a:r>
-            <a:r>
-              <a:rPr lang="it-IT" dirty="0" smtClean="0"/>
-              <a:t> moment, </a:t>
-            </a:r>
-            <a:r>
-              <a:rPr lang="it-IT" dirty="0" err="1" smtClean="0"/>
-              <a:t>it</a:t>
-            </a:r>
-            <a:r>
-              <a:rPr lang="it-IT" dirty="0" smtClean="0"/>
-              <a:t> </a:t>
-            </a:r>
-            <a:r>
-              <a:rPr lang="it-IT" dirty="0" err="1" smtClean="0"/>
-              <a:t>save</a:t>
-            </a:r>
-            <a:r>
-              <a:rPr lang="it-IT" dirty="0" smtClean="0"/>
-              <a:t> the best </a:t>
-            </a:r>
-            <a:r>
-              <a:rPr lang="it-IT" dirty="0" err="1" smtClean="0"/>
-              <a:t>move</a:t>
-            </a:r>
-            <a:r>
-              <a:rPr lang="it-IT" dirty="0" smtClean="0"/>
-              <a:t> in the </a:t>
-            </a:r>
-            <a:r>
-              <a:rPr lang="it-IT" dirty="0" err="1" smtClean="0"/>
-              <a:t>vector</a:t>
-            </a:r>
-            <a:r>
-              <a:rPr lang="it-IT" dirty="0" smtClean="0"/>
-              <a:t> m </a:t>
-            </a:r>
-            <a:r>
-              <a:rPr lang="it-IT" dirty="0" err="1" smtClean="0"/>
-              <a:t>that</a:t>
-            </a:r>
-            <a:r>
-              <a:rPr lang="it-IT" dirty="0" smtClean="0"/>
-              <a:t> </a:t>
-            </a:r>
-            <a:r>
-              <a:rPr lang="it-IT" dirty="0" err="1" smtClean="0"/>
-              <a:t>will</a:t>
-            </a:r>
-            <a:r>
-              <a:rPr lang="it-IT" dirty="0" smtClean="0"/>
-              <a:t> do the update of line 25. </a:t>
-            </a:r>
-            <a:r>
-              <a:rPr lang="it-IT" dirty="0"/>
-              <a:t>A</a:t>
-            </a:r>
-            <a:r>
-              <a:rPr lang="it-IT" dirty="0" smtClean="0"/>
-              <a:t>t </a:t>
-            </a:r>
-            <a:r>
-              <a:rPr lang="it-IT" dirty="0" err="1" smtClean="0"/>
-              <a:t>each</a:t>
-            </a:r>
-            <a:r>
-              <a:rPr lang="it-IT" dirty="0" smtClean="0"/>
-              <a:t> </a:t>
-            </a:r>
-            <a:r>
-              <a:rPr lang="it-IT" dirty="0" err="1" smtClean="0"/>
-              <a:t>iteration</a:t>
-            </a:r>
-            <a:r>
-              <a:rPr lang="it-IT" dirty="0" smtClean="0"/>
-              <a:t> </a:t>
-            </a:r>
-            <a:r>
-              <a:rPr lang="it-IT" dirty="0" err="1" smtClean="0"/>
-              <a:t>it</a:t>
-            </a:r>
-            <a:r>
-              <a:rPr lang="it-IT" dirty="0" smtClean="0"/>
-              <a:t> use the </a:t>
-            </a:r>
-            <a:r>
-              <a:rPr lang="it-IT" dirty="0" err="1" smtClean="0"/>
-              <a:t>checkBestSolution</a:t>
-            </a:r>
-            <a:r>
-              <a:rPr lang="it-IT" dirty="0" smtClean="0"/>
-              <a:t>(</a:t>
-            </a:r>
-            <a:r>
-              <a:rPr lang="it-IT" dirty="0" err="1" smtClean="0"/>
-              <a:t>DeltaVM</a:t>
-            </a:r>
-            <a:r>
-              <a:rPr lang="it-IT" dirty="0" smtClean="0"/>
-              <a:t>) </a:t>
-            </a:r>
-            <a:r>
-              <a:rPr lang="it-IT" dirty="0" err="1" smtClean="0"/>
-              <a:t>function</a:t>
-            </a:r>
-            <a:r>
-              <a:rPr lang="it-IT" dirty="0" smtClean="0"/>
-              <a:t>, to </a:t>
-            </a:r>
-            <a:r>
-              <a:rPr lang="it-IT" dirty="0" err="1" smtClean="0"/>
-              <a:t>obtain</a:t>
-            </a:r>
-            <a:r>
-              <a:rPr lang="it-IT" dirty="0" smtClean="0"/>
-              <a:t> the best </a:t>
-            </a:r>
-            <a:r>
-              <a:rPr lang="it-IT" dirty="0" err="1" smtClean="0"/>
-              <a:t>move</a:t>
-            </a:r>
-            <a:r>
-              <a:rPr lang="it-IT" dirty="0" smtClean="0"/>
-              <a:t> to </a:t>
-            </a:r>
-            <a:r>
-              <a:rPr lang="it-IT" dirty="0" err="1" smtClean="0"/>
+              <a:rPr lang="it-IT" dirty="0" err="1"/>
               <a:t>apply</a:t>
+            </a:r>
+            <a:r>
+              <a:rPr lang="it-IT" dirty="0"/>
+              <a:t>.</a:t>
             </a:r>
             <a:endParaRPr lang="en-GB" dirty="0"/>
           </a:p>
@@ -7158,11 +7109,11 @@
           <a:lstStyle/>
           <a:p>
             <a:r>
-              <a:rPr lang="it-IT" dirty="0" smtClean="0"/>
+              <a:rPr lang="it-IT" dirty="0"/>
               <a:t>Third </a:t>
             </a:r>
             <a:r>
-              <a:rPr lang="it-IT" dirty="0" err="1" smtClean="0"/>
+              <a:rPr lang="it-IT" dirty="0" err="1"/>
               <a:t>loop</a:t>
             </a:r>
             <a:endParaRPr lang="en-GB" dirty="0"/>
@@ -7192,7 +7143,7 @@
           <a:lstStyle/>
           <a:p>
             <a:r>
-              <a:rPr lang="it-IT" dirty="0" err="1" smtClean="0"/>
+              <a:rPr lang="it-IT" dirty="0" err="1"/>
               <a:t>checkBestSolution</a:t>
             </a:r>
             <a:endParaRPr lang="en-GB" dirty="0"/>
@@ -7245,11 +7196,11 @@
           <a:lstStyle/>
           <a:p>
             <a:r>
-              <a:rPr lang="it-IT" dirty="0" err="1" smtClean="0"/>
+              <a:rPr lang="it-IT" dirty="0" err="1"/>
               <a:t>computeDenominator</a:t>
             </a:r>
             <a:r>
-              <a:rPr lang="it-IT" dirty="0" smtClean="0"/>
+              <a:rPr lang="it-IT" dirty="0"/>
               <a:t>(Application)</a:t>
             </a:r>
             <a:endParaRPr lang="en-GB" dirty="0"/>
@@ -7308,20 +7259,28 @@
           <a:lstStyle/>
           <a:p>
             <a:r>
-              <a:rPr lang="it-IT" dirty="0" err="1" smtClean="0"/>
+              <a:rPr lang="it-IT" dirty="0" err="1"/>
               <a:t>This</a:t>
             </a:r>
             <a:r>
-              <a:rPr lang="it-IT" dirty="0" smtClean="0"/>
+              <a:rPr lang="it-IT" dirty="0"/>
               <a:t> </a:t>
             </a:r>
             <a:r>
-              <a:rPr lang="it-IT" dirty="0" err="1" smtClean="0"/>
+              <a:rPr lang="it-IT" dirty="0" err="1"/>
               <a:t>function</a:t>
             </a:r>
             <a:r>
-              <a:rPr lang="it-IT" dirty="0" smtClean="0"/>
-              <a:t> use </a:t>
+              <a:rPr lang="it-IT" dirty="0"/>
+              <a:t> </a:t>
+            </a:r>
+            <a:r>
+              <a:rPr lang="it-IT" dirty="0" err="1"/>
+              <a:t>uses</a:t>
+            </a:r>
+            <a:r>
+              <a:rPr lang="it-IT" dirty="0"/>
+              <a:t> </a:t>
             </a:r>
           </a:p>
           <a:p>
@@ -7329,16 +7288,20 @@
           </a:p>
           <a:p>
             <a:r>
-              <a:rPr lang="it-IT" dirty="0" smtClean="0"/>
-              <a:t>To compute to </a:t>
-            </a:r>
-            <a:r>
-              <a:rPr lang="it-IT" dirty="0" err="1" smtClean="0"/>
-              <a:t>sun</a:t>
-            </a:r>
-            <a:r>
-              <a:rPr lang="it-IT" dirty="0" smtClean="0"/>
-              <a:t> of the denominator of c</a:t>
+              <a:rPr lang="it-IT" dirty="0"/>
+              <a:t>to compute the </a:t>
+            </a:r>
+            <a:r>
+              <a:rPr lang="it-IT" dirty="0" err="1"/>
+              <a:t>summation</a:t>
+            </a:r>
+            <a:r>
+              <a:rPr lang="it-IT" dirty="0"/>
+              <a:t> of the denominator of </a:t>
+            </a:r>
+            <a:r>
+              <a:rPr lang="it-IT" i="1" dirty="0"/>
+              <a:t>c</a:t>
             </a:r>
           </a:p>
         </p:txBody>
@@ -7454,11 +7417,11 @@
           <a:lstStyle/>
           <a:p>
             <a:r>
-              <a:rPr lang="it-IT" dirty="0" err="1" smtClean="0"/>
+              <a:rPr lang="it-IT" dirty="0" err="1"/>
               <a:t>Main</a:t>
             </a:r>
             <a:r>
-              <a:rPr lang="it-IT" dirty="0" smtClean="0"/>
+              <a:rPr lang="it-IT" dirty="0"/>
               <a:t>()</a:t>
             </a:r>
             <a:endParaRPr lang="en-GB" dirty="0"/>
@@ -7503,7 +7466,7 @@
         <p:spPr>
           <a:xfrm>
             <a:off x="1881051" y="984069"/>
-            <a:ext cx="4545875" cy="1477328"/>
+            <a:ext cx="4545875" cy="1200329"/>
           </a:xfrm>
           <a:prstGeom prst="rect">
             <a:avLst/>
@@ -7517,177 +7480,149 @@
           <a:lstStyle/>
           <a:p>
             <a:r>
-              <a:rPr lang="it-IT" dirty="0" smtClean="0"/>
-              <a:t>n </a:t>
-            </a:r>
-            <a:r>
-              <a:rPr lang="it-IT" dirty="0" err="1" smtClean="0"/>
+              <a:rPr lang="it-IT" i="1" dirty="0"/>
+              <a:t>n</a:t>
+            </a:r>
+            <a:r>
+              <a:rPr lang="it-IT" dirty="0"/>
+              <a:t> </a:t>
+            </a:r>
+            <a:r>
+              <a:rPr lang="it-IT" dirty="0" err="1"/>
               <a:t>represents</a:t>
             </a:r>
             <a:r>
-              <a:rPr lang="it-IT" dirty="0" smtClean="0"/>
+              <a:rPr lang="it-IT" dirty="0"/>
               <a:t> the </a:t>
             </a:r>
             <a:r>
-              <a:rPr lang="it-IT" dirty="0" err="1" smtClean="0"/>
+              <a:rPr lang="it-IT" dirty="0" err="1"/>
               <a:t>number</a:t>
             </a:r>
             <a:r>
-              <a:rPr lang="it-IT" dirty="0" smtClean="0"/>
+              <a:rPr lang="it-IT" dirty="0"/>
               <a:t> of </a:t>
             </a:r>
             <a:r>
-              <a:rPr lang="it-IT" dirty="0" err="1" smtClean="0"/>
+              <a:rPr lang="it-IT" dirty="0" err="1"/>
               <a:t>available</a:t>
             </a:r>
             <a:r>
-              <a:rPr lang="it-IT" dirty="0" smtClean="0"/>
-              <a:t> core,</a:t>
-            </a:r>
-          </a:p>
-          <a:p>
-            <a:r>
-              <a:rPr lang="it-IT" dirty="0" smtClean="0"/>
+              <a:rPr lang="it-IT" dirty="0"/>
+              <a:t> </a:t>
+            </a:r>
+            <a:r>
+              <a:rPr lang="it-IT" dirty="0" err="1"/>
+              <a:t>cores</a:t>
+            </a:r>
+            <a:r>
+              <a:rPr lang="it-IT" dirty="0"/>
+              <a:t>.</a:t>
+            </a:r>
+          </a:p>
+          <a:p>
+            <a:r>
+              <a:rPr lang="it-IT" dirty="0"/>
               <a:t>The </a:t>
             </a:r>
             <a:r>
-              <a:rPr lang="it-IT" dirty="0" err="1" smtClean="0"/>
-              <a:t>next</a:t>
-            </a:r>
-            <a:r>
-              <a:rPr lang="it-IT" dirty="0" smtClean="0"/>
+              <a:rPr lang="it-IT" dirty="0" err="1"/>
+              <a:t>instuctions</a:t>
+            </a:r>
+            <a:r>
+              <a:rPr lang="it-IT" dirty="0"/>
               <a:t> </a:t>
             </a:r>
             <a:r>
-              <a:rPr lang="it-IT" dirty="0" err="1" smtClean="0"/>
-              <a:t>instuctions</a:t>
-            </a:r>
-            <a:r>
-              <a:rPr lang="it-IT" dirty="0" smtClean="0"/>
+              <a:rPr lang="it-IT" dirty="0" err="1"/>
+              <a:t>before</a:t>
+            </a:r>
+            <a:r>
+              <a:rPr lang="it-IT" dirty="0"/>
+              <a:t> the </a:t>
+            </a:r>
+            <a:r>
+              <a:rPr lang="it-IT" dirty="0" err="1"/>
+              <a:t>while</a:t>
+            </a:r>
+            <a:r>
+              <a:rPr lang="it-IT" dirty="0"/>
+              <a:t> loop are </a:t>
+            </a:r>
+            <a:r>
+              <a:rPr lang="it-IT" dirty="0" err="1"/>
+              <a:t>defining</a:t>
+            </a:r>
+            <a:r>
+              <a:rPr lang="it-IT" dirty="0"/>
+              <a:t> a </a:t>
+            </a:r>
+            <a:r>
+              <a:rPr lang="it-IT" dirty="0" err="1"/>
+              <a:t>vector</a:t>
+            </a:r>
+            <a:r>
+              <a:rPr lang="it-IT" dirty="0"/>
+              <a:t> and </a:t>
+            </a:r>
+            <a:r>
+              <a:rPr lang="it-IT" dirty="0" err="1"/>
+              <a:t>checking</a:t>
+            </a:r>
+            <a:r>
+              <a:rPr lang="it-IT" dirty="0"/>
               <a:t> </a:t>
             </a:r>
             <a:r>
-              <a:rPr lang="it-IT" dirty="0" err="1" smtClean="0"/>
-              <a:t>until</a:t>
-            </a:r>
-            <a:r>
-              <a:rPr lang="it-IT" dirty="0" smtClean="0"/>
+              <a:rPr lang="it-IT" dirty="0" err="1"/>
+              <a:t>that</a:t>
+            </a:r>
+            <a:r>
+              <a:rPr lang="it-IT" dirty="0"/>
               <a:t> the </a:t>
             </a:r>
             <a:r>
-              <a:rPr lang="it-IT" dirty="0" err="1" smtClean="0"/>
-              <a:t>while</a:t>
-            </a:r>
-            <a:r>
-              <a:rPr lang="it-IT" dirty="0" smtClean="0"/>
+              <a:rPr lang="it-IT" dirty="0" err="1"/>
+              <a:t>used</a:t>
+            </a:r>
+            <a:r>
+              <a:rPr lang="it-IT" dirty="0"/>
               <a:t> </a:t>
             </a:r>
             <a:r>
-              <a:rPr lang="it-IT" dirty="0" err="1" smtClean="0"/>
-              <a:t>loop</a:t>
-            </a:r>
-            <a:r>
-              <a:rPr lang="it-IT" dirty="0" smtClean="0"/>
+              <a:rPr lang="it-IT" dirty="0" err="1"/>
+              <a:t>resources</a:t>
+            </a:r>
+            <a:r>
+              <a:rPr lang="it-IT" dirty="0"/>
               <a:t> are </a:t>
             </a:r>
             <a:r>
-              <a:rPr lang="it-IT" dirty="0" err="1" smtClean="0"/>
-              <a:t>defining</a:t>
-            </a:r>
-            <a:r>
-              <a:rPr lang="it-IT" dirty="0" smtClean="0"/>
-              <a:t> a </a:t>
-            </a:r>
-            <a:r>
-              <a:rPr lang="it-IT" dirty="0" err="1" smtClean="0"/>
-              <a:t>vector</a:t>
+              <a:rPr lang="it-IT" dirty="0" err="1"/>
+              <a:t>less</a:t>
             </a:r>
             <a:r>
               <a:rPr lang="it-IT" dirty="0"/>
               <a:t> </a:t>
             </a:r>
             <a:r>
-              <a:rPr lang="it-IT" dirty="0" smtClean="0"/>
-              <a:t>and are </a:t>
-            </a:r>
-            <a:r>
-              <a:rPr lang="it-IT" dirty="0" err="1" smtClean="0"/>
-              <a:t>making</a:t>
-            </a:r>
-            <a:r>
-              <a:rPr lang="it-IT" dirty="0" smtClean="0"/>
-              <a:t> a </a:t>
-            </a:r>
-            <a:r>
-              <a:rPr lang="it-IT" dirty="0" err="1" smtClean="0"/>
-              <a:t>check</a:t>
+              <a:rPr lang="it-IT" dirty="0" err="1"/>
+              <a:t>than</a:t>
+            </a:r>
+            <a:r>
+              <a:rPr lang="it-IT" dirty="0"/>
+              <a:t> the </a:t>
+            </a:r>
+            <a:r>
+              <a:rPr lang="it-IT" dirty="0" err="1"/>
+              <a:t>available</a:t>
             </a:r>
             <a:r>
               <a:rPr lang="it-IT" dirty="0"/>
               <a:t> </a:t>
             </a:r>
             <a:r>
-              <a:rPr lang="it-IT" dirty="0" smtClean="0"/>
-              <a:t>to control </a:t>
-            </a:r>
-            <a:r>
-              <a:rPr lang="it-IT" dirty="0" err="1" smtClean="0"/>
-              <a:t>if</a:t>
-            </a:r>
-            <a:r>
-              <a:rPr lang="it-IT" dirty="0" smtClean="0"/>
-              <a:t> the </a:t>
-            </a:r>
-            <a:r>
-              <a:rPr lang="it-IT" dirty="0" err="1" smtClean="0"/>
-              <a:t>used</a:t>
-            </a:r>
-            <a:r>
-              <a:rPr lang="it-IT" dirty="0" smtClean="0"/>
-              <a:t> </a:t>
-            </a:r>
-            <a:r>
-              <a:rPr lang="it-IT" dirty="0" err="1" smtClean="0"/>
-              <a:t>resource</a:t>
-            </a:r>
-            <a:r>
-              <a:rPr lang="it-IT" dirty="0" smtClean="0"/>
-              <a:t> </a:t>
-            </a:r>
-            <a:r>
-              <a:rPr lang="it-IT" dirty="0" err="1" smtClean="0"/>
-              <a:t>aren’t</a:t>
-            </a:r>
-            <a:r>
-              <a:rPr lang="it-IT" dirty="0" smtClean="0"/>
-              <a:t> </a:t>
-            </a:r>
-            <a:r>
-              <a:rPr lang="it-IT" dirty="0" err="1" smtClean="0"/>
-              <a:t>greater</a:t>
-            </a:r>
-            <a:r>
-              <a:rPr lang="it-IT" dirty="0" smtClean="0"/>
-              <a:t> </a:t>
-            </a:r>
-            <a:r>
-              <a:rPr lang="it-IT" dirty="0" err="1" smtClean="0"/>
-              <a:t>than</a:t>
-            </a:r>
-            <a:r>
-              <a:rPr lang="it-IT" dirty="0" smtClean="0"/>
-              <a:t> the </a:t>
-            </a:r>
-            <a:r>
-              <a:rPr lang="it-IT" dirty="0" err="1" smtClean="0"/>
-              <a:t>available</a:t>
-            </a:r>
-            <a:r>
-              <a:rPr lang="it-IT" dirty="0" smtClean="0"/>
-              <a:t> </a:t>
-            </a:r>
-            <a:r>
-              <a:rPr lang="it-IT" dirty="0" err="1" smtClean="0"/>
+              <a:rPr lang="it-IT" dirty="0" err="1"/>
               <a:t>ones</a:t>
             </a:r>
             <a:r>
@@ -7936,239 +7871,199 @@
           <a:lstStyle/>
           <a:p>
             <a:r>
-              <a:rPr lang="it-IT" dirty="0" smtClean="0"/>
+              <a:rPr lang="it-IT" dirty="0"/>
               <a:t>In the </a:t>
             </a:r>
             <a:r>
-              <a:rPr lang="it-IT" dirty="0" err="1" smtClean="0"/>
+              <a:rPr lang="it-IT" dirty="0" err="1"/>
               <a:t>while</a:t>
             </a:r>
             <a:r>
-              <a:rPr lang="it-IT" dirty="0" smtClean="0"/>
+              <a:rPr lang="it-IT" dirty="0"/>
+              <a:t> loop in </a:t>
+            </a:r>
+            <a:r>
+              <a:rPr lang="it-IT" dirty="0" err="1"/>
+              <a:t>each</a:t>
+            </a:r>
+            <a:r>
+              <a:rPr lang="it-IT" dirty="0"/>
               <a:t> </a:t>
             </a:r>
             <a:r>
-              <a:rPr lang="it-IT" dirty="0" err="1" smtClean="0"/>
-              <a:t>loop</a:t>
-            </a:r>
-            <a:r>
-              <a:rPr lang="it-IT" dirty="0" smtClean="0"/>
+              <a:rPr lang="it-IT" dirty="0" err="1"/>
+              <a:t>iteration</a:t>
+            </a:r>
+            <a:r>
+              <a:rPr lang="it-IT" dirty="0"/>
               <a:t> </a:t>
             </a:r>
             <a:r>
-              <a:rPr lang="it-IT" dirty="0" err="1" smtClean="0"/>
-              <a:t>at</a:t>
-            </a:r>
-            <a:r>
-              <a:rPr lang="it-IT" dirty="0" smtClean="0"/>
+              <a:rPr lang="it-IT" dirty="0" err="1"/>
+              <a:t>it</a:t>
+            </a:r>
+            <a:r>
+              <a:rPr lang="it-IT" dirty="0"/>
               <a:t> </a:t>
             </a:r>
             <a:r>
-              <a:rPr lang="it-IT" dirty="0" err="1" smtClean="0"/>
-              <a:t>each</a:t>
-            </a:r>
-            <a:r>
-              <a:rPr lang="it-IT" dirty="0" smtClean="0"/>
+              <a:rPr lang="it-IT" dirty="0" err="1"/>
+              <a:t>checks</a:t>
+            </a:r>
+            <a:r>
+              <a:rPr lang="it-IT" dirty="0"/>
               <a:t> </a:t>
             </a:r>
             <a:r>
-              <a:rPr lang="it-IT" dirty="0" err="1" smtClean="0"/>
+              <a:rPr lang="it-IT" dirty="0" err="1"/>
+              <a:t>if</a:t>
+            </a:r>
+            <a:r>
+              <a:rPr lang="it-IT" dirty="0"/>
+              <a:t> the </a:t>
+            </a:r>
+            <a:r>
+              <a:rPr lang="it-IT" dirty="0" err="1"/>
+              <a:t>vector</a:t>
+            </a:r>
+            <a:r>
+              <a:rPr lang="it-IT" dirty="0"/>
+              <a:t> </a:t>
+            </a:r>
+            <a:r>
+              <a:rPr lang="it-IT" i="1" dirty="0"/>
+              <a:t>L</a:t>
+            </a:r>
+            <a:r>
+              <a:rPr lang="it-IT" dirty="0"/>
+              <a:t> or </a:t>
+            </a:r>
+            <a:r>
+              <a:rPr lang="it-IT" i="1" dirty="0"/>
+              <a:t>m</a:t>
+            </a:r>
+            <a:r>
+              <a:rPr lang="it-IT" dirty="0"/>
+              <a:t> are </a:t>
+            </a:r>
+            <a:r>
+              <a:rPr lang="it-IT" dirty="0" err="1"/>
+              <a:t>empty</a:t>
+            </a:r>
+            <a:r>
+              <a:rPr lang="it-IT" dirty="0"/>
+              <a:t>; </a:t>
+            </a:r>
+            <a:r>
+              <a:rPr lang="it-IT" dirty="0" err="1"/>
+              <a:t>if</a:t>
+            </a:r>
+            <a:r>
+              <a:rPr lang="it-IT" dirty="0"/>
+              <a:t> so </a:t>
+            </a:r>
+            <a:r>
+              <a:rPr lang="it-IT" dirty="0" err="1"/>
+              <a:t>it</a:t>
+            </a:r>
+            <a:r>
+              <a:rPr lang="it-IT" dirty="0"/>
+              <a:t> </a:t>
+            </a:r>
+            <a:r>
+              <a:rPr lang="it-IT" dirty="0" err="1"/>
+              <a:t>means</a:t>
+            </a:r>
+            <a:r>
+              <a:rPr lang="it-IT" dirty="0"/>
+              <a:t> </a:t>
+            </a:r>
+            <a:r>
+              <a:rPr lang="it-IT" dirty="0" err="1"/>
+              <a:t>that</a:t>
+            </a:r>
+            <a:r>
+              <a:rPr lang="it-IT" dirty="0"/>
+              <a:t> </a:t>
+            </a:r>
+            <a:r>
+              <a:rPr lang="it-IT" dirty="0" err="1"/>
+              <a:t>there</a:t>
+            </a:r>
+            <a:r>
+              <a:rPr lang="it-IT" dirty="0"/>
+              <a:t> </a:t>
+            </a:r>
+            <a:r>
+              <a:rPr lang="it-IT" dirty="0" err="1"/>
+              <a:t>aren’t</a:t>
+            </a:r>
+            <a:r>
+              <a:rPr lang="it-IT" dirty="0"/>
+              <a:t> </a:t>
+            </a:r>
+            <a:r>
+              <a:rPr lang="it-IT" dirty="0" err="1"/>
+              <a:t>changes</a:t>
+            </a:r>
+            <a:r>
+              <a:rPr lang="it-IT" dirty="0"/>
+              <a:t> from the </a:t>
+            </a:r>
+            <a:r>
+              <a:rPr lang="it-IT" dirty="0" err="1"/>
+              <a:t>previous</a:t>
+            </a:r>
+            <a:r>
+              <a:rPr lang="it-IT" dirty="0"/>
+              <a:t> </a:t>
+            </a:r>
+            <a:r>
+              <a:rPr lang="it-IT" dirty="0" err="1"/>
               <a:t>iteration</a:t>
             </a:r>
             <a:r>
-              <a:rPr lang="it-IT" dirty="0" smtClean="0"/>
+              <a:rPr lang="it-IT" dirty="0"/>
+              <a:t> and the </a:t>
+            </a:r>
+            <a:r>
+              <a:rPr lang="it-IT" dirty="0" err="1"/>
+              <a:t>algorithm</a:t>
+            </a:r>
+            <a:r>
+              <a:rPr lang="it-IT" dirty="0"/>
               <a:t> </a:t>
             </a:r>
             <a:r>
-              <a:rPr lang="it-IT" dirty="0" err="1" smtClean="0"/>
-              <a:t>it</a:t>
-            </a:r>
-            <a:r>
-              <a:rPr lang="it-IT" dirty="0" smtClean="0"/>
+              <a:rPr lang="it-IT" dirty="0" err="1"/>
+              <a:t>shouldn’t</a:t>
+            </a:r>
+            <a:r>
+              <a:rPr lang="it-IT" dirty="0"/>
               <a:t> </a:t>
             </a:r>
             <a:r>
-              <a:rPr lang="it-IT" dirty="0" err="1" smtClean="0"/>
-              <a:t>check</a:t>
-            </a:r>
-            <a:r>
-              <a:rPr lang="it-IT" dirty="0" smtClean="0"/>
+              <a:rPr lang="it-IT" dirty="0" err="1"/>
+              <a:t>search</a:t>
+            </a:r>
+            <a:r>
+              <a:rPr lang="it-IT" dirty="0"/>
+              <a:t> for a </a:t>
+            </a:r>
+            <a:r>
+              <a:rPr lang="it-IT" dirty="0" err="1"/>
+              <a:t>better</a:t>
+            </a:r>
+            <a:r>
+              <a:rPr lang="it-IT" dirty="0"/>
               <a:t> </a:t>
             </a:r>
             <a:r>
-              <a:rPr lang="it-IT" dirty="0" err="1" smtClean="0"/>
-              <a:t>if</a:t>
-            </a:r>
-            <a:r>
-              <a:rPr lang="it-IT" dirty="0" smtClean="0"/>
-              <a:t> the </a:t>
-            </a:r>
-            <a:r>
-              <a:rPr lang="it-IT" dirty="0" err="1" smtClean="0"/>
-              <a:t>vector</a:t>
-            </a:r>
-            <a:r>
-              <a:rPr lang="it-IT" dirty="0" smtClean="0"/>
-              <a:t> L or m are </a:t>
-            </a:r>
-            <a:r>
-              <a:rPr lang="it-IT" dirty="0" err="1" smtClean="0"/>
-              <a:t>empty</a:t>
-            </a:r>
-            <a:r>
-              <a:rPr lang="it-IT" dirty="0" smtClean="0"/>
-              <a:t> </a:t>
-            </a:r>
-            <a:r>
-              <a:rPr lang="it-IT" dirty="0" err="1" smtClean="0"/>
-              <a:t>because</a:t>
-            </a:r>
-            <a:r>
-              <a:rPr lang="it-IT" dirty="0" smtClean="0"/>
-              <a:t> </a:t>
-            </a:r>
-            <a:r>
-              <a:rPr lang="it-IT" dirty="0" err="1" smtClean="0"/>
-              <a:t>if</a:t>
-            </a:r>
-            <a:r>
-              <a:rPr lang="it-IT" dirty="0" smtClean="0"/>
-              <a:t> </a:t>
-            </a:r>
-            <a:r>
-              <a:rPr lang="it-IT" dirty="0" err="1" smtClean="0"/>
-              <a:t>one</a:t>
-            </a:r>
-            <a:r>
-              <a:rPr lang="it-IT" dirty="0" smtClean="0"/>
-              <a:t> of </a:t>
-            </a:r>
-            <a:r>
-              <a:rPr lang="it-IT" dirty="0" err="1" smtClean="0"/>
-              <a:t>them</a:t>
-            </a:r>
-            <a:r>
-              <a:rPr lang="it-IT" dirty="0" smtClean="0"/>
-              <a:t> </a:t>
-            </a:r>
-            <a:r>
-              <a:rPr lang="it-IT" dirty="0" err="1" smtClean="0"/>
-              <a:t>is</a:t>
-            </a:r>
-            <a:r>
-              <a:rPr lang="it-IT" dirty="0" smtClean="0"/>
-              <a:t> </a:t>
-            </a:r>
-            <a:r>
-              <a:rPr lang="it-IT" dirty="0" err="1" smtClean="0"/>
-              <a:t>empty</a:t>
-            </a:r>
-            <a:r>
-              <a:rPr lang="it-IT" dirty="0" smtClean="0"/>
-              <a:t> </a:t>
-            </a:r>
-            <a:r>
-              <a:rPr lang="it-IT" dirty="0" err="1" smtClean="0"/>
-              <a:t>this</a:t>
-            </a:r>
-            <a:r>
-              <a:rPr lang="it-IT" dirty="0" smtClean="0"/>
-              <a:t> </a:t>
-            </a:r>
-            <a:r>
-              <a:rPr lang="it-IT" dirty="0" err="1" smtClean="0"/>
-              <a:t>means</a:t>
-            </a:r>
-            <a:r>
-              <a:rPr lang="it-IT" dirty="0" smtClean="0"/>
-              <a:t> </a:t>
-            </a:r>
-            <a:r>
-              <a:rPr lang="it-IT" dirty="0" err="1" smtClean="0"/>
-              <a:t>that</a:t>
-            </a:r>
-            <a:r>
-              <a:rPr lang="it-IT" dirty="0" smtClean="0"/>
-              <a:t> </a:t>
-            </a:r>
-            <a:r>
-              <a:rPr lang="it-IT" dirty="0" err="1" smtClean="0"/>
-              <a:t>there</a:t>
-            </a:r>
-            <a:r>
-              <a:rPr lang="it-IT" dirty="0" smtClean="0"/>
-              <a:t> </a:t>
-            </a:r>
-            <a:r>
-              <a:rPr lang="it-IT" dirty="0" err="1" smtClean="0"/>
-              <a:t>aren’t</a:t>
-            </a:r>
-            <a:r>
-              <a:rPr lang="it-IT" dirty="0" smtClean="0"/>
-              <a:t> </a:t>
-            </a:r>
-            <a:r>
-              <a:rPr lang="it-IT" dirty="0" err="1" smtClean="0"/>
-              <a:t>changes</a:t>
-            </a:r>
-            <a:r>
-              <a:rPr lang="it-IT" dirty="0" smtClean="0"/>
-              <a:t> from the </a:t>
-            </a:r>
-            <a:r>
-              <a:rPr lang="it-IT" dirty="0" err="1" smtClean="0"/>
-              <a:t>previous</a:t>
-            </a:r>
-            <a:r>
-              <a:rPr lang="it-IT" dirty="0" smtClean="0"/>
-              <a:t> </a:t>
-            </a:r>
-            <a:r>
-              <a:rPr lang="it-IT" dirty="0" err="1" smtClean="0"/>
-              <a:t>iteration</a:t>
-            </a:r>
-            <a:r>
-              <a:rPr lang="it-IT" dirty="0" smtClean="0"/>
-              <a:t>, so the </a:t>
-            </a:r>
-            <a:r>
-              <a:rPr lang="it-IT" dirty="0" err="1" smtClean="0"/>
-              <a:t>algorithm</a:t>
-            </a:r>
-            <a:r>
-              <a:rPr lang="it-IT" dirty="0" smtClean="0"/>
-              <a:t> </a:t>
-            </a:r>
-            <a:r>
-              <a:rPr lang="it-IT" dirty="0" err="1" smtClean="0"/>
-              <a:t>shouldn’t</a:t>
-            </a:r>
-            <a:r>
-              <a:rPr lang="it-IT" dirty="0" smtClean="0"/>
-              <a:t> </a:t>
-            </a:r>
-            <a:r>
-              <a:rPr lang="it-IT" dirty="0" err="1" smtClean="0"/>
-              <a:t>search</a:t>
-            </a:r>
-            <a:r>
-              <a:rPr lang="it-IT" dirty="0" smtClean="0"/>
-              <a:t> for a </a:t>
-            </a:r>
-            <a:r>
-              <a:rPr lang="it-IT" dirty="0" err="1" smtClean="0"/>
-              <a:t>better</a:t>
-            </a:r>
-            <a:r>
-              <a:rPr lang="it-IT" dirty="0" smtClean="0"/>
-              <a:t> </a:t>
-            </a:r>
-            <a:r>
-              <a:rPr lang="it-IT" dirty="0" err="1" smtClean="0"/>
+              <a:rPr lang="it-IT" dirty="0" err="1"/>
               <a:t>solution</a:t>
             </a:r>
             <a:r>
-              <a:rPr lang="it-IT" dirty="0" smtClean="0"/>
+              <a:rPr lang="it-IT" dirty="0"/>
               <a:t>.</a:t>
             </a:r>
             <a:endParaRPr lang="en-GB" dirty="0"/>
@@ -8226,7 +8121,7 @@
           <a:lstStyle/>
           <a:p>
             <a:r>
-              <a:rPr lang="it-IT" dirty="0" smtClean="0"/>
+              <a:rPr lang="it-IT" dirty="0"/>
               <a:t>Simulator</a:t>
             </a:r>
             <a:endParaRPr lang="en-GB" dirty="0"/>
@@ -8257,203 +8152,112 @@
               <a:buNone/>
             </a:pPr>
             <a:r>
-              <a:rPr lang="it-IT" dirty="0" smtClean="0"/>
+              <a:rPr lang="it-IT" dirty="0"/>
               <a:t>The simulator </a:t>
             </a:r>
             <a:r>
-              <a:rPr lang="it-IT" dirty="0" err="1" smtClean="0"/>
+              <a:rPr lang="it-IT" dirty="0" err="1"/>
               <a:t>is</a:t>
             </a:r>
             <a:r>
-              <a:rPr lang="it-IT" dirty="0" smtClean="0"/>
+              <a:rPr lang="it-IT" dirty="0"/>
               <a:t> </a:t>
             </a:r>
             <a:r>
-              <a:rPr lang="it-IT" dirty="0" err="1" smtClean="0"/>
+              <a:rPr lang="it-IT" dirty="0" err="1"/>
               <a:t>called</a:t>
             </a:r>
             <a:r>
-              <a:rPr lang="it-IT" dirty="0" smtClean="0"/>
-              <a:t> by the </a:t>
-            </a:r>
-            <a:r>
-              <a:rPr lang="it-IT" dirty="0" err="1" smtClean="0"/>
+              <a:rPr lang="it-IT" dirty="0"/>
+              <a:t> by </a:t>
+            </a:r>
+            <a:r>
+              <a:rPr lang="it-IT" dirty="0" err="1"/>
+              <a:t>createFile</a:t>
+            </a:r>
+            <a:r>
+              <a:rPr lang="it-IT" dirty="0"/>
+              <a:t>() </a:t>
+            </a:r>
+            <a:r>
+              <a:rPr lang="it-IT" dirty="0" err="1"/>
+              <a:t>using</a:t>
+            </a:r>
+            <a:r>
+              <a:rPr lang="it-IT" dirty="0"/>
+              <a:t> the </a:t>
+            </a:r>
+            <a:r>
+              <a:rPr lang="it-IT" dirty="0" err="1"/>
+              <a:t>following</a:t>
+            </a:r>
+            <a:r>
+              <a:rPr lang="it-IT" dirty="0"/>
+              <a:t> </a:t>
+            </a:r>
+            <a:r>
+              <a:rPr lang="it-IT" dirty="0" err="1"/>
               <a:t>function</a:t>
             </a:r>
             <a:r>
-              <a:rPr lang="it-IT" dirty="0" smtClean="0"/>
+              <a:rPr lang="it-IT" dirty="0"/>
+              <a:t>( I </a:t>
+            </a:r>
+            <a:r>
+              <a:rPr lang="it-IT" dirty="0" err="1"/>
+              <a:t>have</a:t>
+            </a:r>
+            <a:r>
+              <a:rPr lang="it-IT" dirty="0"/>
+              <a:t> to </a:t>
+            </a:r>
+            <a:r>
+              <a:rPr lang="it-IT" dirty="0" err="1"/>
+              <a:t>insert</a:t>
+            </a:r>
+            <a:r>
+              <a:rPr lang="it-IT" dirty="0"/>
+              <a:t> the </a:t>
+            </a:r>
+            <a:r>
+              <a:rPr lang="it-IT" dirty="0" err="1"/>
+              <a:t>path</a:t>
+            </a:r>
+            <a:r>
+              <a:rPr lang="it-IT" dirty="0"/>
               <a:t> </a:t>
             </a:r>
             <a:r>
-              <a:rPr lang="it-IT" dirty="0" err="1" smtClean="0"/>
-              <a:t>createFile</a:t>
-            </a:r>
-            <a:r>
-              <a:rPr lang="it-IT" dirty="0" smtClean="0"/>
-              <a:t>() </a:t>
-            </a:r>
-            <a:r>
-              <a:rPr lang="it-IT" dirty="0" err="1" smtClean="0"/>
-              <a:t>using</a:t>
-            </a:r>
-            <a:r>
-              <a:rPr lang="it-IT" dirty="0" smtClean="0"/>
+              <a:rPr lang="it-IT" dirty="0" err="1"/>
+              <a:t>where</a:t>
+            </a:r>
+            <a:r>
+              <a:rPr lang="it-IT" dirty="0"/>
               <a:t> the </a:t>
             </a:r>
             <a:r>
-              <a:rPr lang="it-IT" dirty="0" err="1" smtClean="0"/>
-              <a:t>following</a:t>
-            </a:r>
-            <a:r>
-              <a:rPr lang="it-IT" dirty="0" smtClean="0"/>
+              <a:rPr lang="it-IT" dirty="0" err="1"/>
+              <a:t>executable</a:t>
+            </a:r>
+            <a:r>
+              <a:rPr lang="it-IT" dirty="0"/>
               <a:t> </a:t>
             </a:r>
             <a:r>
-              <a:rPr lang="it-IT" dirty="0" err="1" smtClean="0"/>
-              <a:t>function</a:t>
-            </a:r>
-            <a:r>
-              <a:rPr lang="it-IT" dirty="0" smtClean="0"/>
-              <a:t>( I </a:t>
-            </a:r>
-            <a:r>
-              <a:rPr lang="it-IT" dirty="0" err="1" smtClean="0"/>
-              <a:t>have</a:t>
-            </a:r>
-            <a:r>
-              <a:rPr lang="it-IT" dirty="0" smtClean="0"/>
-              <a:t> to </a:t>
-            </a:r>
-            <a:r>
-              <a:rPr lang="it-IT" dirty="0" err="1" smtClean="0"/>
-              <a:t>insert</a:t>
-            </a:r>
-            <a:r>
-              <a:rPr lang="it-IT" dirty="0" smtClean="0"/>
-              <a:t> the </a:t>
-            </a:r>
-            <a:r>
-              <a:rPr lang="it-IT" dirty="0" err="1" smtClean="0"/>
-              <a:t>path</a:t>
-            </a:r>
-            <a:r>
-              <a:rPr lang="it-IT" dirty="0" smtClean="0"/>
+              <a:rPr lang="it-IT" dirty="0" err="1"/>
+              <a:t>is</a:t>
+            </a:r>
+            <a:r>
+              <a:rPr lang="it-IT" dirty="0"/>
               <a:t> </a:t>
             </a:r>
             <a:r>
-              <a:rPr lang="it-IT" dirty="0" err="1" smtClean="0"/>
-              <a:t>where</a:t>
-            </a:r>
-            <a:r>
-              <a:rPr lang="it-IT" dirty="0" smtClean="0"/>
-              <a:t> the </a:t>
-            </a:r>
-            <a:r>
-              <a:rPr lang="it-IT" dirty="0" err="1" smtClean="0"/>
-              <a:t>executable</a:t>
-            </a:r>
-            <a:r>
-              <a:rPr lang="it-IT" dirty="0" smtClean="0"/>
-              <a:t> </a:t>
-            </a:r>
-            <a:r>
-              <a:rPr lang="it-IT" dirty="0" err="1" smtClean="0"/>
-              <a:t>is</a:t>
-            </a:r>
-            <a:r>
-              <a:rPr lang="it-IT" dirty="0" smtClean="0"/>
-              <a:t> </a:t>
-            </a:r>
-            <a:r>
-              <a:rPr lang="it-IT" dirty="0" err="1" smtClean="0"/>
+              <a:rPr lang="it-IT" dirty="0" err="1"/>
               <a:t>located</a:t>
             </a:r>
             <a:r>
-              <a:rPr lang="it-IT" dirty="0" smtClean="0"/>
+              <a:rPr lang="it-IT" dirty="0"/>
               <a:t>) :</a:t>
-            </a:r>
-          </a:p>
-          <a:p>
-            <a:pPr marL="0" indent="0">
-              <a:buNone/>
-            </a:pPr>
-            <a:endParaRPr lang="it-IT" dirty="0" smtClean="0"/>
-          </a:p>
-          <a:p>
-            <a:pPr marL="0" indent="0">
-              <a:buNone/>
-            </a:pPr>
-            <a:r>
-              <a:rPr lang="it-IT" dirty="0" smtClean="0"/>
-              <a:t>The </a:t>
-            </a:r>
-            <a:r>
-              <a:rPr lang="it-IT" dirty="0" err="1" smtClean="0"/>
-              <a:t>simultator</a:t>
-            </a:r>
-            <a:r>
-              <a:rPr lang="it-IT" dirty="0" smtClean="0"/>
-              <a:t> </a:t>
-            </a:r>
-            <a:r>
-              <a:rPr lang="it-IT" dirty="0" err="1" smtClean="0"/>
-              <a:t>is</a:t>
-            </a:r>
-            <a:r>
-              <a:rPr lang="it-IT" dirty="0" smtClean="0"/>
-              <a:t> </a:t>
-            </a:r>
-            <a:r>
-              <a:rPr lang="it-IT" dirty="0" err="1" smtClean="0"/>
-              <a:t>used</a:t>
-            </a:r>
-            <a:r>
-              <a:rPr lang="it-IT" dirty="0" smtClean="0"/>
-              <a:t> to compute the t </a:t>
-            </a:r>
-            <a:r>
-              <a:rPr lang="it-IT" dirty="0" err="1" smtClean="0"/>
-              <a:t>used</a:t>
-            </a:r>
-            <a:r>
-              <a:rPr lang="it-IT" dirty="0" smtClean="0"/>
-              <a:t> by </a:t>
-            </a:r>
-            <a:r>
-              <a:rPr lang="it-IT" dirty="0" err="1"/>
-              <a:t>weightTardiness</a:t>
-            </a:r>
-            <a:r>
-              <a:rPr lang="it-IT" dirty="0"/>
-              <a:t> </a:t>
-            </a:r>
-            <a:r>
-              <a:rPr lang="it-IT" dirty="0" err="1"/>
-              <a:t>function</a:t>
-            </a:r>
-            <a:r>
-              <a:rPr lang="it-IT" dirty="0"/>
-              <a:t> </a:t>
-            </a:r>
-            <a:r>
-              <a:rPr lang="it-IT" dirty="0" smtClean="0"/>
-              <a:t>to interpolate a and b and to </a:t>
-            </a:r>
-            <a:r>
-              <a:rPr lang="it-IT" dirty="0" err="1" smtClean="0"/>
-              <a:t>find</a:t>
-            </a:r>
-            <a:r>
-              <a:rPr lang="it-IT" dirty="0" smtClean="0"/>
-              <a:t> the best </a:t>
-            </a:r>
-            <a:r>
-              <a:rPr lang="it-IT" dirty="0" err="1" smtClean="0"/>
-              <a:t>move</a:t>
-            </a:r>
-            <a:r>
-              <a:rPr lang="it-IT" dirty="0" smtClean="0"/>
-              <a:t> .</a:t>
             </a:r>
           </a:p>
           <a:p>
@@ -8466,14 +8270,105 @@
             <a:pPr marL="0" indent="0">
               <a:buNone/>
             </a:pPr>
-            <a:endParaRPr lang="it-IT" dirty="0" smtClean="0"/>
+            <a:r>
+              <a:rPr lang="it-IT" dirty="0" err="1"/>
+              <a:t>It</a:t>
+            </a:r>
+            <a:r>
+              <a:rPr lang="it-IT" dirty="0"/>
+              <a:t> </a:t>
+            </a:r>
+            <a:r>
+              <a:rPr lang="it-IT" dirty="0" err="1"/>
+              <a:t>is</a:t>
+            </a:r>
+            <a:r>
+              <a:rPr lang="it-IT" dirty="0"/>
+              <a:t> </a:t>
+            </a:r>
+            <a:r>
+              <a:rPr lang="it-IT" dirty="0" err="1"/>
+              <a:t>used</a:t>
+            </a:r>
+            <a:r>
+              <a:rPr lang="it-IT" dirty="0"/>
+              <a:t> to compute </a:t>
+            </a:r>
+            <a:r>
+              <a:rPr lang="it-IT" i="1" dirty="0"/>
+              <a:t>t</a:t>
+            </a:r>
+            <a:r>
+              <a:rPr lang="it-IT" dirty="0"/>
+              <a:t> </a:t>
+            </a:r>
+            <a:r>
+              <a:rPr lang="it-IT" dirty="0" err="1"/>
+              <a:t>used</a:t>
+            </a:r>
+            <a:r>
+              <a:rPr lang="it-IT" dirty="0"/>
+              <a:t> by </a:t>
+            </a:r>
+            <a:r>
+              <a:rPr lang="it-IT" dirty="0" err="1"/>
+              <a:t>weightTardiness</a:t>
+            </a:r>
+            <a:r>
+              <a:rPr lang="it-IT" dirty="0"/>
+              <a:t> to interpolate </a:t>
+            </a:r>
+            <a:r>
+              <a:rPr lang="it-IT" i="1" dirty="0"/>
+              <a:t>a</a:t>
+            </a:r>
+            <a:r>
+              <a:rPr lang="it-IT" dirty="0"/>
+              <a:t> and </a:t>
+            </a:r>
+            <a:r>
+              <a:rPr lang="it-IT" i="1" dirty="0"/>
+              <a:t>b</a:t>
+            </a:r>
+            <a:r>
+              <a:rPr lang="it-IT" dirty="0"/>
+              <a:t> and to </a:t>
+            </a:r>
+            <a:r>
+              <a:rPr lang="it-IT" dirty="0" err="1"/>
+              <a:t>find</a:t>
+            </a:r>
+            <a:r>
+              <a:rPr lang="it-IT" dirty="0"/>
+              <a:t> the best </a:t>
+            </a:r>
+            <a:r>
+              <a:rPr lang="it-IT" dirty="0" err="1"/>
+              <a:t>move</a:t>
+            </a:r>
+            <a:r>
+              <a:rPr lang="it-IT" dirty="0"/>
+              <a:t> .</a:t>
+            </a:r>
           </a:p>
           <a:p>
             <a:pPr marL="0" indent="0">
               <a:buNone/>
             </a:pPr>
-            <a:r>
-              <a:rPr lang="it-IT" dirty="0" err="1" smtClean="0"/>
+            <a:endParaRPr lang="it-IT" dirty="0"/>
+          </a:p>
+          <a:p>
+            <a:pPr marL="0" indent="0">
+              <a:buNone/>
+            </a:pPr>
+            <a:endParaRPr lang="it-IT" dirty="0"/>
+          </a:p>
+          <a:p>
+            <a:pPr marL="0" indent="0">
+              <a:buNone/>
+            </a:pPr>
+            <a:r>
+              <a:rPr lang="it-IT" dirty="0" err="1"/>
               <a:t>It</a:t>
             </a:r>
             <a:r>
@@ -8481,76 +8376,92 @@
               <a:t> </a:t>
             </a:r>
             <a:r>
-              <a:rPr lang="it-IT" dirty="0" err="1" smtClean="0"/>
+              <a:rPr lang="it-IT" dirty="0" err="1"/>
               <a:t>is</a:t>
             </a:r>
             <a:r>
-              <a:rPr lang="it-IT" dirty="0" smtClean="0"/>
+              <a:rPr lang="it-IT" dirty="0"/>
               <a:t> </a:t>
             </a:r>
             <a:r>
-              <a:rPr lang="it-IT" dirty="0" err="1" smtClean="0"/>
+              <a:rPr lang="it-IT" dirty="0" err="1"/>
               <a:t>divided</a:t>
             </a:r>
             <a:r>
-              <a:rPr lang="it-IT" dirty="0" smtClean="0"/>
+              <a:rPr lang="it-IT" dirty="0"/>
               <a:t> in 3 </a:t>
             </a:r>
             <a:r>
-              <a:rPr lang="it-IT" dirty="0" err="1" smtClean="0"/>
+              <a:rPr lang="it-IT" dirty="0" err="1"/>
               <a:t>parts</a:t>
             </a:r>
             <a:r>
-              <a:rPr lang="it-IT" dirty="0" smtClean="0"/>
+              <a:rPr lang="it-IT" dirty="0"/>
               <a:t>: </a:t>
             </a:r>
             <a:r>
-              <a:rPr lang="it-IT" dirty="0" err="1" smtClean="0"/>
+              <a:rPr lang="it-IT" dirty="0" err="1"/>
               <a:t>main</a:t>
             </a:r>
             <a:r>
-              <a:rPr lang="it-IT" dirty="0" smtClean="0"/>
+              <a:rPr lang="it-IT" dirty="0"/>
               <a:t>() (in </a:t>
             </a:r>
             <a:r>
-              <a:rPr lang="it-IT" dirty="0" err="1" smtClean="0"/>
+              <a:rPr lang="it-IT" dirty="0" err="1"/>
               <a:t>which</a:t>
             </a:r>
             <a:r>
-              <a:rPr lang="it-IT" dirty="0" smtClean="0"/>
+              <a:rPr lang="it-IT" dirty="0"/>
               <a:t> the Simulator </a:t>
             </a:r>
             <a:r>
-              <a:rPr lang="it-IT" dirty="0" err="1" smtClean="0"/>
-              <a:t>read</a:t>
-            </a:r>
-            <a:r>
-              <a:rPr lang="it-IT" dirty="0" smtClean="0"/>
+              <a:rPr lang="it-IT" dirty="0" err="1"/>
+              <a:t>reads</a:t>
+            </a:r>
+            <a:r>
+              <a:rPr lang="it-IT" dirty="0"/>
               <a:t> the </a:t>
             </a:r>
             <a:r>
-              <a:rPr lang="it-IT" dirty="0" err="1" smtClean="0"/>
+              <a:rPr lang="it-IT" dirty="0" err="1"/>
               <a:t>value</a:t>
             </a:r>
             <a:r>
-              <a:rPr lang="it-IT" dirty="0" smtClean="0"/>
+              <a:rPr lang="it-IT" dirty="0"/>
               <a:t> from a file), </a:t>
             </a:r>
             <a:r>
-              <a:rPr lang="en-GB" dirty="0" err="1" smtClean="0"/>
+              <a:rPr lang="en-GB" dirty="0" err="1"/>
               <a:t>lundstromControll</a:t>
             </a:r>
             <a:r>
-              <a:rPr lang="en-GB" dirty="0" smtClean="0"/>
-              <a:t>(float) (in which the Simulator compute t) and </a:t>
-            </a:r>
-            <a:r>
-              <a:rPr lang="en-GB" dirty="0" err="1" smtClean="0"/>
+              <a:rPr lang="en-GB" dirty="0"/>
+              <a:t>(float) (in which it computes </a:t>
+            </a:r>
+            <a:r>
+              <a:rPr lang="en-GB" i="1" dirty="0"/>
+              <a:t>t</a:t>
+            </a:r>
+            <a:r>
+              <a:rPr lang="en-GB" dirty="0"/>
+              <a:t>) and </a:t>
+            </a:r>
+            <a:r>
+              <a:rPr lang="en-GB" dirty="0" err="1"/>
               <a:t>createNewFile</a:t>
             </a:r>
             <a:r>
-              <a:rPr lang="en-GB" dirty="0" smtClean="0"/>
-              <a:t>() (in which the Simulator create the returned file to use).</a:t>
+              <a:rPr lang="en-GB" dirty="0"/>
+              <a:t>() (in </a:t>
+            </a:r>
+            <a:r>
+              <a:rPr lang="en-GB"/>
+              <a:t>which it creates </a:t>
+            </a:r>
+            <a:r>
+              <a:rPr lang="en-GB" dirty="0"/>
+              <a:t>the returned file to use).</a:t>
             </a:r>
             <a:endParaRPr lang="it-IT" dirty="0"/>
           </a:p>
@@ -8559,7 +8470,7 @@
               <a:buNone/>
             </a:pPr>
             <a:r>
-              <a:rPr lang="it-IT" dirty="0" smtClean="0"/>
+              <a:rPr lang="it-IT" dirty="0"/>
               <a:t> </a:t>
             </a:r>
             <a:endParaRPr lang="en-GB" dirty="0"/>
@@ -8739,7 +8650,7 @@
           <a:lstStyle/>
           <a:p>
             <a:r>
-              <a:rPr lang="it-IT" sz="4400" dirty="0" err="1" smtClean="0"/>
+              <a:rPr lang="it-IT" sz="4400" dirty="0" err="1"/>
               <a:t>Description</a:t>
             </a:r>
             <a:endParaRPr lang="en-GB" sz="4400" dirty="0"/>
@@ -8767,192 +8678,192 @@
           <a:lstStyle/>
           <a:p>
             <a:r>
-              <a:rPr lang="it-IT" sz="2000" dirty="0" smtClean="0"/>
+              <a:rPr lang="it-IT" sz="2000" dirty="0"/>
               <a:t>For </a:t>
             </a:r>
             <a:r>
-              <a:rPr lang="it-IT" sz="2000" dirty="0" err="1" smtClean="0"/>
+              <a:rPr lang="it-IT" sz="2000" dirty="0" err="1"/>
               <a:t>this</a:t>
             </a:r>
             <a:r>
-              <a:rPr lang="it-IT" sz="2000" dirty="0" smtClean="0"/>
+              <a:rPr lang="it-IT" sz="2000" dirty="0"/>
               <a:t> </a:t>
             </a:r>
             <a:r>
-              <a:rPr lang="it-IT" sz="2000" dirty="0" err="1" smtClean="0"/>
+              <a:rPr lang="it-IT" sz="2000" dirty="0" err="1"/>
               <a:t>project</a:t>
             </a:r>
             <a:r>
-              <a:rPr lang="it-IT" sz="2000" dirty="0" smtClean="0"/>
+              <a:rPr lang="it-IT" sz="2000" dirty="0"/>
               <a:t> I </a:t>
             </a:r>
             <a:r>
-              <a:rPr lang="it-IT" sz="2000" dirty="0" err="1" smtClean="0"/>
+              <a:rPr lang="it-IT" sz="2000" dirty="0" err="1"/>
               <a:t>have</a:t>
             </a:r>
             <a:r>
-              <a:rPr lang="it-IT" sz="2000" dirty="0" smtClean="0"/>
+              <a:rPr lang="it-IT" sz="2000" dirty="0"/>
               <a:t> to </a:t>
             </a:r>
             <a:r>
-              <a:rPr lang="it-IT" sz="2000" dirty="0" err="1" smtClean="0"/>
+              <a:rPr lang="it-IT" sz="2000" dirty="0" err="1"/>
               <a:t>implement</a:t>
             </a:r>
             <a:r>
-              <a:rPr lang="it-IT" sz="2000" dirty="0" smtClean="0"/>
+              <a:rPr lang="it-IT" sz="2000" dirty="0"/>
               <a:t> some </a:t>
             </a:r>
             <a:r>
-              <a:rPr lang="it-IT" sz="2000" dirty="0" err="1" smtClean="0"/>
+              <a:rPr lang="it-IT" sz="2000" dirty="0" err="1"/>
               <a:t>parallelization</a:t>
             </a:r>
             <a:r>
-              <a:rPr lang="it-IT" sz="2000" dirty="0" smtClean="0"/>
+              <a:rPr lang="it-IT" sz="2000" dirty="0"/>
               <a:t> </a:t>
             </a:r>
             <a:r>
-              <a:rPr lang="it-IT" sz="2000" dirty="0" err="1" smtClean="0"/>
+              <a:rPr lang="it-IT" sz="2000" dirty="0" err="1"/>
               <a:t>techniques</a:t>
             </a:r>
             <a:r>
-              <a:rPr lang="it-IT" sz="2000" dirty="0" smtClean="0"/>
+              <a:rPr lang="it-IT" sz="2000" dirty="0"/>
               <a:t> for the </a:t>
             </a:r>
             <a:r>
-              <a:rPr lang="it-IT" sz="2000" dirty="0" err="1" smtClean="0"/>
+              <a:rPr lang="it-IT" sz="2000" dirty="0" err="1"/>
               <a:t>algorithm</a:t>
             </a:r>
             <a:r>
-              <a:rPr lang="it-IT" sz="2000" dirty="0" smtClean="0"/>
+              <a:rPr lang="it-IT" sz="2000" dirty="0"/>
               <a:t> </a:t>
             </a:r>
             <a:r>
-              <a:rPr lang="it-IT" sz="2000" dirty="0" err="1" smtClean="0"/>
+              <a:rPr lang="it-IT" sz="2000" dirty="0" err="1"/>
               <a:t>presented</a:t>
             </a:r>
             <a:r>
-              <a:rPr lang="it-IT" sz="2000" dirty="0" smtClean="0"/>
+              <a:rPr lang="it-IT" sz="2000" dirty="0"/>
               <a:t> in the </a:t>
             </a:r>
             <a:r>
-              <a:rPr lang="it-IT" sz="2000" dirty="0" err="1" smtClean="0"/>
+              <a:rPr lang="it-IT" sz="2000" dirty="0" err="1"/>
               <a:t>picture</a:t>
             </a:r>
             <a:r>
-              <a:rPr lang="it-IT" sz="2000" dirty="0" smtClean="0"/>
+              <a:rPr lang="it-IT" sz="2000" dirty="0"/>
               <a:t> and a «simulator» to </a:t>
             </a:r>
             <a:r>
-              <a:rPr lang="it-IT" sz="2000" dirty="0" err="1" smtClean="0"/>
+              <a:rPr lang="it-IT" sz="2000" dirty="0" err="1"/>
               <a:t>replace</a:t>
             </a:r>
             <a:r>
-              <a:rPr lang="it-IT" sz="2000" dirty="0" smtClean="0"/>
+              <a:rPr lang="it-IT" sz="2000" dirty="0"/>
               <a:t> </a:t>
             </a:r>
             <a:r>
-              <a:rPr lang="it-IT" sz="2000" dirty="0" err="1" smtClean="0"/>
+              <a:rPr lang="it-IT" sz="2000" dirty="0" err="1"/>
               <a:t>Lundstom</a:t>
             </a:r>
             <a:r>
-              <a:rPr lang="it-IT" sz="2000" dirty="0" smtClean="0"/>
+              <a:rPr lang="it-IT" sz="2000" dirty="0"/>
               <a:t> (</a:t>
             </a:r>
             <a:r>
-              <a:rPr lang="it-IT" sz="2000" dirty="0" err="1" smtClean="0"/>
+              <a:rPr lang="it-IT" sz="2000" dirty="0" err="1"/>
               <a:t>that</a:t>
             </a:r>
             <a:r>
-              <a:rPr lang="it-IT" sz="2000" dirty="0" smtClean="0"/>
+              <a:rPr lang="it-IT" sz="2000" dirty="0"/>
               <a:t> </a:t>
             </a:r>
             <a:r>
-              <a:rPr lang="it-IT" sz="2000" dirty="0" err="1" smtClean="0"/>
+              <a:rPr lang="it-IT" sz="2000" dirty="0" err="1"/>
               <a:t>is</a:t>
             </a:r>
             <a:r>
-              <a:rPr lang="it-IT" sz="2000" dirty="0" smtClean="0"/>
+              <a:rPr lang="it-IT" sz="2000" dirty="0"/>
               <a:t> </a:t>
             </a:r>
             <a:r>
-              <a:rPr lang="it-IT" sz="2000" dirty="0" err="1" smtClean="0"/>
+              <a:rPr lang="it-IT" sz="2000" dirty="0" err="1"/>
               <a:t>used</a:t>
             </a:r>
             <a:r>
-              <a:rPr lang="it-IT" sz="2000" dirty="0" smtClean="0"/>
+              <a:rPr lang="it-IT" sz="2000" dirty="0"/>
               <a:t> </a:t>
             </a:r>
             <a:r>
-              <a:rPr lang="it-IT" sz="2000" dirty="0" err="1" smtClean="0"/>
+              <a:rPr lang="it-IT" sz="2000" dirty="0" err="1"/>
               <a:t>at</a:t>
             </a:r>
             <a:r>
-              <a:rPr lang="it-IT" sz="2000" dirty="0" smtClean="0"/>
+              <a:rPr lang="it-IT" sz="2000" dirty="0"/>
               <a:t> line 20) .</a:t>
             </a:r>
           </a:p>
           <a:p>
             <a:r>
-              <a:rPr lang="it-IT" sz="2000" dirty="0" smtClean="0"/>
+              <a:rPr lang="it-IT" sz="2000" dirty="0"/>
               <a:t>I use Visual Studio 2017  and </a:t>
             </a:r>
             <a:r>
-              <a:rPr lang="it-IT" sz="2000" dirty="0" err="1" smtClean="0"/>
+              <a:rPr lang="it-IT" sz="2000" dirty="0" err="1"/>
               <a:t>OpenMP</a:t>
             </a:r>
             <a:r>
-              <a:rPr lang="it-IT" sz="2000" dirty="0" smtClean="0"/>
+              <a:rPr lang="it-IT" sz="2000" dirty="0"/>
               <a:t> to </a:t>
             </a:r>
             <a:r>
-              <a:rPr lang="it-IT" sz="2000" dirty="0" err="1" smtClean="0"/>
+              <a:rPr lang="it-IT" sz="2000" dirty="0" err="1"/>
               <a:t>write</a:t>
             </a:r>
             <a:r>
-              <a:rPr lang="it-IT" sz="2000" dirty="0" smtClean="0"/>
+              <a:rPr lang="it-IT" sz="2000" dirty="0"/>
               <a:t> </a:t>
             </a:r>
             <a:r>
-              <a:rPr lang="it-IT" sz="2000" dirty="0" err="1" smtClean="0"/>
+              <a:rPr lang="it-IT" sz="2000" dirty="0" err="1"/>
               <a:t>my</a:t>
             </a:r>
             <a:r>
-              <a:rPr lang="it-IT" sz="2000" dirty="0" smtClean="0"/>
+              <a:rPr lang="it-IT" sz="2000" dirty="0"/>
               <a:t> code.</a:t>
             </a:r>
           </a:p>
           <a:p>
             <a:r>
-              <a:rPr lang="it-IT" sz="2000" dirty="0" smtClean="0"/>
+              <a:rPr lang="it-IT" sz="2000" dirty="0"/>
               <a:t>I use C++ </a:t>
             </a:r>
             <a:r>
-              <a:rPr lang="it-IT" sz="2000" dirty="0" err="1" smtClean="0"/>
+              <a:rPr lang="it-IT" sz="2000" dirty="0" err="1"/>
               <a:t>as</a:t>
             </a:r>
             <a:r>
-              <a:rPr lang="it-IT" sz="2000" dirty="0" smtClean="0"/>
+              <a:rPr lang="it-IT" sz="2000" dirty="0"/>
               <a:t> </a:t>
             </a:r>
             <a:r>
-              <a:rPr lang="it-IT" sz="2000" dirty="0" err="1" smtClean="0"/>
+              <a:rPr lang="it-IT" sz="2000" dirty="0" err="1"/>
               <a:t>programming</a:t>
             </a:r>
             <a:r>
-              <a:rPr lang="it-IT" sz="2000" dirty="0" smtClean="0"/>
+              <a:rPr lang="it-IT" sz="2000" dirty="0"/>
               <a:t> </a:t>
             </a:r>
             <a:r>
-              <a:rPr lang="it-IT" sz="2000" dirty="0" err="1" smtClean="0"/>
+              <a:rPr lang="it-IT" sz="2000" dirty="0" err="1"/>
               <a:t>language</a:t>
             </a:r>
             <a:r>
-              <a:rPr lang="it-IT" sz="2000" dirty="0" smtClean="0"/>
+              <a:rPr lang="it-IT" sz="2000" dirty="0"/>
               <a:t>.</a:t>
             </a:r>
           </a:p>
           <a:p>
-            <a:endParaRPr lang="it-IT" sz="2000" dirty="0" smtClean="0"/>
+            <a:endParaRPr lang="it-IT" sz="2000" dirty="0"/>
           </a:p>
           <a:p>
             <a:endParaRPr lang="en-GB" dirty="0"/>
@@ -9040,7 +8951,7 @@
           <a:lstStyle/>
           <a:p>
             <a:r>
-              <a:rPr lang="it-IT" dirty="0" smtClean="0"/>
+              <a:rPr lang="it-IT" dirty="0"/>
               <a:t>Component</a:t>
             </a:r>
             <a:endParaRPr lang="en-GB" dirty="0"/>
@@ -9071,91 +8982,87 @@
               <a:buNone/>
             </a:pPr>
             <a:r>
-              <a:rPr lang="it-IT" dirty="0" smtClean="0"/>
+              <a:rPr lang="it-IT" dirty="0"/>
               <a:t>My </a:t>
             </a:r>
             <a:r>
-              <a:rPr lang="it-IT" dirty="0" err="1" smtClean="0"/>
+              <a:rPr lang="it-IT" dirty="0" err="1"/>
               <a:t>project</a:t>
             </a:r>
             <a:r>
-              <a:rPr lang="it-IT" dirty="0" smtClean="0"/>
+              <a:rPr lang="it-IT" dirty="0"/>
               <a:t> </a:t>
             </a:r>
             <a:r>
-              <a:rPr lang="it-IT" dirty="0" err="1" smtClean="0"/>
+              <a:rPr lang="it-IT" dirty="0" err="1"/>
               <a:t>is</a:t>
             </a:r>
             <a:r>
-              <a:rPr lang="it-IT" dirty="0" smtClean="0"/>
+              <a:rPr lang="it-IT" dirty="0"/>
               <a:t> </a:t>
             </a:r>
             <a:r>
-              <a:rPr lang="it-IT" dirty="0" err="1" smtClean="0"/>
+              <a:rPr lang="it-IT" dirty="0" err="1"/>
               <a:t>composed</a:t>
             </a:r>
             <a:r>
-              <a:rPr lang="it-IT" dirty="0" smtClean="0"/>
+              <a:rPr lang="it-IT" dirty="0"/>
               <a:t> of some </a:t>
             </a:r>
             <a:r>
-              <a:rPr lang="it-IT" dirty="0" err="1" smtClean="0"/>
-              <a:t>class</a:t>
-            </a:r>
-            <a:r>
-              <a:rPr lang="it-IT" dirty="0" err="1" smtClean="0"/>
-              <a:t>es</a:t>
-            </a:r>
-            <a:r>
-              <a:rPr lang="it-IT" dirty="0" smtClean="0"/>
+              <a:rPr lang="it-IT" dirty="0" err="1"/>
+              <a:t>classes</a:t>
+            </a:r>
+            <a:r>
+              <a:rPr lang="it-IT" dirty="0"/>
               <a:t> </a:t>
             </a:r>
             <a:r>
-              <a:rPr lang="it-IT" dirty="0" err="1" smtClean="0"/>
+              <a:rPr lang="it-IT" dirty="0" err="1"/>
               <a:t>that</a:t>
             </a:r>
             <a:r>
-              <a:rPr lang="it-IT" dirty="0" smtClean="0"/>
+              <a:rPr lang="it-IT" dirty="0"/>
               <a:t> are </a:t>
             </a:r>
             <a:r>
-              <a:rPr lang="it-IT" dirty="0" err="1" smtClean="0"/>
+              <a:rPr lang="it-IT" dirty="0" err="1"/>
               <a:t>divided</a:t>
             </a:r>
             <a:r>
-              <a:rPr lang="it-IT" dirty="0" smtClean="0"/>
+              <a:rPr lang="it-IT" dirty="0"/>
               <a:t> in </a:t>
             </a:r>
             <a:r>
-              <a:rPr lang="it-IT" dirty="0" err="1" smtClean="0"/>
+              <a:rPr lang="it-IT" dirty="0" err="1"/>
               <a:t>mainClasses</a:t>
             </a:r>
             <a:r>
-              <a:rPr lang="it-IT" dirty="0" smtClean="0"/>
+              <a:rPr lang="it-IT" dirty="0"/>
               <a:t> (</a:t>
             </a:r>
             <a:r>
-              <a:rPr lang="it-IT" dirty="0" err="1" smtClean="0"/>
+              <a:rPr lang="it-IT" dirty="0" err="1"/>
               <a:t>circle</a:t>
             </a:r>
             <a:r>
-              <a:rPr lang="it-IT" dirty="0" smtClean="0"/>
+              <a:rPr lang="it-IT" dirty="0"/>
               <a:t>) and </a:t>
             </a:r>
             <a:r>
-              <a:rPr lang="it-IT" dirty="0" err="1" smtClean="0"/>
+              <a:rPr lang="it-IT" dirty="0" err="1"/>
               <a:t>simulatorClasses</a:t>
             </a:r>
             <a:r>
-              <a:rPr lang="it-IT" dirty="0" smtClean="0"/>
+              <a:rPr lang="it-IT" dirty="0"/>
               <a:t>(</a:t>
             </a:r>
             <a:r>
-              <a:rPr lang="it-IT" dirty="0" err="1" smtClean="0"/>
+              <a:rPr lang="it-IT" dirty="0" err="1"/>
               <a:t>square</a:t>
             </a:r>
             <a:r>
-              <a:rPr lang="it-IT" dirty="0" smtClean="0"/>
+              <a:rPr lang="it-IT" dirty="0"/>
               <a:t>):</a:t>
             </a:r>
           </a:p>
@@ -9168,10 +9075,10 @@
               <a:buChar char="•"/>
             </a:pPr>
             <a:r>
-              <a:rPr lang="it-IT" dirty="0" err="1" smtClean="0"/>
+              <a:rPr lang="it-IT" dirty="0" err="1"/>
               <a:t>DeltaVM</a:t>
             </a:r>
-            <a:endParaRPr lang="it-IT" dirty="0" smtClean="0"/>
+            <a:endParaRPr lang="it-IT" dirty="0"/>
           </a:p>
           <a:p>
             <a:pPr>
@@ -9182,7 +9089,7 @@
               <a:buChar char="•"/>
             </a:pPr>
             <a:r>
-              <a:rPr lang="it-IT" dirty="0" smtClean="0"/>
+              <a:rPr lang="it-IT" dirty="0"/>
               <a:t>VM</a:t>
             </a:r>
           </a:p>
@@ -9195,10 +9102,10 @@
               <a:buChar char="•"/>
             </a:pPr>
             <a:r>
-              <a:rPr lang="it-IT" dirty="0" err="1" smtClean="0"/>
+              <a:rPr lang="it-IT" dirty="0" err="1"/>
               <a:t>ComputeProduct</a:t>
             </a:r>
-            <a:endParaRPr lang="it-IT" dirty="0" smtClean="0"/>
+            <a:endParaRPr lang="it-IT" dirty="0"/>
           </a:p>
           <a:p>
             <a:pPr>
@@ -9209,7 +9116,7 @@
               <a:buChar char="•"/>
             </a:pPr>
             <a:r>
-              <a:rPr lang="it-IT" dirty="0" smtClean="0"/>
+              <a:rPr lang="it-IT" dirty="0"/>
               <a:t>Project</a:t>
             </a:r>
           </a:p>
@@ -9222,7 +9129,7 @@
               <a:buChar char="§"/>
             </a:pPr>
             <a:r>
-              <a:rPr lang="it-IT" dirty="0" smtClean="0"/>
+              <a:rPr lang="it-IT" dirty="0"/>
               <a:t>Simulator</a:t>
             </a:r>
           </a:p>
@@ -9235,14 +9142,13 @@
               <a:buChar char="§"/>
             </a:pPr>
             <a:r>
-              <a:rPr lang="it-IT" dirty="0" err="1" smtClean="0"/>
+              <a:rPr lang="it-IT" dirty="0" err="1"/>
               <a:t>VMSimulator</a:t>
             </a:r>
             <a:r>
-              <a:rPr lang="it-IT" dirty="0" smtClean="0"/>
+              <a:rPr lang="it-IT" dirty="0"/>
               <a:t> </a:t>
             </a:r>
-            <a:endParaRPr lang="it-IT" dirty="0" smtClean="0"/>
           </a:p>
         </p:txBody>
       </p:sp>
@@ -9256,13 +9162,6 @@
   <p:clrMapOvr>
     <a:masterClrMapping/>
   </p:clrMapOvr>
-  <p:timing>
-    <p:tnLst>
-      <p:par>
-        <p:cTn id="1" dur="indefinite" restart="never" nodeType="tmRoot"/>
-      </p:par>
-    </p:tnLst>
-  </p:timing>
 </p:sld>
 </file>
 
@@ -9304,7 +9203,7 @@
           <a:lstStyle/>
           <a:p>
             <a:r>
-              <a:rPr lang="it-IT" dirty="0" smtClean="0"/>
+              <a:rPr lang="it-IT" dirty="0"/>
               <a:t>Project.cpp</a:t>
             </a:r>
             <a:endParaRPr lang="en-GB" dirty="0"/>
@@ -9340,103 +9239,99 @@
               <a:buNone/>
             </a:pPr>
             <a:r>
-              <a:rPr lang="it-IT" dirty="0" err="1" smtClean="0"/>
+              <a:rPr lang="it-IT" dirty="0" err="1"/>
               <a:t>This</a:t>
             </a:r>
             <a:r>
-              <a:rPr lang="it-IT" dirty="0" smtClean="0"/>
+              <a:rPr lang="it-IT" dirty="0"/>
               <a:t> Project </a:t>
             </a:r>
             <a:r>
-              <a:rPr lang="it-IT" dirty="0" err="1" smtClean="0"/>
+              <a:rPr lang="it-IT" dirty="0" err="1"/>
               <a:t>has</a:t>
             </a:r>
             <a:r>
-              <a:rPr lang="it-IT" dirty="0" smtClean="0"/>
+              <a:rPr lang="it-IT" dirty="0"/>
               <a:t> </a:t>
             </a:r>
             <a:r>
-              <a:rPr lang="it-IT" dirty="0" err="1" smtClean="0"/>
+              <a:rPr lang="it-IT" dirty="0" err="1"/>
               <a:t>several</a:t>
             </a:r>
             <a:r>
-              <a:rPr lang="it-IT" dirty="0" smtClean="0"/>
+              <a:rPr lang="it-IT" dirty="0"/>
               <a:t> </a:t>
             </a:r>
             <a:r>
-              <a:rPr lang="it-IT" dirty="0" err="1" smtClean="0"/>
-              <a:t>function</a:t>
-            </a:r>
-            <a:r>
-              <a:rPr lang="it-IT" dirty="0" smtClean="0"/>
+              <a:rPr lang="it-IT" dirty="0" err="1"/>
+              <a:t>functions</a:t>
+            </a:r>
+            <a:r>
+              <a:rPr lang="it-IT" dirty="0"/>
               <a:t>, </a:t>
             </a:r>
             <a:r>
-              <a:rPr lang="it-IT" dirty="0" err="1" smtClean="0"/>
+              <a:rPr lang="it-IT" dirty="0" err="1"/>
               <a:t>it</a:t>
             </a:r>
             <a:r>
-              <a:rPr lang="it-IT" dirty="0" smtClean="0"/>
+              <a:rPr lang="it-IT" dirty="0"/>
               <a:t> </a:t>
             </a:r>
             <a:r>
-              <a:rPr lang="it-IT" dirty="0" err="1" smtClean="0"/>
-              <a:t>obtain</a:t>
-            </a:r>
-            <a:r>
-              <a:rPr lang="it-IT" dirty="0" smtClean="0"/>
+              <a:rPr lang="it-IT" dirty="0" err="1"/>
+              <a:t>obtains</a:t>
+            </a:r>
+            <a:r>
+              <a:rPr lang="it-IT" dirty="0"/>
               <a:t> </a:t>
             </a:r>
             <a:r>
-              <a:rPr lang="it-IT" dirty="0" err="1" smtClean="0"/>
+              <a:rPr lang="it-IT" dirty="0" err="1"/>
               <a:t>its</a:t>
             </a:r>
             <a:r>
-              <a:rPr lang="it-IT" dirty="0" smtClean="0"/>
+              <a:rPr lang="it-IT" dirty="0"/>
               <a:t> input from a file </a:t>
             </a:r>
             <a:r>
-              <a:rPr lang="it-IT" dirty="0" err="1" smtClean="0"/>
+              <a:rPr lang="it-IT" dirty="0" err="1"/>
               <a:t>named</a:t>
             </a:r>
             <a:r>
               <a:rPr lang="it-IT" dirty="0"/>
+              <a:t> «application.csv» and </a:t>
+            </a:r>
+            <a:r>
+              <a:rPr lang="it-IT" dirty="0" err="1"/>
+              <a:t>returns</a:t>
+            </a:r>
+            <a:r>
+              <a:rPr lang="it-IT" dirty="0"/>
               <a:t> </a:t>
             </a:r>
             <a:r>
-              <a:rPr lang="it-IT" dirty="0" smtClean="0"/>
-              <a:t>«application.csv» and </a:t>
-            </a:r>
-            <a:r>
-              <a:rPr lang="it-IT" dirty="0" err="1" smtClean="0"/>
-              <a:t>returns</a:t>
-            </a:r>
-            <a:r>
-              <a:rPr lang="it-IT" dirty="0" smtClean="0"/>
-              <a:t> </a:t>
-            </a:r>
-            <a:r>
-              <a:rPr lang="it-IT" dirty="0" err="1" smtClean="0"/>
+              <a:rPr lang="it-IT" dirty="0" err="1"/>
               <a:t>its</a:t>
             </a:r>
             <a:r>
-              <a:rPr lang="it-IT" dirty="0" smtClean="0"/>
+              <a:rPr lang="it-IT" dirty="0"/>
               <a:t> output </a:t>
             </a:r>
             <a:r>
-              <a:rPr lang="it-IT" dirty="0" err="1" smtClean="0"/>
+              <a:rPr lang="it-IT" dirty="0" err="1"/>
               <a:t>into</a:t>
             </a:r>
             <a:r>
-              <a:rPr lang="it-IT" dirty="0" smtClean="0"/>
+              <a:rPr lang="it-IT" dirty="0"/>
               <a:t> a file </a:t>
             </a:r>
             <a:r>
-              <a:rPr lang="it-IT" dirty="0" err="1" smtClean="0"/>
+              <a:rPr lang="it-IT" dirty="0" err="1"/>
               <a:t>named</a:t>
             </a:r>
             <a:r>
-              <a:rPr lang="it-IT" dirty="0" smtClean="0"/>
+              <a:rPr lang="it-IT" dirty="0"/>
               <a:t> «result.csv».</a:t>
             </a:r>
           </a:p>
@@ -9448,15 +9343,15 @@
               <a:buNone/>
             </a:pPr>
             <a:r>
-              <a:rPr lang="it-IT" dirty="0" smtClean="0"/>
+              <a:rPr lang="it-IT" dirty="0"/>
               <a:t>The </a:t>
             </a:r>
             <a:r>
-              <a:rPr lang="it-IT" dirty="0" err="1" smtClean="0"/>
-              <a:t>Funcions</a:t>
-            </a:r>
-            <a:r>
-              <a:rPr lang="it-IT" dirty="0" smtClean="0"/>
+              <a:rPr lang="it-IT" dirty="0" err="1"/>
+              <a:t>Functions</a:t>
+            </a:r>
+            <a:r>
+              <a:rPr lang="it-IT" dirty="0"/>
               <a:t> are:</a:t>
             </a:r>
           </a:p>
@@ -9470,22 +9365,18 @@
             </a:pPr>
             <a:r>
               <a:rPr lang="it-IT" dirty="0" err="1"/>
-              <a:t>c</a:t>
-            </a:r>
-            <a:r>
-              <a:rPr lang="it-IT" dirty="0" err="1" smtClean="0"/>
-              <a:t>alculateVM</a:t>
-            </a:r>
-            <a:r>
-              <a:rPr lang="it-IT" dirty="0" smtClean="0"/>
+              <a:t>calculateVM</a:t>
+            </a:r>
+            <a:r>
+              <a:rPr lang="it-IT" dirty="0"/>
               <a:t>(</a:t>
             </a:r>
             <a:r>
-              <a:rPr lang="it-IT" dirty="0" err="1" smtClean="0"/>
+              <a:rPr lang="it-IT" dirty="0" err="1"/>
               <a:t>ComputeProduct,float,float</a:t>
             </a:r>
             <a:r>
-              <a:rPr lang="it-IT" dirty="0" smtClean="0"/>
+              <a:rPr lang="it-IT" dirty="0"/>
               <a:t>)</a:t>
             </a:r>
           </a:p>
@@ -9498,19 +9389,19 @@
               <a:buChar char="•"/>
             </a:pPr>
             <a:r>
-              <a:rPr lang="it-IT" dirty="0" err="1" smtClean="0"/>
+              <a:rPr lang="it-IT" dirty="0" err="1"/>
               <a:t>checkBestSolution</a:t>
             </a:r>
             <a:r>
-              <a:rPr lang="it-IT" dirty="0" smtClean="0"/>
+              <a:rPr lang="it-IT" dirty="0"/>
               <a:t>(</a:t>
             </a:r>
             <a:r>
-              <a:rPr lang="it-IT" dirty="0" err="1" smtClean="0"/>
+              <a:rPr lang="it-IT" dirty="0" err="1"/>
               <a:t>DeltaVM</a:t>
             </a:r>
             <a:r>
-              <a:rPr lang="it-IT" dirty="0" smtClean="0"/>
+              <a:rPr lang="it-IT" dirty="0"/>
               <a:t>)</a:t>
             </a:r>
           </a:p>
@@ -9523,15 +9414,11 @@
               <a:buChar char="•"/>
             </a:pPr>
             <a:r>
-              <a:rPr lang="it-IT" dirty="0" err="1" smtClean="0"/>
-              <a:t>c</a:t>
-            </a:r>
-            <a:r>
-              <a:rPr lang="it-IT" dirty="0" err="1" smtClean="0"/>
-              <a:t>heckFeasibility</a:t>
-            </a:r>
-            <a:r>
-              <a:rPr lang="it-IT" dirty="0" smtClean="0"/>
+              <a:rPr lang="it-IT" dirty="0" err="1"/>
+              <a:t>checkFeasibility</a:t>
+            </a:r>
+            <a:r>
+              <a:rPr lang="it-IT" dirty="0"/>
               <a:t>()</a:t>
             </a:r>
           </a:p>
@@ -9544,19 +9431,19 @@
               <a:buChar char="•"/>
             </a:pPr>
             <a:r>
-              <a:rPr lang="it-IT" dirty="0" err="1" smtClean="0"/>
+              <a:rPr lang="it-IT" dirty="0" err="1"/>
               <a:t>computeDenominator</a:t>
             </a:r>
             <a:r>
-              <a:rPr lang="it-IT" dirty="0" smtClean="0"/>
+              <a:rPr lang="it-IT" dirty="0"/>
               <a:t>(</a:t>
             </a:r>
             <a:r>
-              <a:rPr lang="it-IT" dirty="0" err="1" smtClean="0"/>
+              <a:rPr lang="it-IT" dirty="0" err="1"/>
               <a:t>vector</a:t>
             </a:r>
             <a:r>
-              <a:rPr lang="it-IT" dirty="0" smtClean="0"/>
+              <a:rPr lang="it-IT" dirty="0"/>
               <a:t>&lt;Application&gt;)</a:t>
             </a:r>
           </a:p>
@@ -9569,11 +9456,11 @@
               <a:buChar char="•"/>
             </a:pPr>
             <a:r>
-              <a:rPr lang="it-IT" dirty="0" err="1" smtClean="0"/>
+              <a:rPr lang="it-IT" dirty="0" err="1"/>
               <a:t>computeSearch</a:t>
             </a:r>
             <a:r>
-              <a:rPr lang="it-IT" dirty="0" smtClean="0"/>
+              <a:rPr lang="it-IT" dirty="0"/>
               <a:t>()</a:t>
             </a:r>
           </a:p>
@@ -9586,11 +9473,11 @@
               <a:buChar char="•"/>
             </a:pPr>
             <a:r>
-              <a:rPr lang="it-IT" dirty="0" err="1" smtClean="0"/>
+              <a:rPr lang="it-IT" dirty="0" err="1"/>
               <a:t>createElementForL</a:t>
             </a:r>
             <a:r>
-              <a:rPr lang="it-IT" dirty="0" smtClean="0"/>
+              <a:rPr lang="it-IT" dirty="0"/>
               <a:t>(VM,VM)</a:t>
             </a:r>
           </a:p>
@@ -9603,11 +9490,11 @@
               <a:buChar char="•"/>
             </a:pPr>
             <a:r>
-              <a:rPr lang="it-IT" dirty="0" err="1" smtClean="0"/>
+              <a:rPr lang="it-IT" dirty="0" err="1"/>
               <a:t>createFile</a:t>
             </a:r>
             <a:r>
-              <a:rPr lang="it-IT" dirty="0" smtClean="0"/>
+              <a:rPr lang="it-IT" dirty="0"/>
               <a:t>()</a:t>
             </a:r>
           </a:p>
@@ -9620,11 +9507,11 @@
               <a:buChar char="•"/>
             </a:pPr>
             <a:r>
-              <a:rPr lang="it-IT" dirty="0" err="1" smtClean="0"/>
+              <a:rPr lang="it-IT" dirty="0" err="1"/>
               <a:t>createFinalResult</a:t>
             </a:r>
             <a:r>
-              <a:rPr lang="it-IT" dirty="0" smtClean="0"/>
+              <a:rPr lang="it-IT" dirty="0"/>
               <a:t>()</a:t>
             </a:r>
           </a:p>
@@ -9637,10 +9524,10 @@
               <a:buChar char="•"/>
             </a:pPr>
             <a:r>
-              <a:rPr lang="it-IT" dirty="0" err="1" smtClean="0"/>
+              <a:rPr lang="it-IT" dirty="0" err="1"/>
               <a:t>defineVectorVM</a:t>
             </a:r>
-            <a:endParaRPr lang="it-IT" dirty="0" smtClean="0"/>
+            <a:endParaRPr lang="it-IT" dirty="0"/>
           </a:p>
           <a:p>
             <a:pPr>
@@ -9651,11 +9538,11 @@
               <a:buChar char="•"/>
             </a:pPr>
             <a:r>
-              <a:rPr lang="it-IT" dirty="0" err="1" smtClean="0"/>
+              <a:rPr lang="it-IT" dirty="0" err="1"/>
               <a:t>modifyVectorVM</a:t>
             </a:r>
             <a:r>
-              <a:rPr lang="it-IT" dirty="0" smtClean="0"/>
+              <a:rPr lang="it-IT" dirty="0"/>
               <a:t>()</a:t>
             </a:r>
           </a:p>
@@ -9668,11 +9555,11 @@
               <a:buChar char="•"/>
             </a:pPr>
             <a:r>
-              <a:rPr lang="it-IT" dirty="0" err="1" smtClean="0"/>
+              <a:rPr lang="it-IT" dirty="0" err="1"/>
               <a:t>readApplicationFile</a:t>
             </a:r>
             <a:r>
-              <a:rPr lang="it-IT" dirty="0" smtClean="0"/>
+              <a:rPr lang="it-IT" dirty="0"/>
               <a:t>()</a:t>
             </a:r>
           </a:p>
@@ -9685,11 +9572,11 @@
               <a:buChar char="•"/>
             </a:pPr>
             <a:r>
-              <a:rPr lang="it-IT" dirty="0" err="1" smtClean="0"/>
+              <a:rPr lang="it-IT" dirty="0" err="1"/>
               <a:t>readFileFromSimulator</a:t>
             </a:r>
             <a:r>
-              <a:rPr lang="it-IT" dirty="0" smtClean="0"/>
+              <a:rPr lang="it-IT" dirty="0"/>
               <a:t>()</a:t>
             </a:r>
           </a:p>
@@ -9702,22 +9589,21 @@
               <a:buChar char="•"/>
             </a:pPr>
             <a:r>
-              <a:rPr lang="it-IT" dirty="0" err="1" smtClean="0"/>
+              <a:rPr lang="it-IT" dirty="0" err="1"/>
               <a:t>weightedTardiness</a:t>
             </a:r>
             <a:r>
-              <a:rPr lang="it-IT" dirty="0" smtClean="0"/>
+              <a:rPr lang="it-IT" dirty="0"/>
               <a:t>(</a:t>
             </a:r>
             <a:r>
-              <a:rPr lang="it-IT" dirty="0" err="1" smtClean="0"/>
+              <a:rPr lang="it-IT" dirty="0" err="1"/>
               <a:t>vm,vm,int,int</a:t>
             </a:r>
             <a:r>
-              <a:rPr lang="it-IT" dirty="0" smtClean="0"/>
+              <a:rPr lang="it-IT" dirty="0"/>
               <a:t>)</a:t>
             </a:r>
-            <a:endParaRPr lang="it-IT" dirty="0" smtClean="0"/>
           </a:p>
           <a:p>
             <a:pPr marL="0" indent="0">
@@ -9727,10 +9613,10 @@
               <a:buNone/>
             </a:pPr>
             <a:r>
-              <a:rPr lang="it-IT" dirty="0" smtClean="0"/>
+              <a:rPr lang="it-IT" dirty="0"/>
               <a:t>                                                                             </a:t>
             </a:r>
-            <a:endParaRPr lang="en-GB" dirty="0" smtClean="0"/>
+            <a:endParaRPr lang="en-GB" dirty="0"/>
           </a:p>
         </p:txBody>
       </p:sp>
@@ -9787,7 +9673,7 @@
           <a:lstStyle/>
           <a:p>
             <a:r>
-              <a:rPr lang="it-IT" dirty="0" smtClean="0"/>
+              <a:rPr lang="it-IT" dirty="0"/>
               <a:t>Input                                    Output</a:t>
             </a:r>
             <a:endParaRPr lang="en-GB" dirty="0"/>
@@ -9834,13 +9720,6 @@
   <p:clrMapOvr>
     <a:masterClrMapping/>
   </p:clrMapOvr>
-  <p:timing>
-    <p:tnLst>
-      <p:par>
-        <p:cTn id="1" dur="indefinite" restart="never" nodeType="tmRoot"/>
-      </p:par>
-    </p:tnLst>
-  </p:timing>
 </p:sld>
 </file>
 
@@ -9884,19 +9763,19 @@
           <a:lstStyle/>
           <a:p>
             <a:r>
-              <a:rPr lang="it-IT" sz="4800" dirty="0" err="1" smtClean="0"/>
+              <a:rPr lang="it-IT" sz="4800" dirty="0" err="1"/>
               <a:t>Implementation</a:t>
             </a:r>
             <a:r>
-              <a:rPr lang="it-IT" sz="4800" dirty="0" smtClean="0"/>
+              <a:rPr lang="it-IT" sz="4800" dirty="0"/>
               <a:t> of the </a:t>
             </a:r>
             <a:r>
-              <a:rPr lang="it-IT" sz="4800" dirty="0" err="1" smtClean="0"/>
+              <a:rPr lang="it-IT" sz="4800" dirty="0" err="1"/>
               <a:t>loop</a:t>
             </a:r>
             <a:r>
-              <a:rPr lang="it-IT" sz="4800" dirty="0" smtClean="0"/>
+              <a:rPr lang="it-IT" sz="4800" dirty="0"/>
               <a:t> from line 8 to 15</a:t>
             </a:r>
             <a:endParaRPr lang="en-GB" sz="4800" dirty="0"/>
@@ -9954,15 +9833,11 @@
           <a:lstStyle/>
           <a:p>
             <a:r>
-              <a:rPr lang="it-IT" dirty="0" err="1" smtClean="0"/>
-              <a:t>c</a:t>
-            </a:r>
-            <a:r>
-              <a:rPr lang="it-IT" dirty="0" err="1" smtClean="0"/>
-              <a:t>omputeSearch</a:t>
-            </a:r>
-            <a:r>
-              <a:rPr lang="it-IT" dirty="0" smtClean="0"/>
+              <a:rPr lang="it-IT" dirty="0" err="1"/>
+              <a:t>computeSearch</a:t>
+            </a:r>
+            <a:r>
+              <a:rPr lang="it-IT" dirty="0"/>
               <a:t>()</a:t>
             </a:r>
             <a:endParaRPr lang="en-GB" dirty="0"/>
@@ -9995,82 +9870,82 @@
               <a:buNone/>
             </a:pPr>
             <a:r>
-              <a:rPr lang="it-IT" dirty="0" err="1" smtClean="0"/>
+              <a:rPr lang="it-IT" dirty="0" err="1"/>
               <a:t>computeSearch</a:t>
             </a:r>
             <a:r>
-              <a:rPr lang="it-IT" dirty="0" smtClean="0"/>
-              <a:t>() use a </a:t>
-            </a:r>
-            <a:r>
-              <a:rPr lang="it-IT" dirty="0" err="1" smtClean="0"/>
+              <a:rPr lang="it-IT" dirty="0"/>
+              <a:t>() </a:t>
+            </a:r>
+            <a:r>
+              <a:rPr lang="it-IT" dirty="0" err="1"/>
+              <a:t>uses</a:t>
+            </a:r>
+            <a:r>
+              <a:rPr lang="it-IT" dirty="0"/>
+              <a:t> a </a:t>
+            </a:r>
+            <a:r>
+              <a:rPr lang="it-IT" dirty="0" err="1"/>
               <a:t>nested</a:t>
             </a:r>
             <a:r>
-              <a:rPr lang="it-IT" dirty="0" smtClean="0"/>
-              <a:t> for </a:t>
-            </a:r>
-            <a:r>
-              <a:rPr lang="it-IT" dirty="0" err="1" smtClean="0"/>
-              <a:t>loop</a:t>
-            </a:r>
-            <a:r>
-              <a:rPr lang="it-IT" dirty="0" smtClean="0"/>
+              <a:rPr lang="it-IT" dirty="0"/>
+              <a:t> for loop to </a:t>
+            </a:r>
+            <a:r>
+              <a:rPr lang="it-IT" dirty="0" err="1"/>
+              <a:t>find</a:t>
+            </a:r>
+            <a:r>
+              <a:rPr lang="it-IT" dirty="0"/>
+              <a:t> </a:t>
+            </a:r>
+            <a:r>
+              <a:rPr lang="it-IT" dirty="0" err="1"/>
+              <a:t>couple</a:t>
+            </a:r>
+            <a:r>
+              <a:rPr lang="it-IT" dirty="0"/>
               <a:t> to </a:t>
             </a:r>
             <a:r>
-              <a:rPr lang="it-IT" dirty="0" err="1" smtClean="0"/>
-              <a:t>find</a:t>
-            </a:r>
-            <a:r>
-              <a:rPr lang="it-IT" dirty="0" smtClean="0"/>
-              <a:t> </a:t>
-            </a:r>
-            <a:r>
-              <a:rPr lang="it-IT" dirty="0" err="1" smtClean="0"/>
-              <a:t>couple</a:t>
-            </a:r>
-            <a:r>
-              <a:rPr lang="it-IT" dirty="0" smtClean="0"/>
-              <a:t> to </a:t>
-            </a:r>
-            <a:r>
-              <a:rPr lang="it-IT" dirty="0" err="1" smtClean="0"/>
+              <a:rPr lang="it-IT" dirty="0" err="1"/>
               <a:t>send</a:t>
             </a:r>
             <a:r>
-              <a:rPr lang="it-IT" dirty="0" smtClean="0"/>
+              <a:rPr lang="it-IT" dirty="0"/>
               <a:t> the </a:t>
             </a:r>
             <a:r>
-              <a:rPr lang="it-IT" dirty="0" err="1" smtClean="0"/>
+              <a:rPr lang="it-IT" dirty="0" err="1"/>
               <a:t>createElementForL</a:t>
             </a:r>
             <a:r>
-              <a:rPr lang="it-IT" dirty="0" smtClean="0"/>
+              <a:rPr lang="it-IT" dirty="0"/>
               <a:t>(VM,VM), the 2 for </a:t>
             </a:r>
             <a:r>
-              <a:rPr lang="it-IT" dirty="0" err="1" smtClean="0"/>
-              <a:t>loop</a:t>
-            </a:r>
-            <a:r>
-              <a:rPr lang="it-IT" dirty="0" smtClean="0"/>
+              <a:rPr lang="it-IT" dirty="0" err="1"/>
+              <a:t>loops</a:t>
+            </a:r>
+            <a:r>
+              <a:rPr lang="it-IT" dirty="0"/>
               <a:t> are </a:t>
             </a:r>
             <a:r>
-              <a:rPr lang="it-IT" dirty="0" err="1" smtClean="0"/>
+              <a:rPr lang="it-IT" dirty="0" err="1"/>
               <a:t>using</a:t>
             </a:r>
             <a:r>
-              <a:rPr lang="it-IT" dirty="0" smtClean="0"/>
+              <a:rPr lang="it-IT" dirty="0"/>
               <a:t>                               </a:t>
             </a:r>
             <a:r>
-              <a:rPr lang="en-GB" dirty="0" smtClean="0"/>
-              <a:t>to divide them between several threads to decrease the computation time.</a:t>
-            </a:r>
-            <a:endParaRPr lang="it-IT" dirty="0" smtClean="0"/>
+              <a:rPr lang="en-GB" dirty="0"/>
+              <a:t>to divide them between several threads to decrease computation time.</a:t>
+            </a:r>
+            <a:endParaRPr lang="it-IT" dirty="0"/>
           </a:p>
         </p:txBody>
       </p:sp>
@@ -10126,7 +10001,7 @@
         </p:blipFill>
         <p:spPr>
           <a:xfrm>
-            <a:off x="8198523" y="5448363"/>
+            <a:off x="8331044" y="5430058"/>
             <a:ext cx="1737511" cy="193772"/>
           </a:xfrm>
           <a:prstGeom prst="rect">
@@ -10144,13 +10019,6 @@
   <p:clrMapOvr>
     <a:masterClrMapping/>
   </p:clrMapOvr>
-  <p:timing>
-    <p:tnLst>
-      <p:par>
-        <p:cTn id="1" dur="indefinite" restart="never" nodeType="tmRoot"/>
-      </p:par>
-    </p:tnLst>
-  </p:timing>
 </p:sld>
 </file>
 
@@ -10194,19 +10062,15 @@
           <a:lstStyle/>
           <a:p>
             <a:r>
-              <a:rPr lang="it-IT" sz="4000" dirty="0" err="1" smtClean="0"/>
+              <a:rPr lang="it-IT" sz="4000" dirty="0" err="1"/>
               <a:t>creteElementForL</a:t>
             </a:r>
             <a:r>
-              <a:rPr lang="it-IT" sz="4000" dirty="0" smtClean="0"/>
+              <a:rPr lang="it-IT" sz="4000" dirty="0"/>
               <a:t>(VM,VM)</a:t>
             </a:r>
-            <a:r>
-              <a:rPr lang="it-IT" sz="4000" dirty="0" smtClean="0"/>
-              <a:t/>
-            </a:r>
             <a:br>
-              <a:rPr lang="it-IT" sz="4000" dirty="0" smtClean="0"/>
+              <a:rPr lang="it-IT" sz="4000" dirty="0"/>
             </a:br>
             <a:r>
               <a:rPr lang="it-IT" sz="4000" dirty="0"/>
@@ -10240,334 +10104,301 @@
           <a:lstStyle/>
           <a:p>
             <a:r>
-              <a:rPr lang="it-IT" dirty="0" err="1" smtClean="0"/>
+              <a:rPr lang="it-IT" dirty="0" err="1"/>
               <a:t>createElementForL</a:t>
             </a:r>
             <a:r>
-              <a:rPr lang="it-IT" dirty="0" smtClean="0"/>
-              <a:t>(VM,VM) use 2 </a:t>
-            </a:r>
-            <a:r>
-              <a:rPr lang="it-IT" dirty="0" err="1" smtClean="0"/>
+              <a:rPr lang="it-IT" dirty="0"/>
+              <a:t>(VM,VM) </a:t>
+            </a:r>
+            <a:r>
+              <a:rPr lang="it-IT" smtClean="0"/>
+              <a:t>uses </a:t>
+            </a:r>
+            <a:r>
+              <a:rPr lang="it-IT" dirty="0"/>
+              <a:t>2 </a:t>
+            </a:r>
+            <a:r>
+              <a:rPr lang="it-IT" dirty="0" err="1"/>
               <a:t>while</a:t>
             </a:r>
             <a:r>
-              <a:rPr lang="it-IT" dirty="0" smtClean="0"/>
+              <a:rPr lang="it-IT" dirty="0"/>
               <a:t> </a:t>
             </a:r>
             <a:r>
-              <a:rPr lang="it-IT" dirty="0" err="1" smtClean="0"/>
-              <a:t>loop</a:t>
-            </a:r>
-            <a:r>
-              <a:rPr lang="it-IT" dirty="0" smtClean="0"/>
+              <a:rPr lang="it-IT" dirty="0" err="1"/>
+              <a:t>loops</a:t>
+            </a:r>
+            <a:r>
+              <a:rPr lang="it-IT" dirty="0"/>
               <a:t> </a:t>
             </a:r>
             <a:r>
-              <a:rPr lang="it-IT" dirty="0" err="1" smtClean="0"/>
+              <a:rPr lang="it-IT" dirty="0" err="1"/>
               <a:t>instead</a:t>
             </a:r>
             <a:r>
-              <a:rPr lang="it-IT" dirty="0" smtClean="0"/>
-              <a:t> the for </a:t>
-            </a:r>
-            <a:r>
-              <a:rPr lang="it-IT" dirty="0" err="1" smtClean="0"/>
-              <a:t>loop</a:t>
-            </a:r>
-            <a:r>
-              <a:rPr lang="it-IT" dirty="0" smtClean="0"/>
-              <a:t>, </a:t>
-            </a:r>
-            <a:r>
-              <a:rPr lang="it-IT" dirty="0" err="1" smtClean="0"/>
+              <a:rPr lang="it-IT" dirty="0"/>
+              <a:t> of for loop, </a:t>
+            </a:r>
+            <a:r>
+              <a:rPr lang="it-IT" dirty="0" err="1"/>
               <a:t>because</a:t>
             </a:r>
             <a:r>
-              <a:rPr lang="it-IT" dirty="0" smtClean="0"/>
+              <a:rPr lang="it-IT" dirty="0"/>
               <a:t> the </a:t>
             </a:r>
             <a:r>
-              <a:rPr lang="it-IT" dirty="0" err="1" smtClean="0"/>
+              <a:rPr lang="it-IT" dirty="0" err="1"/>
               <a:t>search</a:t>
             </a:r>
             <a:r>
-              <a:rPr lang="it-IT" dirty="0" smtClean="0"/>
+              <a:rPr lang="it-IT" dirty="0"/>
               <a:t> </a:t>
             </a:r>
             <a:r>
-              <a:rPr lang="it-IT" dirty="0" err="1" smtClean="0"/>
+              <a:rPr lang="it-IT" dirty="0" err="1"/>
               <a:t>has</a:t>
             </a:r>
             <a:r>
-              <a:rPr lang="it-IT" dirty="0" smtClean="0"/>
+              <a:rPr lang="it-IT" dirty="0"/>
               <a:t> to stop </a:t>
             </a:r>
             <a:r>
-              <a:rPr lang="it-IT" dirty="0" err="1" smtClean="0"/>
+              <a:rPr lang="it-IT" dirty="0" err="1"/>
               <a:t>when</a:t>
             </a:r>
             <a:r>
-              <a:rPr lang="it-IT" dirty="0" smtClean="0"/>
+              <a:rPr lang="it-IT" dirty="0"/>
               <a:t> </a:t>
             </a:r>
             <a:r>
-              <a:rPr lang="it-IT" dirty="0" err="1" smtClean="0"/>
+              <a:rPr lang="it-IT" dirty="0" err="1"/>
               <a:t>it</a:t>
             </a:r>
             <a:r>
-              <a:rPr lang="it-IT" dirty="0" smtClean="0"/>
+              <a:rPr lang="it-IT" dirty="0"/>
               <a:t> </a:t>
             </a:r>
             <a:r>
-              <a:rPr lang="it-IT" dirty="0" err="1" smtClean="0"/>
-              <a:t>find</a:t>
-            </a:r>
-            <a:r>
-              <a:rPr lang="it-IT" dirty="0" smtClean="0"/>
+              <a:rPr lang="it-IT" dirty="0" err="1"/>
+              <a:t>finds</a:t>
+            </a:r>
+            <a:r>
+              <a:rPr lang="it-IT" dirty="0"/>
               <a:t> the </a:t>
             </a:r>
             <a:r>
-              <a:rPr lang="it-IT" dirty="0" err="1" smtClean="0"/>
+              <a:rPr lang="it-IT" dirty="0" err="1"/>
               <a:t>element</a:t>
             </a:r>
             <a:r>
-              <a:rPr lang="it-IT" dirty="0" smtClean="0"/>
+              <a:rPr lang="it-IT" dirty="0"/>
               <a:t> </a:t>
             </a:r>
             <a:r>
-              <a:rPr lang="it-IT" dirty="0" err="1" smtClean="0"/>
+              <a:rPr lang="it-IT" dirty="0" err="1"/>
               <a:t>that</a:t>
             </a:r>
             <a:r>
-              <a:rPr lang="it-IT" dirty="0" smtClean="0"/>
+              <a:rPr lang="it-IT" dirty="0"/>
               <a:t> can be </a:t>
             </a:r>
             <a:r>
-              <a:rPr lang="it-IT" dirty="0" err="1" smtClean="0"/>
+              <a:rPr lang="it-IT" dirty="0" err="1"/>
               <a:t>added</a:t>
             </a:r>
             <a:r>
-              <a:rPr lang="it-IT" dirty="0" smtClean="0"/>
+              <a:rPr lang="it-IT" dirty="0"/>
               <a:t> to the </a:t>
             </a:r>
             <a:r>
-              <a:rPr lang="it-IT" dirty="0" err="1" smtClean="0"/>
+              <a:rPr lang="it-IT" dirty="0" err="1"/>
               <a:t>vector</a:t>
             </a:r>
             <a:r>
-              <a:rPr lang="it-IT" dirty="0" smtClean="0"/>
+              <a:rPr lang="it-IT" dirty="0"/>
               <a:t>&lt;</a:t>
             </a:r>
             <a:r>
-              <a:rPr lang="it-IT" dirty="0" err="1" smtClean="0"/>
+              <a:rPr lang="it-IT" dirty="0" err="1"/>
               <a:t>DeltaVM</a:t>
             </a:r>
             <a:r>
-              <a:rPr lang="it-IT" dirty="0" smtClean="0"/>
+              <a:rPr lang="it-IT" dirty="0"/>
               <a:t>&gt; L. </a:t>
             </a:r>
           </a:p>
           <a:p>
             <a:r>
-              <a:rPr lang="it-IT" dirty="0" smtClean="0"/>
+              <a:rPr lang="it-IT" dirty="0"/>
               <a:t>L </a:t>
             </a:r>
             <a:r>
-              <a:rPr lang="it-IT" dirty="0" err="1" smtClean="0"/>
+              <a:rPr lang="it-IT" dirty="0" err="1"/>
               <a:t>is</a:t>
             </a:r>
             <a:r>
-              <a:rPr lang="it-IT" dirty="0" smtClean="0"/>
+              <a:rPr lang="it-IT" dirty="0"/>
               <a:t> a </a:t>
             </a:r>
             <a:r>
-              <a:rPr lang="it-IT" dirty="0" err="1" smtClean="0"/>
+              <a:rPr lang="it-IT" dirty="0" err="1"/>
               <a:t>shared</a:t>
             </a:r>
             <a:r>
-              <a:rPr lang="it-IT" dirty="0" smtClean="0"/>
+              <a:rPr lang="it-IT" dirty="0"/>
               <a:t> </a:t>
             </a:r>
             <a:r>
-              <a:rPr lang="it-IT" dirty="0" err="1" smtClean="0"/>
+              <a:rPr lang="it-IT" dirty="0" err="1"/>
               <a:t>resource</a:t>
             </a:r>
             <a:r>
-              <a:rPr lang="it-IT" dirty="0" smtClean="0"/>
+              <a:rPr lang="it-IT" dirty="0"/>
               <a:t>, so </a:t>
             </a:r>
             <a:r>
-              <a:rPr lang="it-IT" dirty="0" err="1" smtClean="0"/>
+              <a:rPr lang="it-IT" dirty="0" err="1"/>
               <a:t>when</a:t>
             </a:r>
             <a:r>
-              <a:rPr lang="it-IT" dirty="0" smtClean="0"/>
+              <a:rPr lang="it-IT" dirty="0"/>
+              <a:t> </a:t>
+            </a:r>
+            <a:r>
+              <a:rPr lang="it-IT" dirty="0" err="1"/>
+              <a:t>several</a:t>
+            </a:r>
+            <a:r>
+              <a:rPr lang="it-IT" dirty="0"/>
+              <a:t> </a:t>
+            </a:r>
+            <a:r>
+              <a:rPr lang="it-IT" dirty="0" err="1"/>
+              <a:t>threads</a:t>
+            </a:r>
+            <a:r>
+              <a:rPr lang="it-IT" dirty="0"/>
+              <a:t> are </a:t>
+            </a:r>
+            <a:r>
+              <a:rPr lang="it-IT" dirty="0" err="1"/>
+              <a:t>trying</a:t>
+            </a:r>
+            <a:r>
+              <a:rPr lang="it-IT" dirty="0"/>
+              <a:t> to use </a:t>
+            </a:r>
+            <a:r>
+              <a:rPr lang="it-IT" dirty="0" err="1"/>
+              <a:t>it</a:t>
+            </a:r>
+            <a:r>
+              <a:rPr lang="it-IT" dirty="0"/>
+              <a:t> </a:t>
+            </a:r>
+            <a:r>
+              <a:rPr lang="it-IT" dirty="0" err="1"/>
+              <a:t>they</a:t>
+            </a:r>
+            <a:r>
+              <a:rPr lang="it-IT" dirty="0"/>
+              <a:t> </a:t>
+            </a:r>
+            <a:r>
+              <a:rPr lang="it-IT" dirty="0" err="1"/>
+              <a:t>need</a:t>
+            </a:r>
+            <a:r>
+              <a:rPr lang="it-IT" dirty="0"/>
+              <a:t> to access </a:t>
+            </a:r>
+            <a:r>
+              <a:rPr lang="it-IT" dirty="0" err="1"/>
+              <a:t>it</a:t>
+            </a:r>
+            <a:r>
+              <a:rPr lang="it-IT" dirty="0"/>
+              <a:t> one </a:t>
+            </a:r>
+            <a:r>
+              <a:rPr lang="it-IT" dirty="0" err="1"/>
+              <a:t>at</a:t>
+            </a:r>
+            <a:r>
+              <a:rPr lang="it-IT" dirty="0"/>
+              <a:t> a time; to do </a:t>
+            </a:r>
+            <a:r>
+              <a:rPr lang="it-IT" dirty="0" err="1"/>
+              <a:t>this</a:t>
+            </a:r>
+            <a:r>
+              <a:rPr lang="it-IT" dirty="0"/>
               <a:t> the </a:t>
             </a:r>
             <a:r>
-              <a:rPr lang="it-IT" dirty="0" err="1" smtClean="0"/>
-              <a:t>several</a:t>
-            </a:r>
-            <a:r>
-              <a:rPr lang="it-IT" dirty="0" smtClean="0"/>
+              <a:rPr lang="it-IT" dirty="0" err="1"/>
+              <a:t>internal</a:t>
+            </a:r>
+            <a:r>
+              <a:rPr lang="it-IT" dirty="0"/>
               <a:t> </a:t>
             </a:r>
             <a:r>
-              <a:rPr lang="it-IT" dirty="0" err="1" smtClean="0"/>
-              <a:t>thread</a:t>
-            </a:r>
-            <a:r>
-              <a:rPr lang="it-IT" dirty="0" smtClean="0"/>
-              <a:t> are </a:t>
-            </a:r>
-            <a:r>
-              <a:rPr lang="it-IT" dirty="0" err="1" smtClean="0"/>
-              <a:t>tring</a:t>
+              <a:rPr lang="it-IT" dirty="0" err="1"/>
+              <a:t>while</a:t>
+            </a:r>
+            <a:r>
+              <a:rPr lang="it-IT" dirty="0"/>
+              <a:t> loop use                                                  </a:t>
+            </a:r>
+          </a:p>
+          <a:p>
+            <a:r>
+              <a:rPr lang="it-IT" dirty="0" err="1"/>
+              <a:t>that</a:t>
             </a:r>
             <a:r>
               <a:rPr lang="it-IT" dirty="0"/>
               <a:t> </a:t>
             </a:r>
             <a:r>
-              <a:rPr lang="it-IT" dirty="0" smtClean="0"/>
-              <a:t>to use </a:t>
-            </a:r>
-            <a:r>
-              <a:rPr lang="it-IT" dirty="0" err="1" smtClean="0"/>
-              <a:t>it</a:t>
-            </a:r>
-            <a:r>
-              <a:rPr lang="it-IT" dirty="0" smtClean="0"/>
+              <a:rPr lang="it-IT" dirty="0" err="1"/>
+              <a:t>imposes</a:t>
+            </a:r>
+            <a:r>
+              <a:rPr lang="it-IT" dirty="0"/>
+              <a:t> an </a:t>
+            </a:r>
+            <a:r>
+              <a:rPr lang="it-IT" dirty="0" err="1"/>
+              <a:t>individual</a:t>
+            </a:r>
+            <a:r>
+              <a:rPr lang="it-IT" dirty="0"/>
+              <a:t> access to </a:t>
+            </a:r>
+            <a:r>
+              <a:rPr lang="it-IT" dirty="0" err="1"/>
+              <a:t>that</a:t>
+            </a:r>
+            <a:r>
+              <a:rPr lang="it-IT" dirty="0"/>
               <a:t> </a:t>
             </a:r>
             <a:r>
-              <a:rPr lang="it-IT" dirty="0" err="1" smtClean="0"/>
-              <a:t>they</a:t>
-            </a:r>
-            <a:r>
-              <a:rPr lang="it-IT" dirty="0" smtClean="0"/>
-              <a:t> </a:t>
-            </a:r>
-            <a:r>
-              <a:rPr lang="it-IT" dirty="0" err="1" smtClean="0"/>
-              <a:t>need</a:t>
-            </a:r>
-            <a:r>
-              <a:rPr lang="it-IT" dirty="0" smtClean="0"/>
-              <a:t> to use </a:t>
-            </a:r>
-            <a:r>
-              <a:rPr lang="it-IT" dirty="0" err="1" smtClean="0"/>
-              <a:t>it</a:t>
-            </a:r>
-            <a:r>
-              <a:rPr lang="it-IT" dirty="0" smtClean="0"/>
-              <a:t> </a:t>
-            </a:r>
-            <a:r>
-              <a:rPr lang="it-IT" dirty="0" err="1" smtClean="0"/>
-              <a:t>one</a:t>
-            </a:r>
-            <a:r>
-              <a:rPr lang="it-IT" dirty="0" smtClean="0"/>
-              <a:t> </a:t>
-            </a:r>
-            <a:r>
-              <a:rPr lang="it-IT" dirty="0" err="1" smtClean="0"/>
-              <a:t>at</a:t>
-            </a:r>
-            <a:r>
-              <a:rPr lang="it-IT" dirty="0" smtClean="0"/>
-              <a:t> a time, to do </a:t>
-            </a:r>
-            <a:r>
-              <a:rPr lang="it-IT" dirty="0" err="1" smtClean="0"/>
-              <a:t>this</a:t>
-            </a:r>
-            <a:r>
-              <a:rPr lang="it-IT" dirty="0" smtClean="0"/>
-              <a:t> the </a:t>
-            </a:r>
-            <a:r>
-              <a:rPr lang="it-IT" dirty="0" err="1" smtClean="0"/>
-              <a:t>internal</a:t>
-            </a:r>
-            <a:r>
-              <a:rPr lang="it-IT" dirty="0" smtClean="0"/>
-              <a:t> </a:t>
-            </a:r>
-            <a:r>
-              <a:rPr lang="it-IT" dirty="0" err="1" smtClean="0"/>
-              <a:t>while</a:t>
-            </a:r>
-            <a:r>
-              <a:rPr lang="it-IT" dirty="0" smtClean="0"/>
-              <a:t> </a:t>
-            </a:r>
-            <a:r>
-              <a:rPr lang="it-IT" dirty="0" err="1" smtClean="0"/>
-              <a:t>loop</a:t>
-            </a:r>
-            <a:r>
-              <a:rPr lang="it-IT" dirty="0" smtClean="0"/>
-              <a:t> use                                                  </a:t>
-            </a:r>
-          </a:p>
-          <a:p>
-            <a:r>
-              <a:rPr lang="it-IT" dirty="0" err="1"/>
-              <a:t>t</a:t>
-            </a:r>
-            <a:r>
-              <a:rPr lang="it-IT" dirty="0" err="1" smtClean="0"/>
-              <a:t>hat</a:t>
-            </a:r>
-            <a:r>
-              <a:rPr lang="it-IT" dirty="0" smtClean="0"/>
-              <a:t> </a:t>
-            </a:r>
-            <a:r>
-              <a:rPr lang="it-IT" dirty="0" err="1" smtClean="0"/>
-              <a:t>imposes</a:t>
-            </a:r>
-            <a:r>
-              <a:rPr lang="it-IT" dirty="0" smtClean="0"/>
-              <a:t> a </a:t>
-            </a:r>
-            <a:r>
-              <a:rPr lang="it-IT" dirty="0" err="1" smtClean="0"/>
-              <a:t>individual</a:t>
-            </a:r>
-            <a:r>
-              <a:rPr lang="it-IT" dirty="0" smtClean="0"/>
-              <a:t> </a:t>
-            </a:r>
-            <a:r>
-              <a:rPr lang="it-IT" dirty="0" err="1" smtClean="0"/>
-              <a:t>access</a:t>
-            </a:r>
-            <a:r>
-              <a:rPr lang="it-IT" dirty="0" smtClean="0"/>
-              <a:t> to </a:t>
-            </a:r>
-            <a:r>
-              <a:rPr lang="it-IT" dirty="0" err="1" smtClean="0"/>
-              <a:t>that</a:t>
-            </a:r>
-            <a:r>
-              <a:rPr lang="it-IT" dirty="0" smtClean="0"/>
-              <a:t> </a:t>
-            </a:r>
-            <a:r>
-              <a:rPr lang="it-IT" dirty="0" err="1" smtClean="0"/>
+              <a:rPr lang="it-IT" dirty="0" err="1"/>
               <a:t>instruction</a:t>
             </a:r>
             <a:r>
-              <a:rPr lang="it-IT" dirty="0" smtClean="0"/>
+              <a:rPr lang="it-IT" dirty="0"/>
               <a:t>.</a:t>
             </a:r>
-            <a:endParaRPr lang="it-IT" dirty="0"/>
           </a:p>
         </p:txBody>
       </p:sp>
@@ -10640,13 +10471,6 @@
   <p:clrMapOvr>
     <a:masterClrMapping/>
   </p:clrMapOvr>
-  <p:timing>
-    <p:tnLst>
-      <p:par>
-        <p:cTn id="1" dur="indefinite" restart="never" nodeType="tmRoot"/>
-      </p:par>
-    </p:tnLst>
-  </p:timing>
 </p:sld>
 </file>
 
@@ -10688,19 +10512,19 @@
           <a:lstStyle/>
           <a:p>
             <a:r>
-              <a:rPr lang="it-IT" dirty="0" err="1" smtClean="0"/>
+              <a:rPr lang="it-IT" dirty="0" err="1"/>
               <a:t>weightTardiness</a:t>
             </a:r>
             <a:r>
-              <a:rPr lang="it-IT" dirty="0" smtClean="0"/>
+              <a:rPr lang="it-IT" dirty="0"/>
               <a:t>(</a:t>
             </a:r>
             <a:r>
-              <a:rPr lang="it-IT" dirty="0" err="1" smtClean="0"/>
+              <a:rPr lang="it-IT" dirty="0" err="1"/>
               <a:t>VM,VM,int,int</a:t>
             </a:r>
             <a:r>
-              <a:rPr lang="it-IT" dirty="0" smtClean="0"/>
+              <a:rPr lang="it-IT" dirty="0"/>
               <a:t>)</a:t>
             </a:r>
             <a:endParaRPr lang="en-GB" dirty="0"/>
@@ -10731,63 +10555,67 @@
               <a:buNone/>
             </a:pPr>
             <a:r>
-              <a:rPr lang="it-IT" dirty="0" smtClean="0"/>
-              <a:t>The </a:t>
-            </a:r>
-            <a:r>
-              <a:rPr lang="it-IT" dirty="0" err="1" smtClean="0"/>
+              <a:rPr lang="it-IT" dirty="0" err="1"/>
               <a:t>weightTardiness</a:t>
             </a:r>
             <a:r>
-              <a:rPr lang="it-IT" dirty="0" smtClean="0"/>
+              <a:rPr lang="it-IT" dirty="0"/>
               <a:t> </a:t>
             </a:r>
             <a:r>
-              <a:rPr lang="it-IT" dirty="0" err="1" smtClean="0"/>
+              <a:rPr lang="it-IT" dirty="0" err="1"/>
               <a:t>function</a:t>
             </a:r>
             <a:r>
-              <a:rPr lang="it-IT" dirty="0" smtClean="0"/>
+              <a:rPr lang="it-IT" dirty="0"/>
               <a:t> </a:t>
             </a:r>
             <a:r>
-              <a:rPr lang="it-IT" dirty="0" err="1" smtClean="0"/>
+              <a:rPr lang="it-IT" dirty="0" err="1"/>
               <a:t>implements</a:t>
             </a:r>
             <a:r>
-              <a:rPr lang="it-IT" dirty="0" smtClean="0"/>
+              <a:rPr lang="it-IT" dirty="0"/>
               <a:t> line 11 of the </a:t>
             </a:r>
             <a:r>
-              <a:rPr lang="it-IT" dirty="0" err="1" smtClean="0"/>
+              <a:rPr lang="it-IT" dirty="0" err="1"/>
               <a:t>algorithm</a:t>
             </a:r>
             <a:r>
-              <a:rPr lang="it-IT" dirty="0" smtClean="0"/>
+              <a:rPr lang="it-IT" dirty="0"/>
               <a:t>, </a:t>
             </a:r>
             <a:r>
-              <a:rPr lang="it-IT" dirty="0" err="1" smtClean="0"/>
+              <a:rPr lang="it-IT" dirty="0" err="1"/>
               <a:t>that</a:t>
             </a:r>
             <a:r>
-              <a:rPr lang="it-IT" dirty="0" smtClean="0"/>
-              <a:t> exploit </a:t>
-            </a:r>
-            <a:r>
-              <a:rPr lang="it-IT" dirty="0" err="1" smtClean="0"/>
+              <a:rPr lang="it-IT" dirty="0"/>
+              <a:t> </a:t>
+            </a:r>
+            <a:r>
+              <a:rPr lang="it-IT" dirty="0" err="1"/>
+              <a:t>employs</a:t>
+            </a:r>
+            <a:r>
+              <a:rPr lang="it-IT" dirty="0"/>
+              <a:t> </a:t>
+            </a:r>
+            <a:r>
+              <a:rPr lang="it-IT" dirty="0" err="1"/>
               <a:t>this</a:t>
             </a:r>
             <a:r>
-              <a:rPr lang="it-IT" dirty="0" smtClean="0"/>
+              <a:rPr lang="it-IT" dirty="0"/>
               <a:t> </a:t>
             </a:r>
             <a:r>
-              <a:rPr lang="it-IT" dirty="0" err="1" smtClean="0"/>
+              <a:rPr lang="it-IT" dirty="0" err="1"/>
               <a:t>equation</a:t>
             </a:r>
             <a:r>
-              <a:rPr lang="it-IT" dirty="0" smtClean="0"/>
+              <a:rPr lang="it-IT" dirty="0"/>
               <a:t>:</a:t>
             </a:r>
           </a:p>
@@ -10795,161 +10623,184 @@
             <a:pPr marL="0" indent="0">
               <a:buNone/>
             </a:pPr>
-            <a:endParaRPr lang="it-IT" dirty="0" smtClean="0"/>
+            <a:endParaRPr lang="it-IT" dirty="0"/>
           </a:p>
           <a:p>
             <a:pPr marL="0" indent="0">
               <a:buNone/>
             </a:pPr>
             <a:r>
-              <a:rPr lang="it-IT" dirty="0" smtClean="0"/>
-              <a:t>To compute t the </a:t>
-            </a:r>
-            <a:r>
-              <a:rPr lang="it-IT" dirty="0" err="1" smtClean="0"/>
+              <a:rPr lang="it-IT" dirty="0"/>
+              <a:t>To compute </a:t>
+            </a:r>
+            <a:r>
+              <a:rPr lang="it-IT" i="1" dirty="0"/>
+              <a:t>t</a:t>
+            </a:r>
+            <a:r>
+              <a:rPr lang="it-IT" dirty="0"/>
+              <a:t> the </a:t>
+            </a:r>
+            <a:r>
+              <a:rPr lang="it-IT" dirty="0" err="1"/>
               <a:t>function</a:t>
             </a:r>
             <a:r>
-              <a:rPr lang="it-IT" dirty="0" smtClean="0"/>
+              <a:rPr lang="it-IT" dirty="0"/>
               <a:t> </a:t>
             </a:r>
             <a:r>
-              <a:rPr lang="it-IT" dirty="0" err="1" smtClean="0"/>
+              <a:rPr lang="it-IT" dirty="0" err="1"/>
               <a:t>has</a:t>
             </a:r>
             <a:r>
-              <a:rPr lang="it-IT" dirty="0" smtClean="0"/>
-              <a:t> to compute first a and b (the </a:t>
-            </a:r>
-            <a:r>
-              <a:rPr lang="it-IT" dirty="0" err="1" smtClean="0"/>
+              <a:rPr lang="it-IT" dirty="0"/>
+              <a:t> to compute </a:t>
+            </a:r>
+            <a:r>
+              <a:rPr lang="it-IT" i="1" dirty="0"/>
+              <a:t>a</a:t>
+            </a:r>
+            <a:r>
+              <a:rPr lang="it-IT" dirty="0"/>
+              <a:t> first and </a:t>
+            </a:r>
+            <a:r>
+              <a:rPr lang="it-IT" dirty="0" err="1"/>
+              <a:t>then</a:t>
+            </a:r>
+            <a:r>
+              <a:rPr lang="it-IT" dirty="0"/>
+              <a:t> </a:t>
+            </a:r>
+            <a:r>
+              <a:rPr lang="it-IT" i="1" dirty="0"/>
+              <a:t>b</a:t>
+            </a:r>
+            <a:r>
+              <a:rPr lang="it-IT" dirty="0"/>
+              <a:t> (</a:t>
+            </a:r>
+            <a:r>
+              <a:rPr lang="it-IT" dirty="0" err="1"/>
+              <a:t>it</a:t>
+            </a:r>
+            <a:r>
+              <a:rPr lang="it-IT" dirty="0"/>
+              <a:t> </a:t>
+            </a:r>
+            <a:r>
+              <a:rPr lang="it-IT" dirty="0" err="1"/>
+              <a:t>has</a:t>
+            </a:r>
+            <a:r>
+              <a:rPr lang="it-IT" dirty="0"/>
+              <a:t> to interpolate </a:t>
+            </a:r>
+            <a:r>
+              <a:rPr lang="it-IT" dirty="0" err="1"/>
+              <a:t>them</a:t>
+            </a:r>
+            <a:r>
+              <a:rPr lang="it-IT" dirty="0"/>
+              <a:t> from the </a:t>
+            </a:r>
+            <a:r>
+              <a:rPr lang="it-IT" dirty="0" err="1"/>
+              <a:t>previous</a:t>
+            </a:r>
+            <a:r>
+              <a:rPr lang="it-IT" dirty="0"/>
+              <a:t> </a:t>
+            </a:r>
+            <a:r>
+              <a:rPr lang="it-IT" dirty="0" err="1"/>
+              <a:t>equation</a:t>
+            </a:r>
+            <a:r>
+              <a:rPr lang="it-IT" dirty="0"/>
+              <a:t>); in the first 2 </a:t>
+            </a:r>
+            <a:r>
+              <a:rPr lang="it-IT" dirty="0" err="1"/>
+              <a:t>iteration</a:t>
+            </a:r>
+            <a:r>
+              <a:rPr lang="it-IT" dirty="0"/>
+              <a:t> the </a:t>
+            </a:r>
+            <a:r>
+              <a:rPr lang="it-IT" dirty="0" err="1"/>
               <a:t>function</a:t>
             </a:r>
             <a:r>
-              <a:rPr lang="it-IT" dirty="0" smtClean="0"/>
+              <a:rPr lang="it-IT" dirty="0"/>
               <a:t> </a:t>
             </a:r>
             <a:r>
-              <a:rPr lang="it-IT" dirty="0" err="1" smtClean="0"/>
-              <a:t>has</a:t>
-            </a:r>
-            <a:r>
-              <a:rPr lang="it-IT" dirty="0" smtClean="0"/>
-              <a:t> to interpolate </a:t>
-            </a:r>
-            <a:r>
-              <a:rPr lang="it-IT" dirty="0" err="1" smtClean="0"/>
-              <a:t>them</a:t>
-            </a:r>
-            <a:r>
-              <a:rPr lang="it-IT" dirty="0" smtClean="0"/>
-              <a:t> from the </a:t>
-            </a:r>
-            <a:r>
-              <a:rPr lang="it-IT" dirty="0" err="1" smtClean="0"/>
-              <a:t>previous</a:t>
-            </a:r>
-            <a:r>
-              <a:rPr lang="it-IT" dirty="0" smtClean="0"/>
+              <a:rPr lang="it-IT" dirty="0" err="1"/>
+              <a:t>doesn’t</a:t>
+            </a:r>
+            <a:r>
+              <a:rPr lang="it-IT" dirty="0"/>
               <a:t> </a:t>
             </a:r>
             <a:r>
-              <a:rPr lang="it-IT" dirty="0" err="1" smtClean="0"/>
-              <a:t>equation</a:t>
-            </a:r>
-            <a:r>
-              <a:rPr lang="it-IT" dirty="0" smtClean="0"/>
-              <a:t>), in the first 2 </a:t>
-            </a:r>
-            <a:r>
-              <a:rPr lang="it-IT" dirty="0" err="1" smtClean="0"/>
+              <a:rPr lang="it-IT" dirty="0" err="1"/>
+              <a:t>have</a:t>
+            </a:r>
+            <a:r>
+              <a:rPr lang="it-IT" dirty="0"/>
+              <a:t> the </a:t>
+            </a:r>
+            <a:r>
+              <a:rPr lang="it-IT" dirty="0" err="1"/>
+              <a:t>value</a:t>
+            </a:r>
+            <a:r>
+              <a:rPr lang="it-IT" dirty="0"/>
+              <a:t> of the last </a:t>
+            </a:r>
+            <a:r>
+              <a:rPr lang="it-IT" dirty="0" err="1"/>
+              <a:t>two</a:t>
+            </a:r>
+            <a:r>
+              <a:rPr lang="it-IT" dirty="0"/>
+              <a:t> </a:t>
+            </a:r>
+            <a:r>
+              <a:rPr lang="it-IT" dirty="0" err="1"/>
               <a:t>iteration</a:t>
             </a:r>
             <a:r>
-              <a:rPr lang="it-IT" dirty="0" smtClean="0"/>
-              <a:t> </a:t>
-            </a:r>
-            <a:r>
-              <a:rPr lang="it-IT" dirty="0" err="1" smtClean="0"/>
-              <a:t>when</a:t>
-            </a:r>
-            <a:r>
-              <a:rPr lang="it-IT" dirty="0" smtClean="0"/>
-              <a:t> the </a:t>
-            </a:r>
-            <a:r>
-              <a:rPr lang="it-IT" dirty="0" err="1" smtClean="0"/>
-              <a:t>function</a:t>
-            </a:r>
-            <a:r>
-              <a:rPr lang="it-IT" dirty="0" smtClean="0"/>
-              <a:t> </a:t>
-            </a:r>
-            <a:r>
-              <a:rPr lang="it-IT" dirty="0" err="1" smtClean="0"/>
-              <a:t>doesn’t</a:t>
-            </a:r>
-            <a:r>
-              <a:rPr lang="it-IT" dirty="0" smtClean="0"/>
-              <a:t> </a:t>
-            </a:r>
-            <a:r>
-              <a:rPr lang="it-IT" dirty="0" err="1" smtClean="0"/>
+              <a:rPr lang="it-IT" dirty="0"/>
+              <a:t> to interpolate a and b, so i </a:t>
+            </a:r>
+            <a:r>
+              <a:rPr lang="it-IT" dirty="0" err="1"/>
               <a:t>have</a:t>
             </a:r>
             <a:r>
-              <a:rPr lang="it-IT" dirty="0" smtClean="0"/>
-              <a:t> the </a:t>
-            </a:r>
-            <a:r>
-              <a:rPr lang="it-IT" dirty="0" err="1" smtClean="0"/>
-              <a:t>value</a:t>
-            </a:r>
-            <a:r>
-              <a:rPr lang="it-IT" dirty="0" smtClean="0"/>
-              <a:t> of the last </a:t>
-            </a:r>
-            <a:r>
-              <a:rPr lang="it-IT" dirty="0" err="1" smtClean="0"/>
-              <a:t>two</a:t>
-            </a:r>
-            <a:r>
-              <a:rPr lang="it-IT" dirty="0" smtClean="0"/>
-              <a:t> </a:t>
-            </a:r>
-            <a:r>
-              <a:rPr lang="it-IT" dirty="0" err="1" smtClean="0"/>
-              <a:t>iteration</a:t>
-            </a:r>
-            <a:r>
-              <a:rPr lang="it-IT" dirty="0" smtClean="0"/>
-              <a:t> to interpolate a and b i </a:t>
-            </a:r>
-            <a:r>
-              <a:rPr lang="it-IT" dirty="0" err="1" smtClean="0"/>
-              <a:t>have</a:t>
-            </a:r>
-            <a:r>
-              <a:rPr lang="it-IT" dirty="0" smtClean="0"/>
+              <a:rPr lang="it-IT" dirty="0"/>
               <a:t> to use </a:t>
             </a:r>
             <a:r>
-              <a:rPr lang="it-IT" dirty="0" err="1" smtClean="0"/>
+              <a:rPr lang="it-IT" dirty="0" err="1"/>
               <a:t>Chi_i</a:t>
             </a:r>
             <a:r>
-              <a:rPr lang="it-IT" dirty="0" smtClean="0"/>
+              <a:rPr lang="it-IT" dirty="0"/>
               <a:t> and </a:t>
             </a:r>
             <a:r>
-              <a:rPr lang="it-IT" dirty="0" err="1" smtClean="0"/>
+              <a:rPr lang="it-IT" dirty="0" err="1"/>
               <a:t>Chi_O</a:t>
             </a:r>
             <a:r>
-              <a:rPr lang="it-IT" dirty="0" smtClean="0"/>
+              <a:rPr lang="it-IT" dirty="0"/>
               <a:t>. </a:t>
             </a:r>
-            <a:endParaRPr lang="it-IT" dirty="0" smtClean="0"/>
           </a:p>
         </p:txBody>
       </p:sp>
@@ -11113,13 +10964,6 @@
   <p:clrMapOvr>
     <a:masterClrMapping/>
   </p:clrMapOvr>
-  <p:timing>
-    <p:tnLst>
-      <p:par>
-        <p:cTn id="1" dur="indefinite" restart="never" nodeType="tmRoot"/>
-      </p:par>
-    </p:tnLst>
-  </p:timing>
 </p:sld>
 </file>
 
@@ -11161,19 +11005,19 @@
           <a:lstStyle/>
           <a:p>
             <a:r>
-              <a:rPr lang="it-IT" dirty="0" err="1" smtClean="0"/>
+              <a:rPr lang="it-IT" dirty="0" err="1"/>
               <a:t>Implementation</a:t>
             </a:r>
             <a:r>
-              <a:rPr lang="it-IT" dirty="0" smtClean="0"/>
+              <a:rPr lang="it-IT" dirty="0"/>
               <a:t> of </a:t>
             </a:r>
             <a:r>
-              <a:rPr lang="it-IT" dirty="0" err="1" smtClean="0"/>
+              <a:rPr lang="it-IT" dirty="0" err="1"/>
               <a:t>loop</a:t>
             </a:r>
             <a:r>
-              <a:rPr lang="it-IT" dirty="0" smtClean="0"/>
+              <a:rPr lang="it-IT" dirty="0"/>
               <a:t> from line 19 to 24</a:t>
             </a:r>
             <a:endParaRPr lang="en-GB" dirty="0"/>

--- a/projectP/Presentation.pptx
+++ b/projectP/Presentation.pptx
@@ -19,6 +19,8 @@
     <p:sldId id="274" r:id="rId13"/>
     <p:sldId id="272" r:id="rId14"/>
     <p:sldId id="273" r:id="rId15"/>
+    <p:sldId id="275" r:id="rId16"/>
+    <p:sldId id="276" r:id="rId17"/>
   </p:sldIdLst>
   <p:sldSz cx="12192000" cy="6858000"/>
   <p:notesSz cx="6858000" cy="9144000"/>
@@ -639,7 +641,7 @@
           <a:p>
             <a:fld id="{89454852-6FDE-4EA3-ABFE-242589B4E4FA}" type="datetimeFigureOut">
               <a:rPr lang="en-GB" smtClean="0"/>
-              <a:t>20/07/2018</a:t>
+              <a:t>30/07/2018</a:t>
             </a:fld>
             <a:endParaRPr lang="en-GB"/>
           </a:p>
@@ -935,7 +937,7 @@
           <a:p>
             <a:fld id="{89454852-6FDE-4EA3-ABFE-242589B4E4FA}" type="datetimeFigureOut">
               <a:rPr lang="en-GB" smtClean="0"/>
-              <a:t>20/07/2018</a:t>
+              <a:t>30/07/2018</a:t>
             </a:fld>
             <a:endParaRPr lang="en-GB"/>
           </a:p>
@@ -1183,7 +1185,7 @@
           <a:p>
             <a:fld id="{89454852-6FDE-4EA3-ABFE-242589B4E4FA}" type="datetimeFigureOut">
               <a:rPr lang="en-GB" smtClean="0"/>
-              <a:t>20/07/2018</a:t>
+              <a:t>30/07/2018</a:t>
             </a:fld>
             <a:endParaRPr lang="en-GB"/>
           </a:p>
@@ -1723,7 +1725,7 @@
           <a:p>
             <a:fld id="{89454852-6FDE-4EA3-ABFE-242589B4E4FA}" type="datetimeFigureOut">
               <a:rPr lang="en-GB" smtClean="0"/>
-              <a:t>20/07/2018</a:t>
+              <a:t>30/07/2018</a:t>
             </a:fld>
             <a:endParaRPr lang="en-GB"/>
           </a:p>
@@ -1971,7 +1973,7 @@
           <a:p>
             <a:fld id="{89454852-6FDE-4EA3-ABFE-242589B4E4FA}" type="datetimeFigureOut">
               <a:rPr lang="en-GB" smtClean="0"/>
-              <a:t>20/07/2018</a:t>
+              <a:t>30/07/2018</a:t>
             </a:fld>
             <a:endParaRPr lang="en-GB"/>
           </a:p>
@@ -2503,7 +2505,7 @@
           <a:p>
             <a:fld id="{89454852-6FDE-4EA3-ABFE-242589B4E4FA}" type="datetimeFigureOut">
               <a:rPr lang="en-GB" smtClean="0"/>
-              <a:t>20/07/2018</a:t>
+              <a:t>30/07/2018</a:t>
             </a:fld>
             <a:endParaRPr lang="en-GB"/>
           </a:p>
@@ -2800,7 +2802,7 @@
           <a:p>
             <a:fld id="{89454852-6FDE-4EA3-ABFE-242589B4E4FA}" type="datetimeFigureOut">
               <a:rPr lang="en-GB" smtClean="0"/>
-              <a:t>20/07/2018</a:t>
+              <a:t>30/07/2018</a:t>
             </a:fld>
             <a:endParaRPr lang="en-GB"/>
           </a:p>
@@ -2974,7 +2976,7 @@
           <a:p>
             <a:fld id="{89454852-6FDE-4EA3-ABFE-242589B4E4FA}" type="datetimeFigureOut">
               <a:rPr lang="en-GB" smtClean="0"/>
-              <a:t>20/07/2018</a:t>
+              <a:t>30/07/2018</a:t>
             </a:fld>
             <a:endParaRPr lang="en-GB"/>
           </a:p>
@@ -3154,7 +3156,7 @@
           <a:p>
             <a:fld id="{89454852-6FDE-4EA3-ABFE-242589B4E4FA}" type="datetimeFigureOut">
               <a:rPr lang="en-GB" smtClean="0"/>
-              <a:t>20/07/2018</a:t>
+              <a:t>30/07/2018</a:t>
             </a:fld>
             <a:endParaRPr lang="en-GB"/>
           </a:p>
@@ -3324,7 +3326,7 @@
           <a:p>
             <a:fld id="{89454852-6FDE-4EA3-ABFE-242589B4E4FA}" type="datetimeFigureOut">
               <a:rPr lang="en-GB" smtClean="0"/>
-              <a:t>20/07/2018</a:t>
+              <a:t>30/07/2018</a:t>
             </a:fld>
             <a:endParaRPr lang="en-GB"/>
           </a:p>
@@ -3575,7 +3577,7 @@
           <a:p>
             <a:fld id="{89454852-6FDE-4EA3-ABFE-242589B4E4FA}" type="datetimeFigureOut">
               <a:rPr lang="en-GB" smtClean="0"/>
-              <a:t>20/07/2018</a:t>
+              <a:t>30/07/2018</a:t>
             </a:fld>
             <a:endParaRPr lang="en-GB"/>
           </a:p>
@@ -3872,7 +3874,7 @@
           <a:p>
             <a:fld id="{89454852-6FDE-4EA3-ABFE-242589B4E4FA}" type="datetimeFigureOut">
               <a:rPr lang="en-GB" smtClean="0"/>
-              <a:t>20/07/2018</a:t>
+              <a:t>30/07/2018</a:t>
             </a:fld>
             <a:endParaRPr lang="en-GB"/>
           </a:p>
@@ -4314,7 +4316,7 @@
           <a:p>
             <a:fld id="{89454852-6FDE-4EA3-ABFE-242589B4E4FA}" type="datetimeFigureOut">
               <a:rPr lang="en-GB" smtClean="0"/>
-              <a:t>20/07/2018</a:t>
+              <a:t>30/07/2018</a:t>
             </a:fld>
             <a:endParaRPr lang="en-GB"/>
           </a:p>
@@ -4432,7 +4434,7 @@
           <a:p>
             <a:fld id="{89454852-6FDE-4EA3-ABFE-242589B4E4FA}" type="datetimeFigureOut">
               <a:rPr lang="en-GB" smtClean="0"/>
-              <a:t>20/07/2018</a:t>
+              <a:t>30/07/2018</a:t>
             </a:fld>
             <a:endParaRPr lang="en-GB"/>
           </a:p>
@@ -4527,7 +4529,7 @@
           <a:p>
             <a:fld id="{89454852-6FDE-4EA3-ABFE-242589B4E4FA}" type="datetimeFigureOut">
               <a:rPr lang="en-GB" smtClean="0"/>
-              <a:t>20/07/2018</a:t>
+              <a:t>30/07/2018</a:t>
             </a:fld>
             <a:endParaRPr lang="en-GB"/>
           </a:p>
@@ -4810,7 +4812,7 @@
           <a:p>
             <a:fld id="{89454852-6FDE-4EA3-ABFE-242589B4E4FA}" type="datetimeFigureOut">
               <a:rPr lang="en-GB" smtClean="0"/>
-              <a:t>20/07/2018</a:t>
+              <a:t>30/07/2018</a:t>
             </a:fld>
             <a:endParaRPr lang="en-GB"/>
           </a:p>
@@ -5101,7 +5103,7 @@
           <a:p>
             <a:fld id="{89454852-6FDE-4EA3-ABFE-242589B4E4FA}" type="datetimeFigureOut">
               <a:rPr lang="en-GB" smtClean="0"/>
-              <a:t>20/07/2018</a:t>
+              <a:t>30/07/2018</a:t>
             </a:fld>
             <a:endParaRPr lang="en-GB"/>
           </a:p>
@@ -5631,7 +5633,7 @@
           <a:p>
             <a:fld id="{89454852-6FDE-4EA3-ABFE-242589B4E4FA}" type="datetimeFigureOut">
               <a:rPr lang="en-GB" smtClean="0"/>
-              <a:t>20/07/2018</a:t>
+              <a:t>30/07/2018</a:t>
             </a:fld>
             <a:endParaRPr lang="en-GB"/>
           </a:p>
@@ -7207,35 +7209,6 @@
           </a:p>
         </p:txBody>
       </p:sp>
-      <p:pic>
-        <p:nvPicPr>
-          <p:cNvPr id="4" name="Segnaposto contenuto 3"/>
-          <p:cNvPicPr>
-            <a:picLocks noGrp="1" noChangeAspect="1"/>
-          </p:cNvPicPr>
-          <p:nvPr>
-            <p:ph idx="1"/>
-          </p:nvPr>
-        </p:nvPicPr>
-        <p:blipFill>
-          <a:blip r:embed="rId2">
-            <a:extLst>
-              <a:ext uri="{28A0092B-C50C-407E-A947-70E740481C1C}">
-                <a14:useLocalDpi xmlns:a14="http://schemas.microsoft.com/office/drawing/2010/main" val="0"/>
-              </a:ext>
-            </a:extLst>
-          </a:blip>
-          <a:stretch>
-            <a:fillRect/>
-          </a:stretch>
-        </p:blipFill>
-        <p:spPr>
-          <a:xfrm>
-            <a:off x="5203630" y="2438399"/>
-            <a:ext cx="6988370" cy="3270872"/>
-          </a:xfrm>
-        </p:spPr>
-      </p:pic>
       <p:sp>
         <p:nvSpPr>
           <p:cNvPr id="5" name="CasellaDiTesto 4"/>
@@ -7315,7 +7288,7 @@
           <p:nvPr/>
         </p:nvPicPr>
         <p:blipFill>
-          <a:blip r:embed="rId3">
+          <a:blip r:embed="rId2">
             <a:extLst>
               <a:ext uri="{28A0092B-C50C-407E-A947-70E740481C1C}">
                 <a14:useLocalDpi xmlns:a14="http://schemas.microsoft.com/office/drawing/2010/main" val="0"/>
@@ -7345,7 +7318,7 @@
           <p:nvPr/>
         </p:nvPicPr>
         <p:blipFill>
-          <a:blip r:embed="rId4">
+          <a:blip r:embed="rId3">
             <a:extLst>
               <a:ext uri="{28A0092B-C50C-407E-A947-70E740481C1C}">
                 <a14:useLocalDpi xmlns:a14="http://schemas.microsoft.com/office/drawing/2010/main" val="0"/>
@@ -7364,6 +7337,35 @@
           <a:prstGeom prst="rect">
             <a:avLst/>
           </a:prstGeom>
+        </p:spPr>
+      </p:pic>
+      <p:pic>
+        <p:nvPicPr>
+          <p:cNvPr id="8" name="Segnaposto contenuto 7"/>
+          <p:cNvPicPr>
+            <a:picLocks noGrp="1" noChangeAspect="1"/>
+          </p:cNvPicPr>
+          <p:nvPr>
+            <p:ph idx="1"/>
+          </p:nvPr>
+        </p:nvPicPr>
+        <p:blipFill>
+          <a:blip r:embed="rId4">
+            <a:extLst>
+              <a:ext uri="{28A0092B-C50C-407E-A947-70E740481C1C}">
+                <a14:useLocalDpi xmlns:a14="http://schemas.microsoft.com/office/drawing/2010/main" val="0"/>
+              </a:ext>
+            </a:extLst>
+          </a:blip>
+          <a:stretch>
+            <a:fillRect/>
+          </a:stretch>
+        </p:blipFill>
+        <p:spPr>
+          <a:xfrm>
+            <a:off x="4857844" y="2318658"/>
+            <a:ext cx="7190508" cy="3124200"/>
+          </a:xfrm>
         </p:spPr>
       </p:pic>
     </p:spTree>
@@ -8610,6 +8612,604 @@
 </p:sld>
 </file>
 
+<file path=ppt/slides/slide15.xml><?xml version="1.0" encoding="utf-8"?>
+<p:sld xmlns:a="http://schemas.openxmlformats.org/drawingml/2006/main" xmlns:r="http://schemas.openxmlformats.org/officeDocument/2006/relationships" xmlns:p="http://schemas.openxmlformats.org/presentationml/2006/main">
+  <p:cSld>
+    <p:spTree>
+      <p:nvGrpSpPr>
+        <p:cNvPr id="1" name=""/>
+        <p:cNvGrpSpPr/>
+        <p:nvPr/>
+      </p:nvGrpSpPr>
+      <p:grpSpPr>
+        <a:xfrm>
+          <a:off x="0" y="0"/>
+          <a:ext cx="0" cy="0"/>
+          <a:chOff x="0" y="0"/>
+          <a:chExt cx="0" cy="0"/>
+        </a:xfrm>
+      </p:grpSpPr>
+      <p:sp>
+        <p:nvSpPr>
+          <p:cNvPr id="2" name="Titolo 1"/>
+          <p:cNvSpPr>
+            <a:spLocks noGrp="1"/>
+          </p:cNvSpPr>
+          <p:nvPr>
+            <p:ph type="title"/>
+          </p:nvPr>
+        </p:nvSpPr>
+        <p:spPr>
+          <a:xfrm>
+            <a:off x="1484310" y="0"/>
+            <a:ext cx="10018713" cy="655320"/>
+          </a:xfrm>
+        </p:spPr>
+        <p:txBody>
+          <a:bodyPr>
+            <a:normAutofit fontScale="90000"/>
+          </a:bodyPr>
+          <a:lstStyle/>
+          <a:p>
+            <a:r>
+              <a:rPr lang="it-IT" dirty="0" err="1" smtClean="0"/>
+              <a:t>Computation</a:t>
+            </a:r>
+            <a:r>
+              <a:rPr lang="it-IT" dirty="0" smtClean="0"/>
+              <a:t> time</a:t>
+            </a:r>
+            <a:endParaRPr lang="en-GB" dirty="0"/>
+          </a:p>
+        </p:txBody>
+      </p:sp>
+      <p:sp>
+        <p:nvSpPr>
+          <p:cNvPr id="3" name="Segnaposto contenuto 2"/>
+          <p:cNvSpPr>
+            <a:spLocks noGrp="1"/>
+          </p:cNvSpPr>
+          <p:nvPr>
+            <p:ph idx="1"/>
+          </p:nvPr>
+        </p:nvSpPr>
+        <p:spPr>
+          <a:xfrm>
+            <a:off x="1484310" y="879567"/>
+            <a:ext cx="10018713" cy="2037804"/>
+          </a:xfrm>
+        </p:spPr>
+        <p:txBody>
+          <a:bodyPr/>
+          <a:lstStyle/>
+          <a:p>
+            <a:pPr marL="0" indent="0">
+              <a:buNone/>
+            </a:pPr>
+            <a:r>
+              <a:rPr lang="it-IT" dirty="0" smtClean="0"/>
+              <a:t>The </a:t>
+            </a:r>
+            <a:r>
+              <a:rPr lang="it-IT" dirty="0" err="1" smtClean="0"/>
+              <a:t>computation</a:t>
+            </a:r>
+            <a:r>
+              <a:rPr lang="it-IT" dirty="0" smtClean="0"/>
+              <a:t> time of </a:t>
+            </a:r>
+            <a:r>
+              <a:rPr lang="it-IT" dirty="0" err="1" smtClean="0"/>
+              <a:t>my</a:t>
+            </a:r>
+            <a:r>
+              <a:rPr lang="it-IT" dirty="0" smtClean="0"/>
+              <a:t> </a:t>
+            </a:r>
+            <a:r>
+              <a:rPr lang="it-IT" dirty="0" err="1" smtClean="0"/>
+              <a:t>application</a:t>
+            </a:r>
+            <a:r>
+              <a:rPr lang="it-IT" dirty="0" smtClean="0"/>
+              <a:t> </a:t>
+            </a:r>
+            <a:r>
+              <a:rPr lang="it-IT" dirty="0" err="1" smtClean="0"/>
+              <a:t>is</a:t>
+            </a:r>
+            <a:r>
+              <a:rPr lang="it-IT" dirty="0" smtClean="0"/>
+              <a:t> </a:t>
+            </a:r>
+            <a:r>
+              <a:rPr lang="it-IT" dirty="0" err="1" smtClean="0"/>
+              <a:t>computed</a:t>
+            </a:r>
+            <a:r>
+              <a:rPr lang="it-IT" dirty="0" smtClean="0"/>
+              <a:t> </a:t>
+            </a:r>
+            <a:r>
+              <a:rPr lang="it-IT" dirty="0" err="1" smtClean="0"/>
+              <a:t>using</a:t>
+            </a:r>
+            <a:r>
+              <a:rPr lang="it-IT" dirty="0" smtClean="0"/>
+              <a:t> 4 </a:t>
+            </a:r>
+            <a:r>
+              <a:rPr lang="it-IT" dirty="0" err="1" smtClean="0"/>
+              <a:t>different</a:t>
+            </a:r>
+            <a:r>
+              <a:rPr lang="it-IT" dirty="0" smtClean="0"/>
+              <a:t> sets to </a:t>
+            </a:r>
+            <a:r>
+              <a:rPr lang="it-IT" dirty="0" err="1" smtClean="0"/>
+              <a:t>see</a:t>
+            </a:r>
+            <a:r>
+              <a:rPr lang="it-IT" dirty="0" smtClean="0"/>
+              <a:t> </a:t>
+            </a:r>
+            <a:r>
+              <a:rPr lang="it-IT" dirty="0" err="1" smtClean="0"/>
+              <a:t>how</a:t>
+            </a:r>
+            <a:r>
+              <a:rPr lang="it-IT" dirty="0" smtClean="0"/>
+              <a:t> </a:t>
+            </a:r>
+            <a:r>
+              <a:rPr lang="it-IT" dirty="0" err="1" smtClean="0"/>
+              <a:t>it</a:t>
+            </a:r>
+            <a:r>
+              <a:rPr lang="it-IT" dirty="0" smtClean="0"/>
+              <a:t> </a:t>
+            </a:r>
+            <a:r>
+              <a:rPr lang="it-IT" dirty="0" err="1" smtClean="0"/>
+              <a:t>behaves</a:t>
+            </a:r>
+            <a:r>
+              <a:rPr lang="it-IT" dirty="0" smtClean="0"/>
+              <a:t> with </a:t>
+            </a:r>
+            <a:r>
+              <a:rPr lang="it-IT" dirty="0" err="1" smtClean="0"/>
+              <a:t>respect</a:t>
+            </a:r>
+            <a:r>
+              <a:rPr lang="it-IT" dirty="0" smtClean="0"/>
+              <a:t> to the </a:t>
+            </a:r>
+            <a:r>
+              <a:rPr lang="it-IT" dirty="0" err="1" smtClean="0"/>
+              <a:t>sequential</a:t>
+            </a:r>
+            <a:r>
+              <a:rPr lang="it-IT" dirty="0" smtClean="0"/>
+              <a:t> </a:t>
+            </a:r>
+            <a:r>
+              <a:rPr lang="it-IT" dirty="0" err="1" smtClean="0"/>
+              <a:t>algorithm</a:t>
+            </a:r>
+            <a:r>
+              <a:rPr lang="it-IT" dirty="0" smtClean="0"/>
+              <a:t>.</a:t>
+            </a:r>
+          </a:p>
+          <a:p>
+            <a:pPr marL="0" indent="0">
+              <a:buNone/>
+            </a:pPr>
+            <a:r>
+              <a:rPr lang="it-IT" dirty="0" smtClean="0"/>
+              <a:t>The first 2 sets </a:t>
+            </a:r>
+            <a:r>
+              <a:rPr lang="it-IT" dirty="0" err="1" smtClean="0"/>
+              <a:t>have</a:t>
+            </a:r>
+            <a:r>
+              <a:rPr lang="it-IT" dirty="0" smtClean="0"/>
+              <a:t> a </a:t>
+            </a:r>
+            <a:r>
+              <a:rPr lang="it-IT" dirty="0" err="1" smtClean="0"/>
+              <a:t>constant</a:t>
+            </a:r>
+            <a:r>
+              <a:rPr lang="it-IT" dirty="0" smtClean="0"/>
+              <a:t> </a:t>
+            </a:r>
+            <a:r>
+              <a:rPr lang="it-IT" dirty="0" err="1" smtClean="0"/>
+              <a:t>number</a:t>
+            </a:r>
+            <a:r>
+              <a:rPr lang="it-IT" dirty="0" smtClean="0"/>
+              <a:t> of input and a </a:t>
+            </a:r>
+            <a:r>
+              <a:rPr lang="it-IT" dirty="0" err="1" smtClean="0"/>
+              <a:t>variable</a:t>
+            </a:r>
+            <a:r>
+              <a:rPr lang="it-IT" dirty="0" smtClean="0"/>
+              <a:t> </a:t>
+            </a:r>
+            <a:r>
+              <a:rPr lang="it-IT" dirty="0" err="1" smtClean="0"/>
+              <a:t>number</a:t>
+            </a:r>
+            <a:r>
+              <a:rPr lang="it-IT" dirty="0" smtClean="0"/>
+              <a:t> of </a:t>
+            </a:r>
+            <a:r>
+              <a:rPr lang="it-IT" dirty="0" err="1" smtClean="0"/>
+              <a:t>cores</a:t>
+            </a:r>
+            <a:r>
+              <a:rPr lang="it-IT" dirty="0" smtClean="0"/>
+              <a:t>:</a:t>
+            </a:r>
+          </a:p>
+          <a:p>
+            <a:pPr marL="0" indent="0">
+              <a:buNone/>
+            </a:pPr>
+            <a:endParaRPr lang="en-GB" dirty="0"/>
+          </a:p>
+        </p:txBody>
+      </p:sp>
+      <p:pic>
+        <p:nvPicPr>
+          <p:cNvPr id="4" name="Immagine 3"/>
+          <p:cNvPicPr>
+            <a:picLocks noChangeAspect="1"/>
+          </p:cNvPicPr>
+          <p:nvPr/>
+        </p:nvPicPr>
+        <p:blipFill>
+          <a:blip r:embed="rId2">
+            <a:extLst>
+              <a:ext uri="{28A0092B-C50C-407E-A947-70E740481C1C}">
+                <a14:useLocalDpi xmlns:a14="http://schemas.microsoft.com/office/drawing/2010/main" val="0"/>
+              </a:ext>
+            </a:extLst>
+          </a:blip>
+          <a:stretch>
+            <a:fillRect/>
+          </a:stretch>
+        </p:blipFill>
+        <p:spPr>
+          <a:xfrm>
+            <a:off x="1214344" y="2483492"/>
+            <a:ext cx="4994867" cy="3430979"/>
+          </a:xfrm>
+          <a:prstGeom prst="rect">
+            <a:avLst/>
+          </a:prstGeom>
+        </p:spPr>
+      </p:pic>
+      <p:pic>
+        <p:nvPicPr>
+          <p:cNvPr id="5" name="Immagine 4"/>
+          <p:cNvPicPr>
+            <a:picLocks noChangeAspect="1"/>
+          </p:cNvPicPr>
+          <p:nvPr/>
+        </p:nvPicPr>
+        <p:blipFill>
+          <a:blip r:embed="rId3">
+            <a:extLst>
+              <a:ext uri="{28A0092B-C50C-407E-A947-70E740481C1C}">
+                <a14:useLocalDpi xmlns:a14="http://schemas.microsoft.com/office/drawing/2010/main" val="0"/>
+              </a:ext>
+            </a:extLst>
+          </a:blip>
+          <a:stretch>
+            <a:fillRect/>
+          </a:stretch>
+        </p:blipFill>
+        <p:spPr>
+          <a:xfrm>
+            <a:off x="6624829" y="2483492"/>
+            <a:ext cx="5148160" cy="3424694"/>
+          </a:xfrm>
+          <a:prstGeom prst="rect">
+            <a:avLst/>
+          </a:prstGeom>
+        </p:spPr>
+      </p:pic>
+      <p:sp>
+        <p:nvSpPr>
+          <p:cNvPr id="6" name="CasellaDiTesto 5"/>
+          <p:cNvSpPr txBox="1"/>
+          <p:nvPr/>
+        </p:nvSpPr>
+        <p:spPr>
+          <a:xfrm>
+            <a:off x="2967228" y="5974080"/>
+            <a:ext cx="7315201" cy="369332"/>
+          </a:xfrm>
+          <a:prstGeom prst="rect">
+            <a:avLst/>
+          </a:prstGeom>
+          <a:noFill/>
+        </p:spPr>
+        <p:txBody>
+          <a:bodyPr wrap="square" rtlCol="0">
+            <a:spAutoFit/>
+          </a:bodyPr>
+          <a:lstStyle/>
+          <a:p>
+            <a:r>
+              <a:rPr lang="it-IT" dirty="0" smtClean="0"/>
+              <a:t>8 </a:t>
+            </a:r>
+            <a:r>
+              <a:rPr lang="it-IT" dirty="0" err="1" smtClean="0"/>
+              <a:t>applications</a:t>
+            </a:r>
+            <a:r>
+              <a:rPr lang="it-IT" dirty="0" smtClean="0"/>
+              <a:t>                                                                                          15 </a:t>
+            </a:r>
+            <a:r>
+              <a:rPr lang="it-IT" dirty="0" err="1" smtClean="0"/>
+              <a:t>applications</a:t>
+            </a:r>
+            <a:endParaRPr lang="en-GB" dirty="0"/>
+          </a:p>
+        </p:txBody>
+      </p:sp>
+    </p:spTree>
+    <p:extLst>
+      <p:ext uri="{BB962C8B-B14F-4D97-AF65-F5344CB8AC3E}">
+        <p14:creationId xmlns:p14="http://schemas.microsoft.com/office/powerpoint/2010/main" val="3928811349"/>
+      </p:ext>
+    </p:extLst>
+  </p:cSld>
+  <p:clrMapOvr>
+    <a:masterClrMapping/>
+  </p:clrMapOvr>
+</p:sld>
+</file>
+
+<file path=ppt/slides/slide16.xml><?xml version="1.0" encoding="utf-8"?>
+<p:sld xmlns:a="http://schemas.openxmlformats.org/drawingml/2006/main" xmlns:r="http://schemas.openxmlformats.org/officeDocument/2006/relationships" xmlns:p="http://schemas.openxmlformats.org/presentationml/2006/main">
+  <p:cSld>
+    <p:spTree>
+      <p:nvGrpSpPr>
+        <p:cNvPr id="1" name=""/>
+        <p:cNvGrpSpPr/>
+        <p:nvPr/>
+      </p:nvGrpSpPr>
+      <p:grpSpPr>
+        <a:xfrm>
+          <a:off x="0" y="0"/>
+          <a:ext cx="0" cy="0"/>
+          <a:chOff x="0" y="0"/>
+          <a:chExt cx="0" cy="0"/>
+        </a:xfrm>
+      </p:grpSpPr>
+      <p:sp>
+        <p:nvSpPr>
+          <p:cNvPr id="3" name="Segnaposto contenuto 2"/>
+          <p:cNvSpPr>
+            <a:spLocks noGrp="1"/>
+          </p:cNvSpPr>
+          <p:nvPr>
+            <p:ph idx="1"/>
+          </p:nvPr>
+        </p:nvSpPr>
+        <p:spPr>
+          <a:xfrm>
+            <a:off x="1484310" y="566058"/>
+            <a:ext cx="10018713" cy="1733006"/>
+          </a:xfrm>
+        </p:spPr>
+        <p:txBody>
+          <a:bodyPr/>
+          <a:lstStyle/>
+          <a:p>
+            <a:pPr marL="0" indent="0">
+              <a:buNone/>
+            </a:pPr>
+            <a:r>
+              <a:rPr lang="it-IT" dirty="0" smtClean="0"/>
+              <a:t>The </a:t>
+            </a:r>
+            <a:r>
+              <a:rPr lang="it-IT" dirty="0" err="1" smtClean="0"/>
+              <a:t>others</a:t>
+            </a:r>
+            <a:r>
+              <a:rPr lang="it-IT" dirty="0" smtClean="0"/>
+              <a:t> 2 sets </a:t>
+            </a:r>
+            <a:r>
+              <a:rPr lang="it-IT" dirty="0" err="1" smtClean="0"/>
+              <a:t>have</a:t>
+            </a:r>
+            <a:r>
+              <a:rPr lang="it-IT" dirty="0" smtClean="0"/>
+              <a:t> a </a:t>
+            </a:r>
+            <a:r>
+              <a:rPr lang="it-IT" dirty="0" err="1" smtClean="0"/>
+              <a:t>constant</a:t>
+            </a:r>
+            <a:r>
+              <a:rPr lang="it-IT" dirty="0" smtClean="0"/>
+              <a:t> </a:t>
+            </a:r>
+            <a:r>
+              <a:rPr lang="it-IT" dirty="0" err="1" smtClean="0"/>
+              <a:t>number</a:t>
+            </a:r>
+            <a:r>
+              <a:rPr lang="it-IT" dirty="0" smtClean="0"/>
+              <a:t> of </a:t>
+            </a:r>
+            <a:r>
+              <a:rPr lang="it-IT" dirty="0" err="1" smtClean="0"/>
+              <a:t>cores</a:t>
+            </a:r>
+            <a:r>
+              <a:rPr lang="it-IT" dirty="0" smtClean="0"/>
+              <a:t> and a </a:t>
+            </a:r>
+            <a:r>
+              <a:rPr lang="it-IT" dirty="0" err="1" smtClean="0"/>
+              <a:t>variable</a:t>
+            </a:r>
+            <a:r>
+              <a:rPr lang="it-IT" dirty="0" smtClean="0"/>
+              <a:t> </a:t>
+            </a:r>
+            <a:r>
+              <a:rPr lang="it-IT" dirty="0" err="1" smtClean="0"/>
+              <a:t>number</a:t>
+            </a:r>
+            <a:r>
+              <a:rPr lang="it-IT" dirty="0" smtClean="0"/>
+              <a:t> of </a:t>
+            </a:r>
+            <a:r>
+              <a:rPr lang="it-IT" dirty="0" err="1" smtClean="0"/>
+              <a:t>applications</a:t>
+            </a:r>
+            <a:r>
+              <a:rPr lang="it-IT" dirty="0" smtClean="0"/>
+              <a:t>:  </a:t>
+            </a:r>
+            <a:endParaRPr lang="en-GB" dirty="0"/>
+          </a:p>
+        </p:txBody>
+      </p:sp>
+      <p:pic>
+        <p:nvPicPr>
+          <p:cNvPr id="4" name="Immagine 3"/>
+          <p:cNvPicPr>
+            <a:picLocks noChangeAspect="1"/>
+          </p:cNvPicPr>
+          <p:nvPr/>
+        </p:nvPicPr>
+        <p:blipFill>
+          <a:blip r:embed="rId2">
+            <a:extLst>
+              <a:ext uri="{28A0092B-C50C-407E-A947-70E740481C1C}">
+                <a14:useLocalDpi xmlns:a14="http://schemas.microsoft.com/office/drawing/2010/main" val="0"/>
+              </a:ext>
+            </a:extLst>
+          </a:blip>
+          <a:stretch>
+            <a:fillRect/>
+          </a:stretch>
+        </p:blipFill>
+        <p:spPr>
+          <a:xfrm>
+            <a:off x="869831" y="2020388"/>
+            <a:ext cx="5346230" cy="3527181"/>
+          </a:xfrm>
+          <a:prstGeom prst="rect">
+            <a:avLst/>
+          </a:prstGeom>
+        </p:spPr>
+      </p:pic>
+      <p:pic>
+        <p:nvPicPr>
+          <p:cNvPr id="5" name="Immagine 4"/>
+          <p:cNvPicPr>
+            <a:picLocks noChangeAspect="1"/>
+          </p:cNvPicPr>
+          <p:nvPr/>
+        </p:nvPicPr>
+        <p:blipFill>
+          <a:blip r:embed="rId3">
+            <a:extLst>
+              <a:ext uri="{28A0092B-C50C-407E-A947-70E740481C1C}">
+                <a14:useLocalDpi xmlns:a14="http://schemas.microsoft.com/office/drawing/2010/main" val="0"/>
+              </a:ext>
+            </a:extLst>
+          </a:blip>
+          <a:stretch>
+            <a:fillRect/>
+          </a:stretch>
+        </p:blipFill>
+        <p:spPr>
+          <a:xfrm>
+            <a:off x="6599252" y="2020388"/>
+            <a:ext cx="5184466" cy="3527181"/>
+          </a:xfrm>
+          <a:prstGeom prst="rect">
+            <a:avLst/>
+          </a:prstGeom>
+        </p:spPr>
+      </p:pic>
+      <p:sp>
+        <p:nvSpPr>
+          <p:cNvPr id="6" name="CasellaDiTesto 5"/>
+          <p:cNvSpPr txBox="1"/>
+          <p:nvPr/>
+        </p:nvSpPr>
+        <p:spPr>
+          <a:xfrm>
+            <a:off x="3013166" y="5660572"/>
+            <a:ext cx="7480663" cy="369332"/>
+          </a:xfrm>
+          <a:prstGeom prst="rect">
+            <a:avLst/>
+          </a:prstGeom>
+          <a:noFill/>
+        </p:spPr>
+        <p:txBody>
+          <a:bodyPr wrap="square" rtlCol="0">
+            <a:spAutoFit/>
+          </a:bodyPr>
+          <a:lstStyle/>
+          <a:p>
+            <a:r>
+              <a:rPr lang="it-IT" dirty="0" smtClean="0"/>
+              <a:t>100 </a:t>
+            </a:r>
+            <a:r>
+              <a:rPr lang="it-IT" dirty="0" err="1" smtClean="0"/>
+              <a:t>cores</a:t>
+            </a:r>
+            <a:r>
+              <a:rPr lang="it-IT" dirty="0" smtClean="0"/>
+              <a:t>                                                                                                       300 </a:t>
+            </a:r>
+            <a:r>
+              <a:rPr lang="it-IT" dirty="0" err="1" smtClean="0"/>
+              <a:t>cores</a:t>
+            </a:r>
+            <a:endParaRPr lang="en-GB" dirty="0"/>
+          </a:p>
+        </p:txBody>
+      </p:sp>
+    </p:spTree>
+    <p:extLst>
+      <p:ext uri="{BB962C8B-B14F-4D97-AF65-F5344CB8AC3E}">
+        <p14:creationId xmlns:p14="http://schemas.microsoft.com/office/powerpoint/2010/main" val="3648057500"/>
+      </p:ext>
+    </p:extLst>
+  </p:cSld>
+  <p:clrMapOvr>
+    <a:masterClrMapping/>
+  </p:clrMapOvr>
+</p:sld>
+</file>
+
 <file path=ppt/slides/slide2.xml><?xml version="1.0" encoding="utf-8"?>
 <p:sld xmlns:a="http://schemas.openxmlformats.org/drawingml/2006/main" xmlns:r="http://schemas.openxmlformats.org/officeDocument/2006/relationships" xmlns:p="http://schemas.openxmlformats.org/presentationml/2006/main">
   <p:cSld>
@@ -9923,15 +10523,35 @@
             </a:r>
             <a:r>
               <a:rPr lang="it-IT" dirty="0"/>
-              <a:t>(VM,VM), the 2 for </a:t>
-            </a:r>
-            <a:r>
-              <a:rPr lang="it-IT" dirty="0" err="1"/>
-              <a:t>loops</a:t>
-            </a:r>
-            <a:r>
-              <a:rPr lang="it-IT" dirty="0"/>
-              <a:t> are </a:t>
+              <a:t>(VM,VM), the </a:t>
+            </a:r>
+            <a:r>
+              <a:rPr lang="it-IT" dirty="0" err="1" smtClean="0"/>
+              <a:t>internal</a:t>
+            </a:r>
+            <a:r>
+              <a:rPr lang="it-IT" dirty="0" smtClean="0"/>
+              <a:t> </a:t>
+            </a:r>
+            <a:r>
+              <a:rPr lang="it-IT" dirty="0"/>
+              <a:t>for </a:t>
+            </a:r>
+            <a:r>
+              <a:rPr lang="it-IT" dirty="0" err="1" smtClean="0"/>
+              <a:t>loop</a:t>
+            </a:r>
+            <a:r>
+              <a:rPr lang="it-IT" dirty="0" smtClean="0"/>
+              <a:t> </a:t>
+            </a:r>
+            <a:r>
+              <a:rPr lang="it-IT" dirty="0" err="1" smtClean="0"/>
+              <a:t>is</a:t>
+            </a:r>
+            <a:r>
+              <a:rPr lang="it-IT" dirty="0" smtClean="0"/>
+              <a:t> </a:t>
             </a:r>
             <a:r>
               <a:rPr lang="it-IT" dirty="0" err="1"/>
@@ -9943,7 +10563,15 @@
             </a:r>
             <a:r>
               <a:rPr lang="en-GB" dirty="0"/>
-              <a:t>to divide them between several threads to decrease computation time.</a:t>
+              <a:t>to divide </a:t>
+            </a:r>
+            <a:r>
+              <a:rPr lang="en-GB" dirty="0" smtClean="0"/>
+              <a:t>it </a:t>
+            </a:r>
+            <a:r>
+              <a:rPr lang="en-GB" dirty="0"/>
+              <a:t>between several threads to decrease computation time.</a:t>
             </a:r>
             <a:endParaRPr lang="it-IT" dirty="0"/>
           </a:p>
@@ -9951,7 +10579,7 @@
       </p:sp>
       <p:pic>
         <p:nvPicPr>
-          <p:cNvPr id="4" name="Immagine 3"/>
+          <p:cNvPr id="6" name="Immagine 5"/>
           <p:cNvPicPr>
             <a:picLocks noChangeAspect="1"/>
           </p:cNvPicPr>
@@ -9971,8 +10599,8 @@
         </p:blipFill>
         <p:spPr>
           <a:xfrm>
-            <a:off x="2894544" y="1399771"/>
-            <a:ext cx="7041490" cy="3048264"/>
+            <a:off x="2643294" y="1460736"/>
+            <a:ext cx="6957663" cy="2987299"/>
           </a:xfrm>
           <a:prstGeom prst="rect">
             <a:avLst/>
@@ -9981,28 +10609,22 @@
       </p:pic>
       <p:pic>
         <p:nvPicPr>
-          <p:cNvPr id="5" name="Immagine 4"/>
+          <p:cNvPr id="7" name="Immagine 6"/>
           <p:cNvPicPr>
             <a:picLocks noChangeAspect="1"/>
           </p:cNvPicPr>
           <p:nvPr/>
         </p:nvPicPr>
         <p:blipFill>
-          <a:blip r:embed="rId3">
-            <a:extLst>
-              <a:ext uri="{28A0092B-C50C-407E-A947-70E740481C1C}">
-                <a14:useLocalDpi xmlns:a14="http://schemas.microsoft.com/office/drawing/2010/main" val="0"/>
-              </a:ext>
-            </a:extLst>
-          </a:blip>
+          <a:blip r:embed="rId3"/>
           <a:stretch>
             <a:fillRect/>
           </a:stretch>
         </p:blipFill>
         <p:spPr>
           <a:xfrm>
-            <a:off x="8331044" y="5430058"/>
-            <a:ext cx="1737511" cy="193772"/>
+            <a:off x="9059227" y="5407136"/>
+            <a:ext cx="1266825" cy="200025"/>
           </a:xfrm>
           <a:prstGeom prst="rect">
             <a:avLst/>
